--- a/presentation-first.pptx
+++ b/presentation-first.pptx
@@ -5,7 +5,7 @@
     <p:sldMasterId id="2147483648" r:id="rId1"/>
   </p:sldMasterIdLst>
   <p:notesMasterIdLst>
-    <p:notesMasterId r:id="rId16"/>
+    <p:notesMasterId r:id="rId19"/>
   </p:notesMasterIdLst>
   <p:sldIdLst>
     <p:sldId id="256" r:id="rId2"/>
@@ -18,10 +18,13 @@
     <p:sldId id="292" r:id="rId9"/>
     <p:sldId id="284" r:id="rId10"/>
     <p:sldId id="287" r:id="rId11"/>
-    <p:sldId id="293" r:id="rId12"/>
-    <p:sldId id="290" r:id="rId13"/>
-    <p:sldId id="288" r:id="rId14"/>
-    <p:sldId id="273" r:id="rId15"/>
+    <p:sldId id="294" r:id="rId12"/>
+    <p:sldId id="297" r:id="rId13"/>
+    <p:sldId id="293" r:id="rId14"/>
+    <p:sldId id="290" r:id="rId15"/>
+    <p:sldId id="288" r:id="rId16"/>
+    <p:sldId id="273" r:id="rId17"/>
+    <p:sldId id="295" r:id="rId18"/>
   </p:sldIdLst>
   <p:sldSz cx="12192000" cy="6858000"/>
   <p:notesSz cx="6858000" cy="9144000"/>
@@ -210,7 +213,7 @@
           <a:p>
             <a:fld id="{03D596B5-48C3-4BEF-A191-411AA0F4F1B7}" type="datetimeFigureOut">
               <a:rPr lang="zh-CN" altLang="en-US" smtClean="0"/>
-              <a:t>2023/11/8</a:t>
+              <a:t>2023/11/9</a:t>
             </a:fld>
             <a:endParaRPr lang="zh-CN" altLang="en-US"/>
           </a:p>
@@ -742,7 +745,7 @@
           <a:p>
             <a:fld id="{680F9DE7-D48B-4F0F-BBA6-52340702512A}" type="slidenum">
               <a:rPr lang="zh-CN" altLang="en-US" smtClean="0"/>
-              <a:t>11</a:t>
+              <a:t>13</a:t>
             </a:fld>
             <a:endParaRPr lang="zh-CN" altLang="en-US"/>
           </a:p>
@@ -845,7 +848,7 @@
           <a:p>
             <a:fld id="{680F9DE7-D48B-4F0F-BBA6-52340702512A}" type="slidenum">
               <a:rPr lang="zh-CN" altLang="en-US" smtClean="0"/>
-              <a:t>12</a:t>
+              <a:t>14</a:t>
             </a:fld>
             <a:endParaRPr lang="zh-CN" altLang="en-US"/>
           </a:p>
@@ -948,7 +951,7 @@
           <a:p>
             <a:fld id="{680F9DE7-D48B-4F0F-BBA6-52340702512A}" type="slidenum">
               <a:rPr lang="zh-CN" altLang="en-US" smtClean="0"/>
-              <a:t>13</a:t>
+              <a:t>15</a:t>
             </a:fld>
             <a:endParaRPr lang="zh-CN" altLang="en-US"/>
           </a:p>
@@ -1032,7 +1035,7 @@
           <a:p>
             <a:fld id="{680F9DE7-D48B-4F0F-BBA6-52340702512A}" type="slidenum">
               <a:rPr lang="zh-CN" altLang="en-US" smtClean="0"/>
-              <a:t>14</a:t>
+              <a:t>16</a:t>
             </a:fld>
             <a:endParaRPr lang="zh-CN" altLang="en-US"/>
           </a:p>
@@ -1937,7 +1940,7 @@
           <a:p>
             <a:fld id="{D48BC00B-01DA-4CD4-978B-0B50A307C9E4}" type="datetimeFigureOut">
               <a:rPr lang="zh-CN" altLang="en-US" smtClean="0"/>
-              <a:t>2023/11/8</a:t>
+              <a:t>2023/11/9</a:t>
             </a:fld>
             <a:endParaRPr lang="zh-CN" altLang="en-US"/>
           </a:p>
@@ -2135,7 +2138,7 @@
           <a:p>
             <a:fld id="{D48BC00B-01DA-4CD4-978B-0B50A307C9E4}" type="datetimeFigureOut">
               <a:rPr lang="zh-CN" altLang="en-US" smtClean="0"/>
-              <a:t>2023/11/8</a:t>
+              <a:t>2023/11/9</a:t>
             </a:fld>
             <a:endParaRPr lang="zh-CN" altLang="en-US"/>
           </a:p>
@@ -2343,7 +2346,7 @@
           <a:p>
             <a:fld id="{D48BC00B-01DA-4CD4-978B-0B50A307C9E4}" type="datetimeFigureOut">
               <a:rPr lang="zh-CN" altLang="en-US" smtClean="0"/>
-              <a:t>2023/11/8</a:t>
+              <a:t>2023/11/9</a:t>
             </a:fld>
             <a:endParaRPr lang="zh-CN" altLang="en-US"/>
           </a:p>
@@ -2541,7 +2544,7 @@
           <a:p>
             <a:fld id="{D48BC00B-01DA-4CD4-978B-0B50A307C9E4}" type="datetimeFigureOut">
               <a:rPr lang="zh-CN" altLang="en-US" smtClean="0"/>
-              <a:t>2023/11/8</a:t>
+              <a:t>2023/11/9</a:t>
             </a:fld>
             <a:endParaRPr lang="zh-CN" altLang="en-US"/>
           </a:p>
@@ -2816,7 +2819,7 @@
           <a:p>
             <a:fld id="{D48BC00B-01DA-4CD4-978B-0B50A307C9E4}" type="datetimeFigureOut">
               <a:rPr lang="zh-CN" altLang="en-US" smtClean="0"/>
-              <a:t>2023/11/8</a:t>
+              <a:t>2023/11/9</a:t>
             </a:fld>
             <a:endParaRPr lang="zh-CN" altLang="en-US"/>
           </a:p>
@@ -3081,7 +3084,7 @@
           <a:p>
             <a:fld id="{D48BC00B-01DA-4CD4-978B-0B50A307C9E4}" type="datetimeFigureOut">
               <a:rPr lang="zh-CN" altLang="en-US" smtClean="0"/>
-              <a:t>2023/11/8</a:t>
+              <a:t>2023/11/9</a:t>
             </a:fld>
             <a:endParaRPr lang="zh-CN" altLang="en-US"/>
           </a:p>
@@ -3493,7 +3496,7 @@
           <a:p>
             <a:fld id="{D48BC00B-01DA-4CD4-978B-0B50A307C9E4}" type="datetimeFigureOut">
               <a:rPr lang="zh-CN" altLang="en-US" smtClean="0"/>
-              <a:t>2023/11/8</a:t>
+              <a:t>2023/11/9</a:t>
             </a:fld>
             <a:endParaRPr lang="zh-CN" altLang="en-US"/>
           </a:p>
@@ -3634,7 +3637,7 @@
           <a:p>
             <a:fld id="{D48BC00B-01DA-4CD4-978B-0B50A307C9E4}" type="datetimeFigureOut">
               <a:rPr lang="zh-CN" altLang="en-US" smtClean="0"/>
-              <a:t>2023/11/8</a:t>
+              <a:t>2023/11/9</a:t>
             </a:fld>
             <a:endParaRPr lang="zh-CN" altLang="en-US"/>
           </a:p>
@@ -3747,7 +3750,7 @@
           <a:p>
             <a:fld id="{D48BC00B-01DA-4CD4-978B-0B50A307C9E4}" type="datetimeFigureOut">
               <a:rPr lang="zh-CN" altLang="en-US" smtClean="0"/>
-              <a:t>2023/11/8</a:t>
+              <a:t>2023/11/9</a:t>
             </a:fld>
             <a:endParaRPr lang="zh-CN" altLang="en-US"/>
           </a:p>
@@ -4058,7 +4061,7 @@
           <a:p>
             <a:fld id="{D48BC00B-01DA-4CD4-978B-0B50A307C9E4}" type="datetimeFigureOut">
               <a:rPr lang="zh-CN" altLang="en-US" smtClean="0"/>
-              <a:t>2023/11/8</a:t>
+              <a:t>2023/11/9</a:t>
             </a:fld>
             <a:endParaRPr lang="zh-CN" altLang="en-US"/>
           </a:p>
@@ -4346,7 +4349,7 @@
           <a:p>
             <a:fld id="{D48BC00B-01DA-4CD4-978B-0B50A307C9E4}" type="datetimeFigureOut">
               <a:rPr lang="zh-CN" altLang="en-US" smtClean="0"/>
-              <a:t>2023/11/8</a:t>
+              <a:t>2023/11/9</a:t>
             </a:fld>
             <a:endParaRPr lang="zh-CN" altLang="en-US"/>
           </a:p>
@@ -4587,7 +4590,7 @@
           <a:p>
             <a:fld id="{D48BC00B-01DA-4CD4-978B-0B50A307C9E4}" type="datetimeFigureOut">
               <a:rPr lang="zh-CN" altLang="en-US" smtClean="0"/>
-              <a:t>2023/11/8</a:t>
+              <a:t>2023/11/9</a:t>
             </a:fld>
             <a:endParaRPr lang="zh-CN" altLang="en-US"/>
           </a:p>
@@ -5089,7 +5092,7 @@
               <a:rPr lang="en-US" altLang="zh-CN" dirty="0">
                 <a:latin typeface="PingFang SC"/>
               </a:rPr>
-              <a:t>Kenneth Zhang</a:t>
+              <a:t>Zhang Kenneth</a:t>
             </a:r>
           </a:p>
           <a:p>
@@ -5103,16 +5106,25 @@
               <a:rPr lang="en-US" altLang="zh-CN" dirty="0">
                 <a:latin typeface="PingFang SC"/>
               </a:rPr>
-              <a:t> Wang (12011425)</a:t>
-            </a:r>
-          </a:p>
-          <a:p>
-            <a:r>
-              <a:rPr lang="zh-CN" altLang="en-US" dirty="0">
-                <a:latin typeface="PingFang SC"/>
-              </a:rPr>
-              <a:t>徐匡劼</a:t>
-            </a:r>
+              <a:t> Wang</a:t>
+            </a:r>
+          </a:p>
+          <a:p>
+            <a:r>
+              <a:rPr lang="en-US" altLang="zh-CN" dirty="0" err="1">
+                <a:latin typeface="PingFang SC"/>
+              </a:rPr>
+              <a:t>Kuangjie</a:t>
+            </a:r>
+            <a:r>
+              <a:rPr lang="en-US" altLang="zh-CN" dirty="0">
+                <a:latin typeface="PingFang SC"/>
+              </a:rPr>
+              <a:t> Xu</a:t>
+            </a:r>
+            <a:endParaRPr lang="zh-CN" altLang="en-US" dirty="0">
+              <a:latin typeface="PingFang SC"/>
+            </a:endParaRPr>
           </a:p>
         </p:txBody>
       </p:sp>
@@ -5248,6 +5260,468 @@
 </file>
 
 <file path=ppt/slides/slide11.xml><?xml version="1.0" encoding="utf-8"?>
+<p:sld xmlns:a="http://schemas.openxmlformats.org/drawingml/2006/main" xmlns:r="http://schemas.openxmlformats.org/officeDocument/2006/relationships" xmlns:p="http://schemas.openxmlformats.org/presentationml/2006/main">
+  <p:cSld>
+    <p:spTree>
+      <p:nvGrpSpPr>
+        <p:cNvPr id="1" name=""/>
+        <p:cNvGrpSpPr/>
+        <p:nvPr/>
+      </p:nvGrpSpPr>
+      <p:grpSpPr>
+        <a:xfrm>
+          <a:off x="0" y="0"/>
+          <a:ext cx="0" cy="0"/>
+          <a:chOff x="0" y="0"/>
+          <a:chExt cx="0" cy="0"/>
+        </a:xfrm>
+      </p:grpSpPr>
+      <p:sp>
+        <p:nvSpPr>
+          <p:cNvPr id="2" name="Title 1">
+            <a:extLst>
+              <a:ext uri="{FF2B5EF4-FFF2-40B4-BE49-F238E27FC236}">
+                <a16:creationId xmlns:a16="http://schemas.microsoft.com/office/drawing/2014/main" id="{92F64C7E-D299-AC9A-CD7A-5B74D0CD8DAF}"/>
+              </a:ext>
+            </a:extLst>
+          </p:cNvPr>
+          <p:cNvSpPr>
+            <a:spLocks noGrp="1"/>
+          </p:cNvSpPr>
+          <p:nvPr>
+            <p:ph type="title"/>
+          </p:nvPr>
+        </p:nvSpPr>
+        <p:spPr/>
+        <p:txBody>
+          <a:bodyPr/>
+          <a:lstStyle/>
+          <a:p>
+            <a:r>
+              <a:rPr lang="en-US" dirty="0">
+                <a:latin typeface="PingFang SC"/>
+              </a:rPr>
+              <a:t>Key concepts:</a:t>
+            </a:r>
+            <a:endParaRPr lang="en-US" dirty="0"/>
+          </a:p>
+        </p:txBody>
+      </p:sp>
+      <p:sp>
+        <p:nvSpPr>
+          <p:cNvPr id="3" name="Content Placeholder 2">
+            <a:extLst>
+              <a:ext uri="{FF2B5EF4-FFF2-40B4-BE49-F238E27FC236}">
+                <a16:creationId xmlns:a16="http://schemas.microsoft.com/office/drawing/2014/main" id="{91F355B0-6BA8-0C61-D90D-AD5DFE1F8FCB}"/>
+              </a:ext>
+            </a:extLst>
+          </p:cNvPr>
+          <p:cNvSpPr>
+            <a:spLocks noGrp="1"/>
+          </p:cNvSpPr>
+          <p:nvPr>
+            <p:ph idx="1"/>
+          </p:nvPr>
+        </p:nvSpPr>
+        <p:spPr/>
+        <p:txBody>
+          <a:bodyPr/>
+          <a:lstStyle/>
+          <a:p>
+            <a:r>
+              <a:rPr lang="en-US" dirty="0">
+                <a:latin typeface="Times New Roman" panose="02020603050405020304" pitchFamily="18" charset="0"/>
+                <a:cs typeface="Times New Roman" panose="02020603050405020304" pitchFamily="18" charset="0"/>
+              </a:rPr>
+              <a:t>Elitism</a:t>
+            </a:r>
+          </a:p>
+          <a:p>
+            <a:pPr marL="0" indent="0">
+              <a:buNone/>
+            </a:pPr>
+            <a:endParaRPr lang="en-US" dirty="0">
+              <a:latin typeface="Times New Roman" panose="02020603050405020304" pitchFamily="18" charset="0"/>
+              <a:cs typeface="Times New Roman" panose="02020603050405020304" pitchFamily="18" charset="0"/>
+            </a:endParaRPr>
+          </a:p>
+        </p:txBody>
+      </p:sp>
+      <p:pic>
+        <p:nvPicPr>
+          <p:cNvPr id="4" name="内容占位符 6">
+            <a:extLst>
+              <a:ext uri="{FF2B5EF4-FFF2-40B4-BE49-F238E27FC236}">
+                <a16:creationId xmlns:a16="http://schemas.microsoft.com/office/drawing/2014/main" id="{95F3067B-90FF-D863-CCFD-03944F4A70FE}"/>
+              </a:ext>
+            </a:extLst>
+          </p:cNvPr>
+          <p:cNvPicPr>
+            <a:picLocks noChangeAspect="1"/>
+          </p:cNvPicPr>
+          <p:nvPr/>
+        </p:nvPicPr>
+        <p:blipFill>
+          <a:blip r:embed="rId2"/>
+          <a:stretch>
+            <a:fillRect/>
+          </a:stretch>
+        </p:blipFill>
+        <p:spPr>
+          <a:xfrm>
+            <a:off x="838200" y="2584568"/>
+            <a:ext cx="4471961" cy="2992032"/>
+          </a:xfrm>
+          <a:prstGeom prst="rect">
+            <a:avLst/>
+          </a:prstGeom>
+        </p:spPr>
+      </p:pic>
+      <p:pic>
+        <p:nvPicPr>
+          <p:cNvPr id="7" name="Picture 6">
+            <a:extLst>
+              <a:ext uri="{FF2B5EF4-FFF2-40B4-BE49-F238E27FC236}">
+                <a16:creationId xmlns:a16="http://schemas.microsoft.com/office/drawing/2014/main" id="{4E1133CA-ABEE-6522-F5E3-1B216D37D133}"/>
+              </a:ext>
+            </a:extLst>
+          </p:cNvPr>
+          <p:cNvPicPr>
+            <a:picLocks noChangeAspect="1"/>
+          </p:cNvPicPr>
+          <p:nvPr/>
+        </p:nvPicPr>
+        <p:blipFill>
+          <a:blip r:embed="rId3"/>
+          <a:stretch>
+            <a:fillRect/>
+          </a:stretch>
+        </p:blipFill>
+        <p:spPr>
+          <a:xfrm>
+            <a:off x="5795871" y="2851511"/>
+            <a:ext cx="5691678" cy="2458145"/>
+          </a:xfrm>
+          <a:prstGeom prst="rect">
+            <a:avLst/>
+          </a:prstGeom>
+        </p:spPr>
+      </p:pic>
+      <p:sp>
+        <p:nvSpPr>
+          <p:cNvPr id="8" name="TextBox 7">
+            <a:extLst>
+              <a:ext uri="{FF2B5EF4-FFF2-40B4-BE49-F238E27FC236}">
+                <a16:creationId xmlns:a16="http://schemas.microsoft.com/office/drawing/2014/main" id="{9E81C58A-5AE5-DBF3-258D-949F4D0AA680}"/>
+              </a:ext>
+            </a:extLst>
+          </p:cNvPr>
+          <p:cNvSpPr txBox="1"/>
+          <p:nvPr/>
+        </p:nvSpPr>
+        <p:spPr>
+          <a:xfrm>
+            <a:off x="1836932" y="5576600"/>
+            <a:ext cx="3740727" cy="369332"/>
+          </a:xfrm>
+          <a:prstGeom prst="rect">
+            <a:avLst/>
+          </a:prstGeom>
+          <a:noFill/>
+        </p:spPr>
+        <p:txBody>
+          <a:bodyPr wrap="square" rtlCol="0">
+            <a:spAutoFit/>
+          </a:bodyPr>
+          <a:lstStyle/>
+          <a:p>
+            <a:r>
+              <a:rPr lang="en-US" dirty="0"/>
+              <a:t>NSGA-II’s elitist approach</a:t>
+            </a:r>
+          </a:p>
+        </p:txBody>
+      </p:sp>
+      <p:sp>
+        <p:nvSpPr>
+          <p:cNvPr id="9" name="TextBox 8">
+            <a:extLst>
+              <a:ext uri="{FF2B5EF4-FFF2-40B4-BE49-F238E27FC236}">
+                <a16:creationId xmlns:a16="http://schemas.microsoft.com/office/drawing/2014/main" id="{53EDBEE5-376A-1E72-CE75-A61CCE18BC93}"/>
+              </a:ext>
+            </a:extLst>
+          </p:cNvPr>
+          <p:cNvSpPr txBox="1"/>
+          <p:nvPr/>
+        </p:nvSpPr>
+        <p:spPr>
+          <a:xfrm>
+            <a:off x="6771346" y="5584188"/>
+            <a:ext cx="3740727" cy="369332"/>
+          </a:xfrm>
+          <a:prstGeom prst="rect">
+            <a:avLst/>
+          </a:prstGeom>
+          <a:noFill/>
+        </p:spPr>
+        <p:txBody>
+          <a:bodyPr wrap="square" rtlCol="0">
+            <a:spAutoFit/>
+          </a:bodyPr>
+          <a:lstStyle/>
+          <a:p>
+            <a:r>
+              <a:rPr lang="en-US" dirty="0"/>
+              <a:t>SPEA-II’s archive truncation strategy</a:t>
+            </a:r>
+          </a:p>
+        </p:txBody>
+      </p:sp>
+    </p:spTree>
+    <p:extLst>
+      <p:ext uri="{BB962C8B-B14F-4D97-AF65-F5344CB8AC3E}">
+        <p14:creationId xmlns:p14="http://schemas.microsoft.com/office/powerpoint/2010/main" val="2014757348"/>
+      </p:ext>
+    </p:extLst>
+  </p:cSld>
+  <p:clrMapOvr>
+    <a:masterClrMapping/>
+  </p:clrMapOvr>
+</p:sld>
+</file>
+
+<file path=ppt/slides/slide12.xml><?xml version="1.0" encoding="utf-8"?>
+<p:sld xmlns:a="http://schemas.openxmlformats.org/drawingml/2006/main" xmlns:r="http://schemas.openxmlformats.org/officeDocument/2006/relationships" xmlns:p="http://schemas.openxmlformats.org/presentationml/2006/main">
+  <p:cSld>
+    <p:spTree>
+      <p:nvGrpSpPr>
+        <p:cNvPr id="1" name=""/>
+        <p:cNvGrpSpPr/>
+        <p:nvPr/>
+      </p:nvGrpSpPr>
+      <p:grpSpPr>
+        <a:xfrm>
+          <a:off x="0" y="0"/>
+          <a:ext cx="0" cy="0"/>
+          <a:chOff x="0" y="0"/>
+          <a:chExt cx="0" cy="0"/>
+        </a:xfrm>
+      </p:grpSpPr>
+      <p:sp>
+        <p:nvSpPr>
+          <p:cNvPr id="2" name="Title 1">
+            <a:extLst>
+              <a:ext uri="{FF2B5EF4-FFF2-40B4-BE49-F238E27FC236}">
+                <a16:creationId xmlns:a16="http://schemas.microsoft.com/office/drawing/2014/main" id="{92F64C7E-D299-AC9A-CD7A-5B74D0CD8DAF}"/>
+              </a:ext>
+            </a:extLst>
+          </p:cNvPr>
+          <p:cNvSpPr>
+            <a:spLocks noGrp="1"/>
+          </p:cNvSpPr>
+          <p:nvPr>
+            <p:ph type="title"/>
+          </p:nvPr>
+        </p:nvSpPr>
+        <p:spPr/>
+        <p:txBody>
+          <a:bodyPr/>
+          <a:lstStyle/>
+          <a:p>
+            <a:r>
+              <a:rPr lang="en-US" dirty="0">
+                <a:latin typeface="PingFang SC"/>
+              </a:rPr>
+              <a:t>Key concepts:</a:t>
+            </a:r>
+            <a:endParaRPr lang="en-US" dirty="0"/>
+          </a:p>
+        </p:txBody>
+      </p:sp>
+      <p:sp>
+        <p:nvSpPr>
+          <p:cNvPr id="3" name="Content Placeholder 2">
+            <a:extLst>
+              <a:ext uri="{FF2B5EF4-FFF2-40B4-BE49-F238E27FC236}">
+                <a16:creationId xmlns:a16="http://schemas.microsoft.com/office/drawing/2014/main" id="{91F355B0-6BA8-0C61-D90D-AD5DFE1F8FCB}"/>
+              </a:ext>
+            </a:extLst>
+          </p:cNvPr>
+          <p:cNvSpPr>
+            <a:spLocks noGrp="1"/>
+          </p:cNvSpPr>
+          <p:nvPr>
+            <p:ph idx="1"/>
+          </p:nvPr>
+        </p:nvSpPr>
+        <p:spPr/>
+        <p:txBody>
+          <a:bodyPr/>
+          <a:lstStyle/>
+          <a:p>
+            <a:r>
+              <a:rPr lang="en-US" dirty="0">
+                <a:latin typeface="Times New Roman" panose="02020603050405020304" pitchFamily="18" charset="0"/>
+                <a:cs typeface="Times New Roman" panose="02020603050405020304" pitchFamily="18" charset="0"/>
+              </a:rPr>
+              <a:t>Hypervolume</a:t>
+            </a:r>
+          </a:p>
+          <a:p>
+            <a:pPr marL="0" indent="0">
+              <a:buNone/>
+            </a:pPr>
+            <a:endParaRPr lang="en-US" dirty="0">
+              <a:latin typeface="Times New Roman" panose="02020603050405020304" pitchFamily="18" charset="0"/>
+              <a:cs typeface="Times New Roman" panose="02020603050405020304" pitchFamily="18" charset="0"/>
+            </a:endParaRPr>
+          </a:p>
+        </p:txBody>
+      </p:sp>
+      <p:sp>
+        <p:nvSpPr>
+          <p:cNvPr id="8" name="TextBox 7">
+            <a:extLst>
+              <a:ext uri="{FF2B5EF4-FFF2-40B4-BE49-F238E27FC236}">
+                <a16:creationId xmlns:a16="http://schemas.microsoft.com/office/drawing/2014/main" id="{9E81C58A-5AE5-DBF3-258D-949F4D0AA680}"/>
+              </a:ext>
+            </a:extLst>
+          </p:cNvPr>
+          <p:cNvSpPr txBox="1"/>
+          <p:nvPr/>
+        </p:nvSpPr>
+        <p:spPr>
+          <a:xfrm>
+            <a:off x="1836932" y="5576600"/>
+            <a:ext cx="3740727" cy="369332"/>
+          </a:xfrm>
+          <a:prstGeom prst="rect">
+            <a:avLst/>
+          </a:prstGeom>
+          <a:noFill/>
+        </p:spPr>
+        <p:txBody>
+          <a:bodyPr wrap="square" rtlCol="0">
+            <a:spAutoFit/>
+          </a:bodyPr>
+          <a:lstStyle/>
+          <a:p>
+            <a:r>
+              <a:rPr lang="en-US" dirty="0"/>
+              <a:t>Definition of Hypervolume</a:t>
+            </a:r>
+          </a:p>
+        </p:txBody>
+      </p:sp>
+      <p:sp>
+        <p:nvSpPr>
+          <p:cNvPr id="9" name="TextBox 8">
+            <a:extLst>
+              <a:ext uri="{FF2B5EF4-FFF2-40B4-BE49-F238E27FC236}">
+                <a16:creationId xmlns:a16="http://schemas.microsoft.com/office/drawing/2014/main" id="{53EDBEE5-376A-1E72-CE75-A61CCE18BC93}"/>
+              </a:ext>
+            </a:extLst>
+          </p:cNvPr>
+          <p:cNvSpPr txBox="1"/>
+          <p:nvPr/>
+        </p:nvSpPr>
+        <p:spPr>
+          <a:xfrm>
+            <a:off x="6194650" y="5622766"/>
+            <a:ext cx="3740727" cy="646331"/>
+          </a:xfrm>
+          <a:prstGeom prst="rect">
+            <a:avLst/>
+          </a:prstGeom>
+          <a:noFill/>
+        </p:spPr>
+        <p:txBody>
+          <a:bodyPr wrap="square" rtlCol="0">
+            <a:spAutoFit/>
+          </a:bodyPr>
+          <a:lstStyle/>
+          <a:p>
+            <a:r>
+              <a:rPr lang="en-US" dirty="0"/>
+              <a:t>SMS-EMOA uses hypervolume to leverage delta performance</a:t>
+            </a:r>
+          </a:p>
+        </p:txBody>
+      </p:sp>
+      <p:pic>
+        <p:nvPicPr>
+          <p:cNvPr id="5" name="图片 5">
+            <a:extLst>
+              <a:ext uri="{FF2B5EF4-FFF2-40B4-BE49-F238E27FC236}">
+                <a16:creationId xmlns:a16="http://schemas.microsoft.com/office/drawing/2014/main" id="{4FDE82D6-1881-6BC9-6250-0013BE396B3B}"/>
+              </a:ext>
+            </a:extLst>
+          </p:cNvPr>
+          <p:cNvPicPr>
+            <a:picLocks noChangeAspect="1"/>
+          </p:cNvPicPr>
+          <p:nvPr/>
+        </p:nvPicPr>
+        <p:blipFill>
+          <a:blip r:embed="rId2"/>
+          <a:stretch>
+            <a:fillRect/>
+          </a:stretch>
+        </p:blipFill>
+        <p:spPr>
+          <a:xfrm>
+            <a:off x="1471871" y="2534131"/>
+            <a:ext cx="3690329" cy="2907532"/>
+          </a:xfrm>
+          <a:prstGeom prst="rect">
+            <a:avLst/>
+          </a:prstGeom>
+        </p:spPr>
+      </p:pic>
+      <p:pic>
+        <p:nvPicPr>
+          <p:cNvPr id="10" name="Picture 9">
+            <a:extLst>
+              <a:ext uri="{FF2B5EF4-FFF2-40B4-BE49-F238E27FC236}">
+                <a16:creationId xmlns:a16="http://schemas.microsoft.com/office/drawing/2014/main" id="{6B593F1E-3F1A-6671-67E4-DD4671F3BC3F}"/>
+              </a:ext>
+            </a:extLst>
+          </p:cNvPr>
+          <p:cNvPicPr>
+            <a:picLocks noChangeAspect="1"/>
+          </p:cNvPicPr>
+          <p:nvPr/>
+        </p:nvPicPr>
+        <p:blipFill>
+          <a:blip r:embed="rId3"/>
+          <a:stretch>
+            <a:fillRect/>
+          </a:stretch>
+        </p:blipFill>
+        <p:spPr>
+          <a:xfrm>
+            <a:off x="6194650" y="2761923"/>
+            <a:ext cx="4525479" cy="2679740"/>
+          </a:xfrm>
+          <a:prstGeom prst="rect">
+            <a:avLst/>
+          </a:prstGeom>
+        </p:spPr>
+      </p:pic>
+    </p:spTree>
+    <p:extLst>
+      <p:ext uri="{BB962C8B-B14F-4D97-AF65-F5344CB8AC3E}">
+        <p14:creationId xmlns:p14="http://schemas.microsoft.com/office/powerpoint/2010/main" val="3379269895"/>
+      </p:ext>
+    </p:extLst>
+  </p:cSld>
+  <p:clrMapOvr>
+    <a:masterClrMapping/>
+  </p:clrMapOvr>
+</p:sld>
+</file>
+
+<file path=ppt/slides/slide13.xml><?xml version="1.0" encoding="utf-8"?>
 <p:sld xmlns:a="http://schemas.openxmlformats.org/drawingml/2006/main" xmlns:r="http://schemas.openxmlformats.org/officeDocument/2006/relationships" xmlns:p="http://schemas.openxmlformats.org/presentationml/2006/main">
   <p:cSld>
     <p:spTree>
@@ -5609,6 +6083,30 @@
               <a:t>Sub-population transfer (guided by non-dominated individual gradient)</a:t>
             </a:r>
           </a:p>
+          <a:p>
+            <a:r>
+              <a:rPr lang="en-US" altLang="zh-CN" dirty="0">
+                <a:latin typeface="PingFang SC"/>
+              </a:rPr>
+              <a:t>Local search + Group migration</a:t>
+            </a:r>
+          </a:p>
+          <a:p>
+            <a:r>
+              <a:rPr lang="en-US" altLang="zh-CN" dirty="0">
+                <a:latin typeface="PingFang SC"/>
+              </a:rPr>
+              <a:t>Uses Hypervolume as a performance indicator</a:t>
+            </a:r>
+          </a:p>
+          <a:p>
+            <a:r>
+              <a:rPr lang="en-US" altLang="zh-CN" dirty="0">
+                <a:latin typeface="PingFang SC"/>
+              </a:rPr>
+              <a:t>Uses Gradient information as a heuristic algorithm</a:t>
+            </a:r>
+          </a:p>
         </p:txBody>
       </p:sp>
       <p:cxnSp>
@@ -5761,7 +6259,7 @@
 </p:sld>
 </file>
 
-<file path=ppt/slides/slide12.xml><?xml version="1.0" encoding="utf-8"?>
+<file path=ppt/slides/slide14.xml><?xml version="1.0" encoding="utf-8"?>
 <p:sld xmlns:a="http://schemas.openxmlformats.org/drawingml/2006/main" xmlns:r="http://schemas.openxmlformats.org/officeDocument/2006/relationships" xmlns:p="http://schemas.openxmlformats.org/presentationml/2006/main">
   <p:cSld>
     <p:spTree>
@@ -6055,7 +6553,7 @@
 </p:sld>
 </file>
 
-<file path=ppt/slides/slide13.xml><?xml version="1.0" encoding="utf-8"?>
+<file path=ppt/slides/slide15.xml><?xml version="1.0" encoding="utf-8"?>
 <p:sld xmlns:a="http://schemas.openxmlformats.org/drawingml/2006/main" xmlns:r="http://schemas.openxmlformats.org/officeDocument/2006/relationships" xmlns:p="http://schemas.openxmlformats.org/presentationml/2006/main">
   <p:cSld>
     <p:spTree>
@@ -6302,7 +6800,7 @@
 </p:sld>
 </file>
 
-<file path=ppt/slides/slide14.xml><?xml version="1.0" encoding="utf-8"?>
+<file path=ppt/slides/slide16.xml><?xml version="1.0" encoding="utf-8"?>
 <p:sld xmlns:a="http://schemas.openxmlformats.org/drawingml/2006/main" xmlns:r="http://schemas.openxmlformats.org/officeDocument/2006/relationships" xmlns:p="http://schemas.openxmlformats.org/presentationml/2006/main">
   <p:cSld>
     <p:spTree>
@@ -8530,6 +9028,131 @@
     <p:extLst>
       <p:ext uri="{BB962C8B-B14F-4D97-AF65-F5344CB8AC3E}">
         <p14:creationId xmlns:p14="http://schemas.microsoft.com/office/powerpoint/2010/main" val="1392603136"/>
+      </p:ext>
+    </p:extLst>
+  </p:cSld>
+  <p:clrMapOvr>
+    <a:masterClrMapping/>
+  </p:clrMapOvr>
+</p:sld>
+</file>
+
+<file path=ppt/slides/slide17.xml><?xml version="1.0" encoding="utf-8"?>
+<p:sld xmlns:a="http://schemas.openxmlformats.org/drawingml/2006/main" xmlns:r="http://schemas.openxmlformats.org/officeDocument/2006/relationships" xmlns:p="http://schemas.openxmlformats.org/presentationml/2006/main">
+  <p:cSld>
+    <p:spTree>
+      <p:nvGrpSpPr>
+        <p:cNvPr id="1" name=""/>
+        <p:cNvGrpSpPr/>
+        <p:nvPr/>
+      </p:nvGrpSpPr>
+      <p:grpSpPr>
+        <a:xfrm>
+          <a:off x="0" y="0"/>
+          <a:ext cx="0" cy="0"/>
+          <a:chOff x="0" y="0"/>
+          <a:chExt cx="0" cy="0"/>
+        </a:xfrm>
+      </p:grpSpPr>
+      <p:sp>
+        <p:nvSpPr>
+          <p:cNvPr id="2" name="Title 1">
+            <a:extLst>
+              <a:ext uri="{FF2B5EF4-FFF2-40B4-BE49-F238E27FC236}">
+                <a16:creationId xmlns:a16="http://schemas.microsoft.com/office/drawing/2014/main" id="{93861DE4-B137-FFA5-E732-903EB505269D}"/>
+              </a:ext>
+            </a:extLst>
+          </p:cNvPr>
+          <p:cNvSpPr>
+            <a:spLocks noGrp="1"/>
+          </p:cNvSpPr>
+          <p:nvPr>
+            <p:ph type="title"/>
+          </p:nvPr>
+        </p:nvSpPr>
+        <p:spPr>
+          <a:xfrm>
+            <a:off x="7394642" y="74125"/>
+            <a:ext cx="10515600" cy="1325563"/>
+          </a:xfrm>
+        </p:spPr>
+        <p:txBody>
+          <a:bodyPr/>
+          <a:lstStyle/>
+          <a:p>
+            <a:r>
+              <a:rPr lang="en-US" dirty="0">
+                <a:latin typeface="Times New Roman" panose="02020603050405020304" pitchFamily="18" charset="0"/>
+                <a:cs typeface="Times New Roman" panose="02020603050405020304" pitchFamily="18" charset="0"/>
+              </a:rPr>
+              <a:t>References</a:t>
+            </a:r>
+          </a:p>
+        </p:txBody>
+      </p:sp>
+      <p:pic>
+        <p:nvPicPr>
+          <p:cNvPr id="5" name="Content Placeholder 4">
+            <a:extLst>
+              <a:ext uri="{FF2B5EF4-FFF2-40B4-BE49-F238E27FC236}">
+                <a16:creationId xmlns:a16="http://schemas.microsoft.com/office/drawing/2014/main" id="{932D6E71-5D9F-E168-580E-D37172635953}"/>
+              </a:ext>
+            </a:extLst>
+          </p:cNvPr>
+          <p:cNvPicPr>
+            <a:picLocks noGrp="1" noChangeAspect="1"/>
+          </p:cNvPicPr>
+          <p:nvPr>
+            <p:ph idx="1"/>
+          </p:nvPr>
+        </p:nvPicPr>
+        <p:blipFill>
+          <a:blip r:embed="rId2"/>
+          <a:stretch>
+            <a:fillRect/>
+          </a:stretch>
+        </p:blipFill>
+        <p:spPr>
+          <a:xfrm>
+            <a:off x="0" y="74125"/>
+            <a:ext cx="5547049" cy="6709750"/>
+          </a:xfrm>
+        </p:spPr>
+      </p:pic>
+      <p:pic>
+        <p:nvPicPr>
+          <p:cNvPr id="7" name="Picture 6">
+            <a:extLst>
+              <a:ext uri="{FF2B5EF4-FFF2-40B4-BE49-F238E27FC236}">
+                <a16:creationId xmlns:a16="http://schemas.microsoft.com/office/drawing/2014/main" id="{A4B334EC-13CE-7244-6229-DEA35D5BA151}"/>
+              </a:ext>
+            </a:extLst>
+          </p:cNvPr>
+          <p:cNvPicPr>
+            <a:picLocks noChangeAspect="1"/>
+          </p:cNvPicPr>
+          <p:nvPr/>
+        </p:nvPicPr>
+        <p:blipFill>
+          <a:blip r:embed="rId3"/>
+          <a:stretch>
+            <a:fillRect/>
+          </a:stretch>
+        </p:blipFill>
+        <p:spPr>
+          <a:xfrm>
+            <a:off x="5547049" y="1672061"/>
+            <a:ext cx="6496050" cy="962025"/>
+          </a:xfrm>
+          <a:prstGeom prst="rect">
+            <a:avLst/>
+          </a:prstGeom>
+        </p:spPr>
+      </p:pic>
+    </p:spTree>
+    <p:extLst>
+      <p:ext uri="{BB962C8B-B14F-4D97-AF65-F5344CB8AC3E}">
+        <p14:creationId xmlns:p14="http://schemas.microsoft.com/office/powerpoint/2010/main" val="4036208059"/>
       </p:ext>
     </p:extLst>
   </p:cSld>

--- a/presentation-first.pptx
+++ b/presentation-first.pptx
@@ -5,7 +5,7 @@
     <p:sldMasterId id="2147483648" r:id="rId1"/>
   </p:sldMasterIdLst>
   <p:notesMasterIdLst>
-    <p:notesMasterId r:id="rId19"/>
+    <p:notesMasterId r:id="rId21"/>
   </p:notesMasterIdLst>
   <p:sldIdLst>
     <p:sldId id="256" r:id="rId2"/>
@@ -21,10 +21,12 @@
     <p:sldId id="294" r:id="rId12"/>
     <p:sldId id="297" r:id="rId13"/>
     <p:sldId id="293" r:id="rId14"/>
-    <p:sldId id="290" r:id="rId15"/>
-    <p:sldId id="288" r:id="rId16"/>
-    <p:sldId id="273" r:id="rId17"/>
-    <p:sldId id="295" r:id="rId18"/>
+    <p:sldId id="298" r:id="rId15"/>
+    <p:sldId id="269" r:id="rId16"/>
+    <p:sldId id="288" r:id="rId17"/>
+    <p:sldId id="270" r:id="rId18"/>
+    <p:sldId id="271" r:id="rId19"/>
+    <p:sldId id="295" r:id="rId20"/>
   </p:sldIdLst>
   <p:sldSz cx="12192000" cy="6858000"/>
   <p:notesSz cx="6858000" cy="9144000"/>
@@ -783,7 +785,7 @@
       </p:grpSpPr>
       <p:sp>
         <p:nvSpPr>
-          <p:cNvPr id="2" name="幻灯片图像占位符 1"/>
+          <p:cNvPr id="187" name="PlaceHolder 1"/>
           <p:cNvSpPr>
             <a:spLocks noGrp="1" noRot="1" noChangeAspect="1"/>
           </p:cNvSpPr>
@@ -791,75 +793,133 @@
             <p:ph type="sldImg"/>
           </p:nvPr>
         </p:nvSpPr>
-        <p:spPr/>
-      </p:sp>
-      <p:sp>
-        <p:nvSpPr>
-          <p:cNvPr id="3" name="备注占位符 2"/>
-          <p:cNvSpPr>
-            <a:spLocks noGrp="1"/>
-          </p:cNvSpPr>
-          <p:nvPr>
-            <p:ph type="body" idx="1"/>
-          </p:nvPr>
-        </p:nvSpPr>
-        <p:spPr/>
-        <p:txBody>
-          <a:bodyPr/>
-          <a:lstStyle/>
-          <a:p>
-            <a:r>
-              <a:rPr lang="en-US" altLang="zh-CN" dirty="0"/>
-              <a:t>To</a:t>
-            </a:r>
-            <a:r>
-              <a:rPr lang="zh-CN" altLang="en-US" dirty="0"/>
-              <a:t> </a:t>
-            </a:r>
-            <a:r>
-              <a:rPr lang="en-US" altLang="zh-CN" dirty="0"/>
-              <a:t>be</a:t>
-            </a:r>
-            <a:r>
-              <a:rPr lang="zh-CN" altLang="en-US" dirty="0"/>
-              <a:t> </a:t>
-            </a:r>
-            <a:r>
-              <a:rPr lang="en-US" altLang="zh-CN" dirty="0"/>
-              <a:t>done soon</a:t>
-            </a:r>
-          </a:p>
-        </p:txBody>
-      </p:sp>
-      <p:sp>
-        <p:nvSpPr>
-          <p:cNvPr id="4" name="灯片编号占位符 3"/>
-          <p:cNvSpPr>
-            <a:spLocks noGrp="1"/>
-          </p:cNvSpPr>
-          <p:nvPr>
-            <p:ph type="sldNum" sz="quarter" idx="5"/>
-          </p:nvPr>
-        </p:nvSpPr>
-        <p:spPr/>
-        <p:txBody>
-          <a:bodyPr/>
-          <a:lstStyle/>
-          <a:p>
-            <a:fld id="{680F9DE7-D48B-4F0F-BBA6-52340702512A}" type="slidenum">
-              <a:rPr lang="zh-CN" altLang="en-US" smtClean="0"/>
+        <p:spPr>
+          <a:xfrm>
+            <a:off x="685800" y="1143000"/>
+            <a:ext cx="5486400" cy="3086100"/>
+          </a:xfrm>
+          <a:prstGeom prst="rect">
+            <a:avLst/>
+          </a:prstGeom>
+          <a:ln w="0">
+            <a:noFill/>
+          </a:ln>
+        </p:spPr>
+      </p:sp>
+      <p:sp>
+        <p:nvSpPr>
+          <p:cNvPr id="188" name="PlaceHolder 2"/>
+          <p:cNvSpPr>
+            <a:spLocks noGrp="1"/>
+          </p:cNvSpPr>
+          <p:nvPr>
+            <p:ph type="body"/>
+          </p:nvPr>
+        </p:nvSpPr>
+        <p:spPr>
+          <a:xfrm>
+            <a:off x="685800" y="4400640"/>
+            <a:ext cx="5486040" cy="3600000"/>
+          </a:xfrm>
+          <a:prstGeom prst="rect">
+            <a:avLst/>
+          </a:prstGeom>
+          <a:noFill/>
+          <a:ln w="0">
+            <a:noFill/>
+          </a:ln>
+        </p:spPr>
+        <p:txBody>
+          <a:bodyPr anchor="t">
+            <a:noAutofit/>
+          </a:bodyPr>
+          <a:lstStyle/>
+          <a:p>
+            <a:pPr marL="216000" indent="0">
+              <a:lnSpc>
+                <a:spcPct val="100000"/>
+              </a:lnSpc>
+              <a:buNone/>
+            </a:pPr>
+            <a:r>
+              <a:rPr lang="en-US" sz="2000" b="0" strike="noStrike" spc="-1">
+                <a:solidFill>
+                  <a:srgbClr val="000000"/>
+                </a:solidFill>
+                <a:latin typeface="Arial"/>
+              </a:rPr>
+              <a:t>To be done soon</a:t>
+            </a:r>
+          </a:p>
+        </p:txBody>
+      </p:sp>
+      <p:sp>
+        <p:nvSpPr>
+          <p:cNvPr id="189" name="PlaceHolder 3"/>
+          <p:cNvSpPr>
+            <a:spLocks noGrp="1"/>
+          </p:cNvSpPr>
+          <p:nvPr>
+            <p:ph type="sldNum" idx="21"/>
+          </p:nvPr>
+        </p:nvSpPr>
+        <p:spPr>
+          <a:xfrm>
+            <a:off x="3884760" y="8685360"/>
+            <a:ext cx="2971440" cy="458280"/>
+          </a:xfrm>
+          <a:prstGeom prst="rect">
+            <a:avLst/>
+          </a:prstGeom>
+          <a:noFill/>
+          <a:ln w="0">
+            <a:noFill/>
+          </a:ln>
+        </p:spPr>
+        <p:txBody>
+          <a:bodyPr anchor="b">
+            <a:noAutofit/>
+          </a:bodyPr>
+          <a:lstStyle>
+            <a:lvl1pPr indent="0" algn="r">
+              <a:lnSpc>
+                <a:spcPct val="100000"/>
+              </a:lnSpc>
+              <a:buNone/>
+              <a:defRPr lang="en-US" sz="1200" b="0" strike="noStrike" spc="-1">
+                <a:solidFill>
+                  <a:srgbClr val="000000"/>
+                </a:solidFill>
+                <a:latin typeface="Times New Roman"/>
+              </a:defRPr>
+            </a:lvl1pPr>
+          </a:lstStyle>
+          <a:p>
+            <a:pPr indent="0" algn="r">
+              <a:lnSpc>
+                <a:spcPct val="100000"/>
+              </a:lnSpc>
+              <a:buNone/>
+            </a:pPr>
+            <a:fld id="{95842CF7-4452-4061-AA79-4A5575028028}" type="slidenum">
+              <a:rPr lang="en-US" sz="1200" b="0" strike="noStrike" spc="-1">
+                <a:solidFill>
+                  <a:srgbClr val="000000"/>
+                </a:solidFill>
+                <a:latin typeface="Times New Roman"/>
+              </a:rPr>
               <a:t>14</a:t>
             </a:fld>
-            <a:endParaRPr lang="zh-CN" altLang="en-US"/>
+            <a:endParaRPr lang="en-US" sz="1200" b="0" strike="noStrike" spc="-1">
+              <a:solidFill>
+                <a:srgbClr val="000000"/>
+              </a:solidFill>
+              <a:latin typeface="Times New Roman"/>
+            </a:endParaRPr>
           </a:p>
         </p:txBody>
       </p:sp>
     </p:spTree>
-    <p:extLst>
-      <p:ext uri="{BB962C8B-B14F-4D97-AF65-F5344CB8AC3E}">
-        <p14:creationId xmlns:p14="http://schemas.microsoft.com/office/powerpoint/2010/main" val="748228417"/>
-      </p:ext>
-    </p:extLst>
   </p:cSld>
   <p:clrMapOvr>
     <a:masterClrMapping/>
@@ -886,7 +946,7 @@
       </p:grpSpPr>
       <p:sp>
         <p:nvSpPr>
-          <p:cNvPr id="2" name="幻灯片图像占位符 1"/>
+          <p:cNvPr id="193" name="PlaceHolder 1"/>
           <p:cNvSpPr>
             <a:spLocks noGrp="1" noRot="1" noChangeAspect="1"/>
           </p:cNvSpPr>
@@ -894,75 +954,133 @@
             <p:ph type="sldImg"/>
           </p:nvPr>
         </p:nvSpPr>
-        <p:spPr/>
-      </p:sp>
-      <p:sp>
-        <p:nvSpPr>
-          <p:cNvPr id="3" name="备注占位符 2"/>
-          <p:cNvSpPr>
-            <a:spLocks noGrp="1"/>
-          </p:cNvSpPr>
-          <p:nvPr>
-            <p:ph type="body" idx="1"/>
-          </p:nvPr>
-        </p:nvSpPr>
-        <p:spPr/>
-        <p:txBody>
-          <a:bodyPr/>
-          <a:lstStyle/>
-          <a:p>
-            <a:r>
-              <a:rPr lang="en-US" altLang="zh-CN" dirty="0"/>
-              <a:t>To</a:t>
-            </a:r>
-            <a:r>
-              <a:rPr lang="zh-CN" altLang="en-US" dirty="0"/>
-              <a:t> </a:t>
-            </a:r>
-            <a:r>
-              <a:rPr lang="en-US" altLang="zh-CN" dirty="0"/>
-              <a:t>be</a:t>
-            </a:r>
-            <a:r>
-              <a:rPr lang="zh-CN" altLang="en-US" dirty="0"/>
-              <a:t> </a:t>
-            </a:r>
-            <a:r>
-              <a:rPr lang="en-US" altLang="zh-CN" dirty="0"/>
-              <a:t>done soon</a:t>
-            </a:r>
-          </a:p>
-        </p:txBody>
-      </p:sp>
-      <p:sp>
-        <p:nvSpPr>
-          <p:cNvPr id="4" name="灯片编号占位符 3"/>
-          <p:cNvSpPr>
-            <a:spLocks noGrp="1"/>
-          </p:cNvSpPr>
-          <p:nvPr>
-            <p:ph type="sldNum" sz="quarter" idx="5"/>
-          </p:nvPr>
-        </p:nvSpPr>
-        <p:spPr/>
-        <p:txBody>
-          <a:bodyPr/>
-          <a:lstStyle/>
-          <a:p>
-            <a:fld id="{680F9DE7-D48B-4F0F-BBA6-52340702512A}" type="slidenum">
-              <a:rPr lang="zh-CN" altLang="en-US" smtClean="0"/>
+        <p:spPr>
+          <a:xfrm>
+            <a:off x="685800" y="1143000"/>
+            <a:ext cx="5486400" cy="3086100"/>
+          </a:xfrm>
+          <a:prstGeom prst="rect">
+            <a:avLst/>
+          </a:prstGeom>
+          <a:ln w="0">
+            <a:noFill/>
+          </a:ln>
+        </p:spPr>
+      </p:sp>
+      <p:sp>
+        <p:nvSpPr>
+          <p:cNvPr id="194" name="PlaceHolder 2"/>
+          <p:cNvSpPr>
+            <a:spLocks noGrp="1"/>
+          </p:cNvSpPr>
+          <p:nvPr>
+            <p:ph type="body"/>
+          </p:nvPr>
+        </p:nvSpPr>
+        <p:spPr>
+          <a:xfrm>
+            <a:off x="685800" y="4400640"/>
+            <a:ext cx="5486040" cy="3600000"/>
+          </a:xfrm>
+          <a:prstGeom prst="rect">
+            <a:avLst/>
+          </a:prstGeom>
+          <a:noFill/>
+          <a:ln w="0">
+            <a:noFill/>
+          </a:ln>
+        </p:spPr>
+        <p:txBody>
+          <a:bodyPr anchor="t">
+            <a:noAutofit/>
+          </a:bodyPr>
+          <a:lstStyle/>
+          <a:p>
+            <a:pPr marL="216000" indent="0">
+              <a:lnSpc>
+                <a:spcPct val="100000"/>
+              </a:lnSpc>
+              <a:buNone/>
+            </a:pPr>
+            <a:r>
+              <a:rPr lang="en-US" sz="2000" b="0" strike="noStrike" spc="-1">
+                <a:solidFill>
+                  <a:srgbClr val="000000"/>
+                </a:solidFill>
+                <a:latin typeface="Arial"/>
+              </a:rPr>
+              <a:t>To be done soon</a:t>
+            </a:r>
+          </a:p>
+        </p:txBody>
+      </p:sp>
+      <p:sp>
+        <p:nvSpPr>
+          <p:cNvPr id="195" name="PlaceHolder 3"/>
+          <p:cNvSpPr>
+            <a:spLocks noGrp="1"/>
+          </p:cNvSpPr>
+          <p:nvPr>
+            <p:ph type="sldNum" idx="23"/>
+          </p:nvPr>
+        </p:nvSpPr>
+        <p:spPr>
+          <a:xfrm>
+            <a:off x="3884760" y="8685360"/>
+            <a:ext cx="2971440" cy="458280"/>
+          </a:xfrm>
+          <a:prstGeom prst="rect">
+            <a:avLst/>
+          </a:prstGeom>
+          <a:noFill/>
+          <a:ln w="0">
+            <a:noFill/>
+          </a:ln>
+        </p:spPr>
+        <p:txBody>
+          <a:bodyPr anchor="b">
+            <a:noAutofit/>
+          </a:bodyPr>
+          <a:lstStyle>
+            <a:lvl1pPr indent="0" algn="r">
+              <a:lnSpc>
+                <a:spcPct val="100000"/>
+              </a:lnSpc>
+              <a:buNone/>
+              <a:defRPr lang="en-US" sz="1200" b="0" strike="noStrike" spc="-1">
+                <a:solidFill>
+                  <a:srgbClr val="000000"/>
+                </a:solidFill>
+                <a:latin typeface="Times New Roman"/>
+              </a:defRPr>
+            </a:lvl1pPr>
+          </a:lstStyle>
+          <a:p>
+            <a:pPr indent="0" algn="r">
+              <a:lnSpc>
+                <a:spcPct val="100000"/>
+              </a:lnSpc>
+              <a:buNone/>
+            </a:pPr>
+            <a:fld id="{03152600-2C23-4E42-9E36-63AD1CC806E4}" type="slidenum">
+              <a:rPr lang="en-US" sz="1200" b="0" strike="noStrike" spc="-1">
+                <a:solidFill>
+                  <a:srgbClr val="000000"/>
+                </a:solidFill>
+                <a:latin typeface="Times New Roman"/>
+              </a:rPr>
               <a:t>15</a:t>
             </a:fld>
-            <a:endParaRPr lang="zh-CN" altLang="en-US"/>
+            <a:endParaRPr lang="en-US" sz="1200" b="0" strike="noStrike" spc="-1">
+              <a:solidFill>
+                <a:srgbClr val="000000"/>
+              </a:solidFill>
+              <a:latin typeface="Times New Roman"/>
+            </a:endParaRPr>
           </a:p>
         </p:txBody>
       </p:sp>
     </p:spTree>
-    <p:extLst>
-      <p:ext uri="{BB962C8B-B14F-4D97-AF65-F5344CB8AC3E}">
-        <p14:creationId xmlns:p14="http://schemas.microsoft.com/office/powerpoint/2010/main" val="439661607"/>
-      </p:ext>
-    </p:extLst>
   </p:cSld>
   <p:clrMapOvr>
     <a:masterClrMapping/>
@@ -1014,7 +1132,26 @@
           <a:bodyPr/>
           <a:lstStyle/>
           <a:p>
-            <a:endParaRPr lang="zh-CN" altLang="en-US" dirty="0"/>
+            <a:r>
+              <a:rPr lang="en-US" altLang="zh-CN" dirty="0"/>
+              <a:t>To</a:t>
+            </a:r>
+            <a:r>
+              <a:rPr lang="zh-CN" altLang="en-US" dirty="0"/>
+              <a:t> </a:t>
+            </a:r>
+            <a:r>
+              <a:rPr lang="en-US" altLang="zh-CN" dirty="0"/>
+              <a:t>be</a:t>
+            </a:r>
+            <a:r>
+              <a:rPr lang="zh-CN" altLang="en-US" dirty="0"/>
+              <a:t> </a:t>
+            </a:r>
+            <a:r>
+              <a:rPr lang="en-US" altLang="zh-CN" dirty="0"/>
+              <a:t>done soon</a:t>
+            </a:r>
           </a:p>
         </p:txBody>
       </p:sp>
@@ -1044,9 +1181,325 @@
     </p:spTree>
     <p:extLst>
       <p:ext uri="{BB962C8B-B14F-4D97-AF65-F5344CB8AC3E}">
-        <p14:creationId xmlns:p14="http://schemas.microsoft.com/office/powerpoint/2010/main" val="1691552974"/>
+        <p14:creationId xmlns:p14="http://schemas.microsoft.com/office/powerpoint/2010/main" val="439661607"/>
       </p:ext>
     </p:extLst>
+  </p:cSld>
+  <p:clrMapOvr>
+    <a:masterClrMapping/>
+  </p:clrMapOvr>
+</p:notes>
+</file>
+
+<file path=ppt/notesSlides/notesSlide15.xml><?xml version="1.0" encoding="utf-8"?>
+<p:notes xmlns:a="http://schemas.openxmlformats.org/drawingml/2006/main" xmlns:r="http://schemas.openxmlformats.org/officeDocument/2006/relationships" xmlns:p="http://schemas.openxmlformats.org/presentationml/2006/main">
+  <p:cSld>
+    <p:spTree>
+      <p:nvGrpSpPr>
+        <p:cNvPr id="1" name=""/>
+        <p:cNvGrpSpPr/>
+        <p:nvPr/>
+      </p:nvGrpSpPr>
+      <p:grpSpPr>
+        <a:xfrm>
+          <a:off x="0" y="0"/>
+          <a:ext cx="0" cy="0"/>
+          <a:chOff x="0" y="0"/>
+          <a:chExt cx="0" cy="0"/>
+        </a:xfrm>
+      </p:grpSpPr>
+      <p:sp>
+        <p:nvSpPr>
+          <p:cNvPr id="196" name="PlaceHolder 1"/>
+          <p:cNvSpPr>
+            <a:spLocks noGrp="1" noRot="1" noChangeAspect="1"/>
+          </p:cNvSpPr>
+          <p:nvPr>
+            <p:ph type="sldImg"/>
+          </p:nvPr>
+        </p:nvSpPr>
+        <p:spPr>
+          <a:xfrm>
+            <a:off x="685800" y="1143000"/>
+            <a:ext cx="5486400" cy="3086100"/>
+          </a:xfrm>
+          <a:prstGeom prst="rect">
+            <a:avLst/>
+          </a:prstGeom>
+          <a:ln w="0">
+            <a:noFill/>
+          </a:ln>
+        </p:spPr>
+      </p:sp>
+      <p:sp>
+        <p:nvSpPr>
+          <p:cNvPr id="197" name="PlaceHolder 2"/>
+          <p:cNvSpPr>
+            <a:spLocks noGrp="1"/>
+          </p:cNvSpPr>
+          <p:nvPr>
+            <p:ph type="body"/>
+          </p:nvPr>
+        </p:nvSpPr>
+        <p:spPr>
+          <a:xfrm>
+            <a:off x="685800" y="4400640"/>
+            <a:ext cx="5486040" cy="3600000"/>
+          </a:xfrm>
+          <a:prstGeom prst="rect">
+            <a:avLst/>
+          </a:prstGeom>
+          <a:noFill/>
+          <a:ln w="0">
+            <a:noFill/>
+          </a:ln>
+        </p:spPr>
+        <p:txBody>
+          <a:bodyPr anchor="t">
+            <a:noAutofit/>
+          </a:bodyPr>
+          <a:lstStyle/>
+          <a:p>
+            <a:pPr marL="216000" indent="0">
+              <a:lnSpc>
+                <a:spcPct val="100000"/>
+              </a:lnSpc>
+              <a:buNone/>
+            </a:pPr>
+            <a:r>
+              <a:rPr lang="en-US" sz="2000" b="0" strike="noStrike" spc="-1">
+                <a:solidFill>
+                  <a:srgbClr val="000000"/>
+                </a:solidFill>
+                <a:latin typeface="Arial"/>
+              </a:rPr>
+              <a:t>To be done soon</a:t>
+            </a:r>
+          </a:p>
+        </p:txBody>
+      </p:sp>
+      <p:sp>
+        <p:nvSpPr>
+          <p:cNvPr id="198" name="PlaceHolder 3"/>
+          <p:cNvSpPr>
+            <a:spLocks noGrp="1"/>
+          </p:cNvSpPr>
+          <p:nvPr>
+            <p:ph type="sldNum" idx="24"/>
+          </p:nvPr>
+        </p:nvSpPr>
+        <p:spPr>
+          <a:xfrm>
+            <a:off x="3884760" y="8685360"/>
+            <a:ext cx="2971440" cy="458280"/>
+          </a:xfrm>
+          <a:prstGeom prst="rect">
+            <a:avLst/>
+          </a:prstGeom>
+          <a:noFill/>
+          <a:ln w="0">
+            <a:noFill/>
+          </a:ln>
+        </p:spPr>
+        <p:txBody>
+          <a:bodyPr anchor="b">
+            <a:noAutofit/>
+          </a:bodyPr>
+          <a:lstStyle>
+            <a:lvl1pPr indent="0" algn="r">
+              <a:lnSpc>
+                <a:spcPct val="100000"/>
+              </a:lnSpc>
+              <a:buNone/>
+              <a:defRPr lang="en-US" sz="1200" b="0" strike="noStrike" spc="-1">
+                <a:solidFill>
+                  <a:srgbClr val="000000"/>
+                </a:solidFill>
+                <a:latin typeface="Times New Roman"/>
+              </a:defRPr>
+            </a:lvl1pPr>
+          </a:lstStyle>
+          <a:p>
+            <a:pPr indent="0" algn="r">
+              <a:lnSpc>
+                <a:spcPct val="100000"/>
+              </a:lnSpc>
+              <a:buNone/>
+            </a:pPr>
+            <a:fld id="{6F70BC4C-F3EA-46C5-95FA-465EF87970E7}" type="slidenum">
+              <a:rPr lang="en-US" sz="1200" b="0" strike="noStrike" spc="-1">
+                <a:solidFill>
+                  <a:srgbClr val="000000"/>
+                </a:solidFill>
+                <a:latin typeface="Times New Roman"/>
+              </a:rPr>
+              <a:t>17</a:t>
+            </a:fld>
+            <a:endParaRPr lang="en-US" sz="1200" b="0" strike="noStrike" spc="-1">
+              <a:solidFill>
+                <a:srgbClr val="000000"/>
+              </a:solidFill>
+              <a:latin typeface="Times New Roman"/>
+            </a:endParaRPr>
+          </a:p>
+        </p:txBody>
+      </p:sp>
+    </p:spTree>
+  </p:cSld>
+  <p:clrMapOvr>
+    <a:masterClrMapping/>
+  </p:clrMapOvr>
+</p:notes>
+</file>
+
+<file path=ppt/notesSlides/notesSlide16.xml><?xml version="1.0" encoding="utf-8"?>
+<p:notes xmlns:a="http://schemas.openxmlformats.org/drawingml/2006/main" xmlns:r="http://schemas.openxmlformats.org/officeDocument/2006/relationships" xmlns:p="http://schemas.openxmlformats.org/presentationml/2006/main">
+  <p:cSld>
+    <p:spTree>
+      <p:nvGrpSpPr>
+        <p:cNvPr id="1" name=""/>
+        <p:cNvGrpSpPr/>
+        <p:nvPr/>
+      </p:nvGrpSpPr>
+      <p:grpSpPr>
+        <a:xfrm>
+          <a:off x="0" y="0"/>
+          <a:ext cx="0" cy="0"/>
+          <a:chOff x="0" y="0"/>
+          <a:chExt cx="0" cy="0"/>
+        </a:xfrm>
+      </p:grpSpPr>
+      <p:sp>
+        <p:nvSpPr>
+          <p:cNvPr id="199" name="PlaceHolder 1"/>
+          <p:cNvSpPr>
+            <a:spLocks noGrp="1" noRot="1" noChangeAspect="1"/>
+          </p:cNvSpPr>
+          <p:nvPr>
+            <p:ph type="sldImg"/>
+          </p:nvPr>
+        </p:nvSpPr>
+        <p:spPr>
+          <a:xfrm>
+            <a:off x="685800" y="1143000"/>
+            <a:ext cx="5486040" cy="3085920"/>
+          </a:xfrm>
+          <a:prstGeom prst="rect">
+            <a:avLst/>
+          </a:prstGeom>
+          <a:ln w="0">
+            <a:noFill/>
+          </a:ln>
+        </p:spPr>
+      </p:sp>
+      <p:sp>
+        <p:nvSpPr>
+          <p:cNvPr id="200" name="PlaceHolder 2"/>
+          <p:cNvSpPr>
+            <a:spLocks noGrp="1"/>
+          </p:cNvSpPr>
+          <p:nvPr>
+            <p:ph type="body"/>
+          </p:nvPr>
+        </p:nvSpPr>
+        <p:spPr>
+          <a:xfrm>
+            <a:off x="685800" y="4400640"/>
+            <a:ext cx="5486040" cy="3600000"/>
+          </a:xfrm>
+          <a:prstGeom prst="rect">
+            <a:avLst/>
+          </a:prstGeom>
+          <a:noFill/>
+          <a:ln w="0">
+            <a:noFill/>
+          </a:ln>
+        </p:spPr>
+        <p:txBody>
+          <a:bodyPr anchor="t">
+            <a:noAutofit/>
+          </a:bodyPr>
+          <a:lstStyle/>
+          <a:p>
+            <a:pPr marL="216000" indent="0">
+              <a:buNone/>
+            </a:pPr>
+            <a:endParaRPr lang="en-US" sz="1800" b="0" strike="noStrike" spc="-1">
+              <a:solidFill>
+                <a:srgbClr val="000000"/>
+              </a:solidFill>
+              <a:latin typeface="Arial"/>
+            </a:endParaRPr>
+          </a:p>
+        </p:txBody>
+      </p:sp>
+      <p:sp>
+        <p:nvSpPr>
+          <p:cNvPr id="201" name="PlaceHolder 3"/>
+          <p:cNvSpPr>
+            <a:spLocks noGrp="1"/>
+          </p:cNvSpPr>
+          <p:nvPr>
+            <p:ph type="sldNum" idx="25"/>
+          </p:nvPr>
+        </p:nvSpPr>
+        <p:spPr>
+          <a:xfrm>
+            <a:off x="3884760" y="8685360"/>
+            <a:ext cx="2971440" cy="458280"/>
+          </a:xfrm>
+          <a:prstGeom prst="rect">
+            <a:avLst/>
+          </a:prstGeom>
+          <a:noFill/>
+          <a:ln w="0">
+            <a:noFill/>
+          </a:ln>
+        </p:spPr>
+        <p:txBody>
+          <a:bodyPr anchor="b">
+            <a:noAutofit/>
+          </a:bodyPr>
+          <a:lstStyle>
+            <a:lvl1pPr indent="0" algn="r">
+              <a:lnSpc>
+                <a:spcPct val="100000"/>
+              </a:lnSpc>
+              <a:buNone/>
+              <a:defRPr lang="en-US" sz="1200" b="0" strike="noStrike" spc="-1">
+                <a:solidFill>
+                  <a:srgbClr val="000000"/>
+                </a:solidFill>
+                <a:latin typeface="Times New Roman"/>
+              </a:defRPr>
+            </a:lvl1pPr>
+          </a:lstStyle>
+          <a:p>
+            <a:pPr indent="0" algn="r">
+              <a:lnSpc>
+                <a:spcPct val="100000"/>
+              </a:lnSpc>
+              <a:buNone/>
+            </a:pPr>
+            <a:fld id="{0BDC0A94-05AA-457F-B079-049AE46718C7}" type="slidenum">
+              <a:rPr lang="en-US" sz="1200" b="0" strike="noStrike" spc="-1">
+                <a:solidFill>
+                  <a:srgbClr val="000000"/>
+                </a:solidFill>
+                <a:latin typeface="Times New Roman"/>
+              </a:rPr>
+              <a:t>18</a:t>
+            </a:fld>
+            <a:endParaRPr lang="en-US" sz="1200" b="0" strike="noStrike" spc="-1">
+              <a:solidFill>
+                <a:srgbClr val="000000"/>
+              </a:solidFill>
+              <a:latin typeface="Times New Roman"/>
+            </a:endParaRPr>
+          </a:p>
+        </p:txBody>
+      </p:sp>
+    </p:spTree>
   </p:cSld>
   <p:clrMapOvr>
     <a:masterClrMapping/>
@@ -5077,20 +5530,23 @@
           <a:p>
             <a:r>
               <a:rPr lang="en-US" altLang="zh-CN" dirty="0">
-                <a:latin typeface="PingFang SC"/>
+                <a:latin typeface="Times New Roman" panose="02020603050405020304" pitchFamily="18" charset="0"/>
+                <a:cs typeface="Times New Roman" panose="02020603050405020304" pitchFamily="18" charset="0"/>
               </a:rPr>
               <a:t>2023 Fall Group project</a:t>
             </a:r>
           </a:p>
           <a:p>
             <a:endParaRPr lang="en-US" altLang="zh-CN" dirty="0">
-              <a:latin typeface="PingFang SC"/>
+              <a:latin typeface="Times New Roman" panose="02020603050405020304" pitchFamily="18" charset="0"/>
+              <a:cs typeface="Times New Roman" panose="02020603050405020304" pitchFamily="18" charset="0"/>
             </a:endParaRPr>
           </a:p>
           <a:p>
             <a:r>
               <a:rPr lang="en-US" altLang="zh-CN" dirty="0">
-                <a:latin typeface="PingFang SC"/>
+                <a:latin typeface="Times New Roman" panose="02020603050405020304" pitchFamily="18" charset="0"/>
+                <a:cs typeface="Times New Roman" panose="02020603050405020304" pitchFamily="18" charset="0"/>
               </a:rPr>
               <a:t>Zhang Kenneth</a:t>
             </a:r>
@@ -5098,13 +5554,15 @@
           <a:p>
             <a:r>
               <a:rPr lang="en-US" altLang="zh-CN" dirty="0" err="1">
-                <a:latin typeface="PingFang SC"/>
+                <a:latin typeface="Times New Roman" panose="02020603050405020304" pitchFamily="18" charset="0"/>
+                <a:cs typeface="Times New Roman" panose="02020603050405020304" pitchFamily="18" charset="0"/>
               </a:rPr>
               <a:t>Guizheng</a:t>
             </a:r>
             <a:r>
               <a:rPr lang="en-US" altLang="zh-CN" dirty="0">
-                <a:latin typeface="PingFang SC"/>
+                <a:latin typeface="Times New Roman" panose="02020603050405020304" pitchFamily="18" charset="0"/>
+                <a:cs typeface="Times New Roman" panose="02020603050405020304" pitchFamily="18" charset="0"/>
               </a:rPr>
               <a:t> Wang</a:t>
             </a:r>
@@ -5112,18 +5570,21 @@
           <a:p>
             <a:r>
               <a:rPr lang="en-US" altLang="zh-CN" dirty="0" err="1">
-                <a:latin typeface="PingFang SC"/>
+                <a:latin typeface="Times New Roman" panose="02020603050405020304" pitchFamily="18" charset="0"/>
+                <a:cs typeface="Times New Roman" panose="02020603050405020304" pitchFamily="18" charset="0"/>
               </a:rPr>
               <a:t>Kuangjie</a:t>
             </a:r>
             <a:r>
               <a:rPr lang="en-US" altLang="zh-CN" dirty="0">
-                <a:latin typeface="PingFang SC"/>
+                <a:latin typeface="Times New Roman" panose="02020603050405020304" pitchFamily="18" charset="0"/>
+                <a:cs typeface="Times New Roman" panose="02020603050405020304" pitchFamily="18" charset="0"/>
               </a:rPr>
               <a:t> Xu</a:t>
             </a:r>
             <a:endParaRPr lang="zh-CN" altLang="en-US" dirty="0">
-              <a:latin typeface="PingFang SC"/>
+              <a:latin typeface="Times New Roman" panose="02020603050405020304" pitchFamily="18" charset="0"/>
+              <a:cs typeface="Times New Roman" panose="02020603050405020304" pitchFamily="18" charset="0"/>
             </a:endParaRPr>
           </a:p>
         </p:txBody>
@@ -5220,26 +5681,30 @@
           <a:lstStyle/>
           <a:p>
             <a:endParaRPr lang="en-US" altLang="zh-CN" dirty="0">
-              <a:latin typeface="PingFang SC"/>
+              <a:latin typeface="Times New Roman" panose="02020603050405020304" pitchFamily="18" charset="0"/>
+              <a:cs typeface="Times New Roman" panose="02020603050405020304" pitchFamily="18" charset="0"/>
             </a:endParaRPr>
           </a:p>
           <a:p>
             <a:r>
               <a:rPr lang="en-US" altLang="zh-CN" dirty="0">
-                <a:latin typeface="PingFang SC"/>
+                <a:latin typeface="Times New Roman" panose="02020603050405020304" pitchFamily="18" charset="0"/>
+                <a:cs typeface="Times New Roman" panose="02020603050405020304" pitchFamily="18" charset="0"/>
               </a:rPr>
               <a:t>The idea of generating a continuous solution set model in the gradient-based algorithm PSL (Pareto Set Learning Algorithm) can be applied to evolutionary algorithms. </a:t>
             </a:r>
           </a:p>
           <a:p>
             <a:endParaRPr lang="en-US" altLang="zh-CN" dirty="0">
-              <a:latin typeface="PingFang SC"/>
+              <a:latin typeface="Times New Roman" panose="02020603050405020304" pitchFamily="18" charset="0"/>
+              <a:cs typeface="Times New Roman" panose="02020603050405020304" pitchFamily="18" charset="0"/>
             </a:endParaRPr>
           </a:p>
           <a:p>
             <a:r>
               <a:rPr lang="en-US" altLang="zh-CN" dirty="0">
-                <a:latin typeface="PingFang SC"/>
+                <a:latin typeface="Times New Roman" panose="02020603050405020304" pitchFamily="18" charset="0"/>
+                <a:cs typeface="Times New Roman" panose="02020603050405020304" pitchFamily="18" charset="0"/>
               </a:rPr>
               <a:t>Simple combination of Hypervolume EA and Hypervolume gradient algorithms: when the effect of EA no longer improves substantially,  use the gradient algorithm to improve the HV of the solution set. </a:t>
             </a:r>
@@ -5760,10 +6225,10 @@
           <a:lstStyle/>
           <a:p>
             <a:r>
-              <a:rPr lang="en-US" altLang="zh-CN" dirty="0">
+              <a:rPr lang="en-US" altLang="zh-CN" b="1" dirty="0">
                 <a:latin typeface="PingFang SC"/>
               </a:rPr>
-              <a:t>Basic ideas</a:t>
+              <a:t>Our presented algorithm</a:t>
             </a:r>
             <a:endParaRPr lang="zh-CN" altLang="en-US" b="1" dirty="0">
               <a:latin typeface="PingFang SC"/>
@@ -6078,15 +6543,17 @@
           <a:p>
             <a:r>
               <a:rPr lang="en-US" altLang="zh-CN" dirty="0">
-                <a:latin typeface="PingFang SC"/>
-              </a:rPr>
-              <a:t>Sub-population transfer (guided by non-dominated individual gradient)</a:t>
+                <a:latin typeface="Times New Roman" panose="02020603050405020304" pitchFamily="18" charset="0"/>
+                <a:cs typeface="Times New Roman" panose="02020603050405020304" pitchFamily="18" charset="0"/>
+              </a:rPr>
+              <a:t>Sub-population migration (guided by non-dominated individual gradient)</a:t>
             </a:r>
           </a:p>
           <a:p>
             <a:r>
               <a:rPr lang="en-US" altLang="zh-CN" dirty="0">
-                <a:latin typeface="PingFang SC"/>
+                <a:latin typeface="Times New Roman" panose="02020603050405020304" pitchFamily="18" charset="0"/>
+                <a:cs typeface="Times New Roman" panose="02020603050405020304" pitchFamily="18" charset="0"/>
               </a:rPr>
               <a:t>Local search + Group migration</a:t>
             </a:r>
@@ -6094,7 +6561,8 @@
           <a:p>
             <a:r>
               <a:rPr lang="en-US" altLang="zh-CN" dirty="0">
-                <a:latin typeface="PingFang SC"/>
+                <a:latin typeface="Times New Roman" panose="02020603050405020304" pitchFamily="18" charset="0"/>
+                <a:cs typeface="Times New Roman" panose="02020603050405020304" pitchFamily="18" charset="0"/>
               </a:rPr>
               <a:t>Uses Hypervolume as a performance indicator</a:t>
             </a:r>
@@ -6102,7 +6570,8 @@
           <a:p>
             <a:r>
               <a:rPr lang="en-US" altLang="zh-CN" dirty="0">
-                <a:latin typeface="PingFang SC"/>
+                <a:latin typeface="Times New Roman" panose="02020603050405020304" pitchFamily="18" charset="0"/>
+                <a:cs typeface="Times New Roman" panose="02020603050405020304" pitchFamily="18" charset="0"/>
               </a:rPr>
               <a:t>Uses Gradient information as a heuristic algorithm</a:t>
             </a:r>
@@ -6278,274 +6747,486 @@
       </p:grpSpPr>
       <p:sp>
         <p:nvSpPr>
-          <p:cNvPr id="2" name="标题 1">
-            <a:extLst>
-              <a:ext uri="{FF2B5EF4-FFF2-40B4-BE49-F238E27FC236}">
-                <a16:creationId xmlns:a16="http://schemas.microsoft.com/office/drawing/2014/main" id="{DC0C4945-475B-7672-7F32-84D4447BE1E6}"/>
-              </a:ext>
-            </a:extLst>
-          </p:cNvPr>
+          <p:cNvPr id="125" name="PlaceHolder 1"/>
           <p:cNvSpPr>
             <a:spLocks noGrp="1"/>
           </p:cNvSpPr>
           <p:nvPr>
             <p:ph type="title"/>
-          </p:nvPr>
-        </p:nvSpPr>
-        <p:spPr/>
-        <p:txBody>
-          <a:bodyPr/>
-          <a:lstStyle/>
-          <a:p>
-            <a:r>
-              <a:rPr lang="en-US" altLang="zh-CN" dirty="0">
-                <a:latin typeface="PingFang SC"/>
-              </a:rPr>
-              <a:t>Evaluation methods</a:t>
-            </a:r>
-            <a:endParaRPr lang="zh-CN" altLang="en-US" b="1" dirty="0">
-              <a:latin typeface="PingFang SC"/>
-            </a:endParaRPr>
-          </a:p>
-        </p:txBody>
-      </p:sp>
-      <p:sp>
-        <p:nvSpPr>
-          <p:cNvPr id="3" name="内容占位符 2">
-            <a:extLst>
-              <a:ext uri="{FF2B5EF4-FFF2-40B4-BE49-F238E27FC236}">
-                <a16:creationId xmlns:a16="http://schemas.microsoft.com/office/drawing/2014/main" id="{09F779B2-AD4A-0409-404C-4186F4337A0A}"/>
-              </a:ext>
-            </a:extLst>
-          </p:cNvPr>
-          <p:cNvSpPr>
-            <a:spLocks noGrp="1"/>
-          </p:cNvSpPr>
-          <p:nvPr>
-            <p:ph idx="1"/>
           </p:nvPr>
         </p:nvSpPr>
         <p:spPr>
           <a:xfrm>
-            <a:off x="838199" y="1825624"/>
-            <a:ext cx="10704443" cy="5032375"/>
-          </a:xfrm>
-        </p:spPr>
-        <p:txBody>
-          <a:bodyPr>
-            <a:normAutofit/>
-          </a:bodyPr>
-          <a:lstStyle/>
-          <a:p>
-            <a:r>
-              <a:rPr lang="en-US" altLang="zh-CN" dirty="0">
-                <a:latin typeface="PingFang SC"/>
-              </a:rPr>
-              <a:t>IGD</a:t>
-            </a:r>
-          </a:p>
-          <a:p>
-            <a:pPr marL="0" indent="0">
-              <a:buNone/>
-            </a:pPr>
-            <a:r>
-              <a:rPr lang="en-US" altLang="zh-CN" dirty="0">
-                <a:latin typeface="PingFang SC"/>
-              </a:rPr>
-              <a:t>The generational distance (GD) of a set A is defined as the distance between each point </a:t>
-            </a:r>
-            <a:r>
-              <a:rPr lang="en-US" altLang="zh-CN" dirty="0" err="1">
-                <a:latin typeface="PingFang SC"/>
-              </a:rPr>
-              <a:t>a∈A</a:t>
-            </a:r>
-            <a:r>
-              <a:rPr lang="en-US" altLang="zh-CN" dirty="0">
-                <a:latin typeface="PingFang SC"/>
-              </a:rPr>
-              <a:t> and the closest point r in a reference set R</a:t>
-            </a:r>
-          </a:p>
-          <a:p>
-            <a:pPr marL="0" indent="0">
-              <a:buNone/>
-            </a:pPr>
-            <a:r>
-              <a:rPr lang="en-US" altLang="zh-CN" dirty="0">
-                <a:latin typeface="PingFang SC"/>
-              </a:rPr>
-              <a:t>, averaged over the size of A. Formally, </a:t>
-            </a:r>
-          </a:p>
-          <a:p>
-            <a:endParaRPr lang="en-US" altLang="zh-CN" dirty="0">
-              <a:latin typeface="PingFang SC"/>
-            </a:endParaRPr>
-          </a:p>
-          <a:p>
-            <a:pPr lvl="1"/>
-            <a:endParaRPr lang="en-US" altLang="zh-CN" dirty="0">
-              <a:latin typeface="PingFang SC"/>
-            </a:endParaRPr>
-          </a:p>
-          <a:p>
-            <a:pPr marL="457200" lvl="1" indent="0">
-              <a:buNone/>
-            </a:pPr>
-            <a:endParaRPr lang="en-US" altLang="zh-CN" dirty="0">
-              <a:latin typeface="PingFang SC"/>
-            </a:endParaRPr>
-          </a:p>
-          <a:p>
-            <a:pPr marL="457200" lvl="1" indent="0">
-              <a:buNone/>
-            </a:pPr>
-            <a:r>
-              <a:rPr lang="en-US" altLang="zh-CN" b="0" i="0" dirty="0">
-                <a:solidFill>
-                  <a:srgbClr val="373A3C"/>
-                </a:solidFill>
-                <a:effectLst/>
-                <a:latin typeface="Source Sans Pro" panose="020B0503030403020204" pitchFamily="34" charset="0"/>
-              </a:rPr>
-              <a:t>where the distance is the Euclidean distance. </a:t>
-            </a:r>
-          </a:p>
-          <a:p>
-            <a:pPr marL="457200" lvl="1" indent="0">
-              <a:buNone/>
-            </a:pPr>
-            <a:endParaRPr lang="en-US" altLang="zh-CN" b="0" i="0" dirty="0">
-              <a:solidFill>
-                <a:srgbClr val="373A3C"/>
-              </a:solidFill>
-              <a:effectLst/>
-              <a:latin typeface="PingFang SC"/>
-            </a:endParaRPr>
-          </a:p>
-          <a:p>
-            <a:pPr lvl="1"/>
-            <a:r>
-              <a:rPr lang="en-US" altLang="zh-CN" dirty="0">
-                <a:latin typeface="PingFang SC"/>
-              </a:rPr>
-              <a:t>The </a:t>
-            </a:r>
-            <a:r>
-              <a:rPr lang="en-US" altLang="zh-CN" b="1" dirty="0">
-                <a:latin typeface="PingFang SC"/>
-              </a:rPr>
-              <a:t>inverted generational distance </a:t>
-            </a:r>
-            <a:r>
-              <a:rPr lang="en-US" altLang="zh-CN" dirty="0">
-                <a:latin typeface="PingFang SC"/>
-              </a:rPr>
-              <a:t>(IGD) is calculated as </a:t>
-            </a:r>
-            <a:r>
-              <a:rPr lang="en-US" altLang="zh-CN" dirty="0" err="1">
-                <a:latin typeface="PingFang SC"/>
-              </a:rPr>
-              <a:t>IGD</a:t>
-            </a:r>
-            <a:r>
-              <a:rPr lang="en-US" altLang="zh-CN" baseline="-25000" dirty="0" err="1">
-                <a:latin typeface="PingFang SC"/>
-              </a:rPr>
-              <a:t>p</a:t>
-            </a:r>
-            <a:r>
-              <a:rPr lang="en-US" altLang="zh-CN" dirty="0">
-                <a:latin typeface="PingFang SC"/>
-              </a:rPr>
-              <a:t>(A,R)=</a:t>
-            </a:r>
-            <a:r>
-              <a:rPr lang="en-US" altLang="zh-CN" dirty="0" err="1">
-                <a:latin typeface="PingFang SC"/>
-              </a:rPr>
-              <a:t>GD</a:t>
-            </a:r>
-            <a:r>
-              <a:rPr lang="en-US" altLang="zh-CN" baseline="-25000" dirty="0" err="1">
-                <a:latin typeface="PingFang SC"/>
-              </a:rPr>
-              <a:t>p</a:t>
-            </a:r>
-            <a:r>
-              <a:rPr lang="en-US" altLang="zh-CN" dirty="0">
-                <a:latin typeface="PingFang SC"/>
-              </a:rPr>
-              <a:t>(R,A), where the reference set R is the true </a:t>
-            </a:r>
-            <a:r>
-              <a:rPr lang="en-US" altLang="zh-CN" b="1" dirty="0">
-                <a:latin typeface="PingFang SC"/>
-              </a:rPr>
-              <a:t>Pareto optimal </a:t>
-            </a:r>
-            <a:r>
-              <a:rPr lang="en-US" altLang="zh-CN" dirty="0">
-                <a:latin typeface="PingFang SC"/>
-              </a:rPr>
-              <a:t>set. </a:t>
-            </a:r>
-          </a:p>
-          <a:p>
-            <a:endParaRPr lang="en-US" altLang="zh-CN" dirty="0">
-              <a:latin typeface="PingFang SC"/>
-            </a:endParaRPr>
-          </a:p>
-          <a:p>
-            <a:endParaRPr lang="en-US" altLang="zh-CN" dirty="0">
-              <a:latin typeface="PingFang SC"/>
-            </a:endParaRPr>
-          </a:p>
-          <a:p>
-            <a:endParaRPr lang="en-US" altLang="zh-CN" dirty="0">
-              <a:latin typeface="PingFang SC"/>
-            </a:endParaRPr>
-          </a:p>
-        </p:txBody>
-      </p:sp>
-      <p:pic>
-        <p:nvPicPr>
-          <p:cNvPr id="9" name="图片 8">
-            <a:extLst>
-              <a:ext uri="{FF2B5EF4-FFF2-40B4-BE49-F238E27FC236}">
-                <a16:creationId xmlns:a16="http://schemas.microsoft.com/office/drawing/2014/main" id="{68809E49-E002-D2E4-C1F8-DD094A5A9B76}"/>
-              </a:ext>
-            </a:extLst>
-          </p:cNvPr>
-          <p:cNvPicPr>
-            <a:picLocks noChangeAspect="1"/>
-          </p:cNvPicPr>
-          <p:nvPr/>
-        </p:nvPicPr>
-        <p:blipFill>
-          <a:blip r:embed="rId3"/>
-          <a:stretch>
-            <a:fillRect/>
-          </a:stretch>
-        </p:blipFill>
-        <p:spPr>
-          <a:xfrm>
-            <a:off x="3217352" y="3631212"/>
-            <a:ext cx="5757296" cy="1421197"/>
+            <a:off x="838080" y="365040"/>
+            <a:ext cx="10515240" cy="1325160"/>
           </a:xfrm>
           <a:prstGeom prst="rect">
             <a:avLst/>
           </a:prstGeom>
+          <a:noFill/>
+          <a:ln w="0">
+            <a:noFill/>
+          </a:ln>
         </p:spPr>
-      </p:pic>
+        <p:txBody>
+          <a:bodyPr anchor="ctr">
+            <a:noAutofit/>
+          </a:bodyPr>
+          <a:lstStyle/>
+          <a:p>
+            <a:pPr indent="0">
+              <a:lnSpc>
+                <a:spcPct val="90000"/>
+              </a:lnSpc>
+              <a:buNone/>
+            </a:pPr>
+            <a:r>
+              <a:rPr lang="en-US" sz="4400" b="0" strike="noStrike" spc="-1">
+                <a:solidFill>
+                  <a:srgbClr val="000000"/>
+                </a:solidFill>
+                <a:latin typeface="PingFang SC"/>
+              </a:rPr>
+              <a:t>Evaluation methods</a:t>
+            </a:r>
+            <a:endParaRPr lang="en-US" sz="4400" b="0" strike="noStrike" spc="-1">
+              <a:solidFill>
+                <a:srgbClr val="000000"/>
+              </a:solidFill>
+              <a:latin typeface="等线"/>
+            </a:endParaRPr>
+          </a:p>
+        </p:txBody>
+      </p:sp>
+      <p:sp>
+        <p:nvSpPr>
+          <p:cNvPr id="126" name="PlaceHolder 2"/>
+          <p:cNvSpPr>
+            <a:spLocks noGrp="1"/>
+          </p:cNvSpPr>
+          <p:nvPr>
+            <p:ph/>
+          </p:nvPr>
+        </p:nvSpPr>
+        <p:spPr>
+          <a:xfrm>
+            <a:off x="838080" y="1825560"/>
+            <a:ext cx="10704240" cy="5032080"/>
+          </a:xfrm>
+          <a:prstGeom prst="rect">
+            <a:avLst/>
+          </a:prstGeom>
+          <a:noFill/>
+          <a:ln w="0">
+            <a:noFill/>
+          </a:ln>
+        </p:spPr>
+        <p:txBody>
+          <a:bodyPr anchor="t">
+            <a:normAutofit fontScale="92500" lnSpcReduction="10000"/>
+          </a:bodyPr>
+          <a:lstStyle/>
+          <a:p>
+            <a:pPr marL="194040" indent="-194040">
+              <a:lnSpc>
+                <a:spcPct val="90000"/>
+              </a:lnSpc>
+              <a:spcBef>
+                <a:spcPts val="1001"/>
+              </a:spcBef>
+              <a:buClr>
+                <a:srgbClr val="000000"/>
+              </a:buClr>
+              <a:buFont typeface="Arial"/>
+              <a:buChar char="•"/>
+            </a:pPr>
+            <a:r>
+              <a:rPr lang="en-US" sz="2800" b="0" strike="noStrike" spc="-1" dirty="0">
+                <a:solidFill>
+                  <a:srgbClr val="000000"/>
+                </a:solidFill>
+                <a:latin typeface="Times New Roman" panose="02020603050405020304" pitchFamily="18" charset="0"/>
+                <a:cs typeface="Times New Roman" panose="02020603050405020304" pitchFamily="18" charset="0"/>
+              </a:rPr>
+              <a:t>Solution Evaluation</a:t>
+            </a:r>
+          </a:p>
+          <a:p>
+            <a:pPr marL="734400" lvl="1" indent="-275400">
+              <a:lnSpc>
+                <a:spcPct val="90000"/>
+              </a:lnSpc>
+              <a:spcBef>
+                <a:spcPts val="1134"/>
+              </a:spcBef>
+              <a:buClr>
+                <a:srgbClr val="000000"/>
+              </a:buClr>
+              <a:buSzPct val="75000"/>
+              <a:buFont typeface="Symbol" charset="2"/>
+              <a:buChar char=""/>
+            </a:pPr>
+            <a:r>
+              <a:rPr lang="en-US" sz="2800" b="0" strike="noStrike" spc="-1" dirty="0" err="1">
+                <a:solidFill>
+                  <a:srgbClr val="000000"/>
+                </a:solidFill>
+                <a:latin typeface="Times New Roman" panose="02020603050405020304" pitchFamily="18" charset="0"/>
+                <a:cs typeface="Times New Roman" panose="02020603050405020304" pitchFamily="18" charset="0"/>
+              </a:rPr>
+              <a:t>Convergence:GD</a:t>
+            </a:r>
+            <a:r>
+              <a:rPr lang="en-US" sz="2800" b="0" strike="noStrike" spc="-1" dirty="0">
+                <a:solidFill>
+                  <a:srgbClr val="000000"/>
+                </a:solidFill>
+                <a:latin typeface="Times New Roman" panose="02020603050405020304" pitchFamily="18" charset="0"/>
+                <a:cs typeface="Times New Roman" panose="02020603050405020304" pitchFamily="18" charset="0"/>
+              </a:rPr>
+              <a:t> &amp; IGD</a:t>
+            </a:r>
+          </a:p>
+          <a:p>
+            <a:pPr marL="734400" lvl="1" indent="0">
+              <a:lnSpc>
+                <a:spcPct val="90000"/>
+              </a:lnSpc>
+              <a:spcBef>
+                <a:spcPts val="1134"/>
+              </a:spcBef>
+              <a:buNone/>
+            </a:pPr>
+            <a:r>
+              <a:rPr lang="en-US" sz="2800" b="0" strike="noStrike" spc="-1" dirty="0">
+                <a:solidFill>
+                  <a:srgbClr val="000000"/>
+                </a:solidFill>
+                <a:latin typeface="Times New Roman" panose="02020603050405020304" pitchFamily="18" charset="0"/>
+                <a:cs typeface="Times New Roman" panose="02020603050405020304" pitchFamily="18" charset="0"/>
+              </a:rPr>
+              <a:t>The distance between the solution set and the real Pareto Front.</a:t>
+            </a:r>
+          </a:p>
+          <a:p>
+            <a:pPr marL="734400" lvl="1" indent="-275400">
+              <a:lnSpc>
+                <a:spcPct val="90000"/>
+              </a:lnSpc>
+              <a:spcBef>
+                <a:spcPts val="1134"/>
+              </a:spcBef>
+              <a:buClr>
+                <a:srgbClr val="000000"/>
+              </a:buClr>
+              <a:buSzPct val="75000"/>
+              <a:buFont typeface="Symbol" charset="2"/>
+              <a:buChar char=""/>
+            </a:pPr>
+            <a:r>
+              <a:rPr lang="en-US" sz="2800" b="0" strike="noStrike" spc="-1" dirty="0" err="1">
+                <a:solidFill>
+                  <a:srgbClr val="000000"/>
+                </a:solidFill>
+                <a:latin typeface="Times New Roman" panose="02020603050405020304" pitchFamily="18" charset="0"/>
+                <a:cs typeface="Times New Roman" panose="02020603050405020304" pitchFamily="18" charset="0"/>
+              </a:rPr>
+              <a:t>Evenness:Spacing</a:t>
+            </a:r>
+            <a:endParaRPr lang="en-US" sz="2800" b="0" strike="noStrike" spc="-1" dirty="0">
+              <a:solidFill>
+                <a:srgbClr val="000000"/>
+              </a:solidFill>
+              <a:latin typeface="Times New Roman" panose="02020603050405020304" pitchFamily="18" charset="0"/>
+              <a:cs typeface="Times New Roman" panose="02020603050405020304" pitchFamily="18" charset="0"/>
+            </a:endParaRPr>
+          </a:p>
+          <a:p>
+            <a:pPr marL="734400" lvl="1" indent="0">
+              <a:lnSpc>
+                <a:spcPct val="90000"/>
+              </a:lnSpc>
+              <a:spcBef>
+                <a:spcPts val="1134"/>
+              </a:spcBef>
+              <a:buNone/>
+            </a:pPr>
+            <a:r>
+              <a:rPr lang="en-US" sz="2800" b="0" strike="noStrike" spc="-1" dirty="0">
+                <a:solidFill>
+                  <a:srgbClr val="000000"/>
+                </a:solidFill>
+                <a:latin typeface="Times New Roman" panose="02020603050405020304" pitchFamily="18" charset="0"/>
+                <a:cs typeface="Times New Roman" panose="02020603050405020304" pitchFamily="18" charset="0"/>
+              </a:rPr>
+              <a:t>The uniformity of individual distribution in the solution set.</a:t>
+            </a:r>
+          </a:p>
+          <a:p>
+            <a:pPr marL="734400" lvl="1" indent="-275400">
+              <a:lnSpc>
+                <a:spcPct val="90000"/>
+              </a:lnSpc>
+              <a:spcBef>
+                <a:spcPts val="1134"/>
+              </a:spcBef>
+              <a:buClr>
+                <a:srgbClr val="000000"/>
+              </a:buClr>
+              <a:buSzPct val="75000"/>
+              <a:buFont typeface="Symbol" charset="2"/>
+              <a:buChar char=""/>
+            </a:pPr>
+            <a:r>
+              <a:rPr lang="en-US" sz="2800" b="0" strike="noStrike" spc="-1" dirty="0" err="1">
+                <a:solidFill>
+                  <a:srgbClr val="000000"/>
+                </a:solidFill>
+                <a:latin typeface="Times New Roman" panose="02020603050405020304" pitchFamily="18" charset="0"/>
+                <a:cs typeface="Times New Roman" panose="02020603050405020304" pitchFamily="18" charset="0"/>
+              </a:rPr>
+              <a:t>Spread:Hypervolumn</a:t>
+            </a:r>
+            <a:endParaRPr lang="en-US" sz="2800" b="0" strike="noStrike" spc="-1" dirty="0">
+              <a:solidFill>
+                <a:srgbClr val="000000"/>
+              </a:solidFill>
+              <a:latin typeface="Times New Roman" panose="02020603050405020304" pitchFamily="18" charset="0"/>
+              <a:cs typeface="Times New Roman" panose="02020603050405020304" pitchFamily="18" charset="0"/>
+            </a:endParaRPr>
+          </a:p>
+          <a:p>
+            <a:pPr marL="734400" lvl="1" indent="0">
+              <a:lnSpc>
+                <a:spcPct val="90000"/>
+              </a:lnSpc>
+              <a:spcBef>
+                <a:spcPts val="1134"/>
+              </a:spcBef>
+              <a:buNone/>
+            </a:pPr>
+            <a:r>
+              <a:rPr lang="en-US" sz="2800" b="0" strike="noStrike" spc="-1" dirty="0">
+                <a:solidFill>
+                  <a:srgbClr val="000000"/>
+                </a:solidFill>
+                <a:latin typeface="Times New Roman" panose="02020603050405020304" pitchFamily="18" charset="0"/>
+                <a:cs typeface="Times New Roman" panose="02020603050405020304" pitchFamily="18" charset="0"/>
+              </a:rPr>
+              <a:t>The distribution of the entire solution set in the target space.</a:t>
+            </a:r>
+          </a:p>
+          <a:p>
+            <a:pPr marL="194040" indent="-194040">
+              <a:lnSpc>
+                <a:spcPct val="90000"/>
+              </a:lnSpc>
+              <a:spcBef>
+                <a:spcPts val="1001"/>
+              </a:spcBef>
+              <a:buClr>
+                <a:srgbClr val="000000"/>
+              </a:buClr>
+              <a:buFont typeface="Arial"/>
+              <a:buChar char="•"/>
+            </a:pPr>
+            <a:r>
+              <a:rPr lang="en-US" sz="2800" b="0" strike="noStrike" spc="-1" dirty="0">
+                <a:solidFill>
+                  <a:srgbClr val="000000"/>
+                </a:solidFill>
+                <a:latin typeface="Times New Roman" panose="02020603050405020304" pitchFamily="18" charset="0"/>
+                <a:cs typeface="Times New Roman" panose="02020603050405020304" pitchFamily="18" charset="0"/>
+              </a:rPr>
+              <a:t>Algorithm Evaluation</a:t>
+            </a:r>
+          </a:p>
+          <a:p>
+            <a:pPr marL="734400" lvl="1" indent="-275400">
+              <a:lnSpc>
+                <a:spcPct val="90000"/>
+              </a:lnSpc>
+              <a:spcBef>
+                <a:spcPts val="1134"/>
+              </a:spcBef>
+              <a:buClr>
+                <a:srgbClr val="000000"/>
+              </a:buClr>
+              <a:buSzPct val="75000"/>
+              <a:buFont typeface="Symbol" charset="2"/>
+              <a:buChar char=""/>
+            </a:pPr>
+            <a:r>
+              <a:rPr lang="en-US" sz="2800" b="0" strike="noStrike" spc="-1" dirty="0">
+                <a:solidFill>
+                  <a:srgbClr val="000000"/>
+                </a:solidFill>
+                <a:latin typeface="Times New Roman" panose="02020603050405020304" pitchFamily="18" charset="0"/>
+                <a:cs typeface="Times New Roman" panose="02020603050405020304" pitchFamily="18" charset="0"/>
+              </a:rPr>
+              <a:t>Time</a:t>
+            </a:r>
+          </a:p>
+          <a:p>
+            <a:pPr marL="734400" lvl="1" indent="-275400">
+              <a:lnSpc>
+                <a:spcPct val="90000"/>
+              </a:lnSpc>
+              <a:spcBef>
+                <a:spcPts val="1134"/>
+              </a:spcBef>
+              <a:buClr>
+                <a:srgbClr val="000000"/>
+              </a:buClr>
+              <a:buSzPct val="75000"/>
+              <a:buFont typeface="Symbol" charset="2"/>
+              <a:buChar char=""/>
+            </a:pPr>
+            <a:r>
+              <a:rPr lang="en-US" sz="2800" b="0" strike="noStrike" spc="-1" dirty="0">
+                <a:solidFill>
+                  <a:srgbClr val="000000"/>
+                </a:solidFill>
+                <a:latin typeface="Times New Roman" panose="02020603050405020304" pitchFamily="18" charset="0"/>
+                <a:cs typeface="Times New Roman" panose="02020603050405020304" pitchFamily="18" charset="0"/>
+              </a:rPr>
+              <a:t>Space</a:t>
+            </a:r>
+          </a:p>
+          <a:p>
+            <a:pPr marL="734400" lvl="1" indent="-275400">
+              <a:lnSpc>
+                <a:spcPct val="90000"/>
+              </a:lnSpc>
+              <a:spcBef>
+                <a:spcPts val="1134"/>
+              </a:spcBef>
+              <a:buClr>
+                <a:srgbClr val="000000"/>
+              </a:buClr>
+              <a:buSzPct val="75000"/>
+              <a:buFont typeface="Symbol" charset="2"/>
+              <a:buChar char=""/>
+            </a:pPr>
+            <a:r>
+              <a:rPr lang="en-US" sz="2800" b="0" strike="noStrike" spc="-1" dirty="0">
+                <a:solidFill>
+                  <a:srgbClr val="000000"/>
+                </a:solidFill>
+                <a:latin typeface="Times New Roman" panose="02020603050405020304" pitchFamily="18" charset="0"/>
+                <a:cs typeface="Times New Roman" panose="02020603050405020304" pitchFamily="18" charset="0"/>
+              </a:rPr>
+              <a:t>other</a:t>
+            </a:r>
+          </a:p>
+          <a:p>
+            <a:pPr indent="0">
+              <a:lnSpc>
+                <a:spcPct val="90000"/>
+              </a:lnSpc>
+              <a:spcBef>
+                <a:spcPts val="1001"/>
+              </a:spcBef>
+              <a:buNone/>
+              <a:tabLst>
+                <a:tab pos="0" algn="l"/>
+              </a:tabLst>
+            </a:pPr>
+            <a:endParaRPr lang="en-US" sz="2800" b="0" strike="noStrike" spc="-1" dirty="0">
+              <a:solidFill>
+                <a:srgbClr val="000000"/>
+              </a:solidFill>
+              <a:latin typeface="Times New Roman" panose="02020603050405020304" pitchFamily="18" charset="0"/>
+              <a:cs typeface="Times New Roman" panose="02020603050405020304" pitchFamily="18" charset="0"/>
+            </a:endParaRPr>
+          </a:p>
+          <a:p>
+            <a:pPr indent="0">
+              <a:lnSpc>
+                <a:spcPct val="90000"/>
+              </a:lnSpc>
+              <a:spcBef>
+                <a:spcPts val="1001"/>
+              </a:spcBef>
+              <a:buNone/>
+              <a:tabLst>
+                <a:tab pos="0" algn="l"/>
+              </a:tabLst>
+            </a:pPr>
+            <a:endParaRPr lang="en-US" sz="2800" b="0" strike="noStrike" spc="-1" dirty="0">
+              <a:solidFill>
+                <a:srgbClr val="000000"/>
+              </a:solidFill>
+              <a:latin typeface="Times New Roman" panose="02020603050405020304" pitchFamily="18" charset="0"/>
+              <a:cs typeface="Times New Roman" panose="02020603050405020304" pitchFamily="18" charset="0"/>
+            </a:endParaRPr>
+          </a:p>
+          <a:p>
+            <a:pPr indent="0">
+              <a:lnSpc>
+                <a:spcPct val="90000"/>
+              </a:lnSpc>
+              <a:spcBef>
+                <a:spcPts val="1001"/>
+              </a:spcBef>
+              <a:buNone/>
+              <a:tabLst>
+                <a:tab pos="0" algn="l"/>
+              </a:tabLst>
+            </a:pPr>
+            <a:endParaRPr lang="en-US" sz="2800" b="0" strike="noStrike" spc="-1" dirty="0">
+              <a:solidFill>
+                <a:srgbClr val="000000"/>
+              </a:solidFill>
+              <a:latin typeface="Times New Roman" panose="02020603050405020304" pitchFamily="18" charset="0"/>
+              <a:cs typeface="Times New Roman" panose="02020603050405020304" pitchFamily="18" charset="0"/>
+            </a:endParaRPr>
+          </a:p>
+          <a:p>
+            <a:pPr indent="0">
+              <a:lnSpc>
+                <a:spcPct val="90000"/>
+              </a:lnSpc>
+              <a:spcBef>
+                <a:spcPts val="1001"/>
+              </a:spcBef>
+              <a:buNone/>
+              <a:tabLst>
+                <a:tab pos="0" algn="l"/>
+              </a:tabLst>
+            </a:pPr>
+            <a:endParaRPr lang="en-US" sz="2800" b="0" strike="noStrike" spc="-1" dirty="0">
+              <a:solidFill>
+                <a:srgbClr val="000000"/>
+              </a:solidFill>
+              <a:latin typeface="Times New Roman" panose="02020603050405020304" pitchFamily="18" charset="0"/>
+              <a:cs typeface="Times New Roman" panose="02020603050405020304" pitchFamily="18" charset="0"/>
+            </a:endParaRPr>
+          </a:p>
+          <a:p>
+            <a:pPr indent="0">
+              <a:lnSpc>
+                <a:spcPct val="90000"/>
+              </a:lnSpc>
+              <a:spcBef>
+                <a:spcPts val="1001"/>
+              </a:spcBef>
+              <a:buNone/>
+              <a:tabLst>
+                <a:tab pos="0" algn="l"/>
+              </a:tabLst>
+            </a:pPr>
+            <a:endParaRPr lang="en-US" sz="2800" b="0" strike="noStrike" spc="-1" dirty="0">
+              <a:solidFill>
+                <a:srgbClr val="000000"/>
+              </a:solidFill>
+              <a:latin typeface="Times New Roman" panose="02020603050405020304" pitchFamily="18" charset="0"/>
+              <a:cs typeface="Times New Roman" panose="02020603050405020304" pitchFamily="18" charset="0"/>
+            </a:endParaRPr>
+          </a:p>
+        </p:txBody>
+      </p:sp>
     </p:spTree>
-    <p:extLst>
-      <p:ext uri="{BB962C8B-B14F-4D97-AF65-F5344CB8AC3E}">
-        <p14:creationId xmlns:p14="http://schemas.microsoft.com/office/powerpoint/2010/main" val="1738435582"/>
-      </p:ext>
-    </p:extLst>
   </p:cSld>
   <p:clrMapOvr>
     <a:masterClrMapping/>
@@ -6554,6 +7235,551 @@
 </file>
 
 <file path=ppt/slides/slide15.xml><?xml version="1.0" encoding="utf-8"?>
+<p:sld xmlns:a="http://schemas.openxmlformats.org/drawingml/2006/main" xmlns:r="http://schemas.openxmlformats.org/officeDocument/2006/relationships" xmlns:p="http://schemas.openxmlformats.org/presentationml/2006/main">
+  <p:cSld>
+    <p:spTree>
+      <p:nvGrpSpPr>
+        <p:cNvPr id="1" name=""/>
+        <p:cNvGrpSpPr/>
+        <p:nvPr/>
+      </p:nvGrpSpPr>
+      <p:grpSpPr>
+        <a:xfrm>
+          <a:off x="0" y="0"/>
+          <a:ext cx="0" cy="0"/>
+          <a:chOff x="0" y="0"/>
+          <a:chExt cx="0" cy="0"/>
+        </a:xfrm>
+      </p:grpSpPr>
+      <p:sp>
+        <p:nvSpPr>
+          <p:cNvPr id="130" name="PlaceHolder 1"/>
+          <p:cNvSpPr>
+            <a:spLocks noGrp="1"/>
+          </p:cNvSpPr>
+          <p:nvPr>
+            <p:ph type="title"/>
+          </p:nvPr>
+        </p:nvSpPr>
+        <p:spPr>
+          <a:xfrm>
+            <a:off x="838080" y="365040"/>
+            <a:ext cx="10515240" cy="1325160"/>
+          </a:xfrm>
+          <a:prstGeom prst="rect">
+            <a:avLst/>
+          </a:prstGeom>
+          <a:noFill/>
+          <a:ln w="0">
+            <a:noFill/>
+          </a:ln>
+        </p:spPr>
+        <p:txBody>
+          <a:bodyPr anchor="ctr">
+            <a:noAutofit/>
+          </a:bodyPr>
+          <a:lstStyle/>
+          <a:p>
+            <a:pPr indent="0">
+              <a:lnSpc>
+                <a:spcPct val="90000"/>
+              </a:lnSpc>
+              <a:buNone/>
+            </a:pPr>
+            <a:r>
+              <a:rPr lang="en-US" sz="4400" b="0" strike="noStrike" spc="-1">
+                <a:solidFill>
+                  <a:srgbClr val="000000"/>
+                </a:solidFill>
+                <a:latin typeface="PingFang SC"/>
+              </a:rPr>
+              <a:t>Evaluation methods</a:t>
+            </a:r>
+            <a:endParaRPr lang="en-US" sz="4400" b="0" strike="noStrike" spc="-1">
+              <a:solidFill>
+                <a:srgbClr val="000000"/>
+              </a:solidFill>
+              <a:latin typeface="等线"/>
+            </a:endParaRPr>
+          </a:p>
+        </p:txBody>
+      </p:sp>
+      <p:sp>
+        <p:nvSpPr>
+          <p:cNvPr id="131" name="PlaceHolder 2"/>
+          <p:cNvSpPr>
+            <a:spLocks noGrp="1"/>
+          </p:cNvSpPr>
+          <p:nvPr>
+            <p:ph/>
+          </p:nvPr>
+        </p:nvSpPr>
+        <p:spPr>
+          <a:xfrm>
+            <a:off x="838080" y="1825560"/>
+            <a:ext cx="10704240" cy="5032080"/>
+          </a:xfrm>
+          <a:prstGeom prst="rect">
+            <a:avLst/>
+          </a:prstGeom>
+          <a:noFill/>
+          <a:ln w="0">
+            <a:noFill/>
+          </a:ln>
+        </p:spPr>
+        <p:txBody>
+          <a:bodyPr anchor="t">
+            <a:normAutofit fontScale="98500" lnSpcReduction="10000"/>
+          </a:bodyPr>
+          <a:lstStyle/>
+          <a:p>
+            <a:pPr marL="207720" indent="-207720">
+              <a:lnSpc>
+                <a:spcPct val="90000"/>
+              </a:lnSpc>
+              <a:spcBef>
+                <a:spcPts val="1001"/>
+              </a:spcBef>
+              <a:buClr>
+                <a:srgbClr val="000000"/>
+              </a:buClr>
+              <a:buFont typeface="Arial"/>
+              <a:buChar char="•"/>
+            </a:pPr>
+            <a:r>
+              <a:rPr lang="en-US" sz="2800" b="0" strike="noStrike" spc="-1" dirty="0">
+                <a:solidFill>
+                  <a:srgbClr val="000000"/>
+                </a:solidFill>
+                <a:latin typeface="Times New Roman" panose="02020603050405020304" pitchFamily="18" charset="0"/>
+                <a:cs typeface="Times New Roman" panose="02020603050405020304" pitchFamily="18" charset="0"/>
+              </a:rPr>
+              <a:t>Generational Distance &amp; Inverted Generational Distance</a:t>
+            </a:r>
+          </a:p>
+          <a:p>
+            <a:pPr marL="207720" indent="0">
+              <a:lnSpc>
+                <a:spcPct val="90000"/>
+              </a:lnSpc>
+              <a:spcBef>
+                <a:spcPts val="1001"/>
+              </a:spcBef>
+              <a:buNone/>
+            </a:pPr>
+            <a:r>
+              <a:rPr lang="en-US" sz="2800" b="0" strike="noStrike" spc="-1" dirty="0">
+                <a:solidFill>
+                  <a:srgbClr val="000000"/>
+                </a:solidFill>
+                <a:latin typeface="Times New Roman" panose="02020603050405020304" pitchFamily="18" charset="0"/>
+                <a:cs typeface="Times New Roman" panose="02020603050405020304" pitchFamily="18" charset="0"/>
+              </a:rPr>
+              <a:t>(GD &amp; IGD)</a:t>
+            </a:r>
+          </a:p>
+          <a:p>
+            <a:pPr marL="207720" indent="-207720">
+              <a:lnSpc>
+                <a:spcPct val="90000"/>
+              </a:lnSpc>
+              <a:spcBef>
+                <a:spcPts val="1001"/>
+              </a:spcBef>
+              <a:buClr>
+                <a:srgbClr val="000000"/>
+              </a:buClr>
+              <a:buFont typeface="Arial"/>
+              <a:buChar char="•"/>
+            </a:pPr>
+            <a:r>
+              <a:rPr lang="en-US" sz="2800" b="0" strike="noStrike" spc="-1" dirty="0">
+                <a:solidFill>
+                  <a:srgbClr val="000000"/>
+                </a:solidFill>
+                <a:latin typeface="Times New Roman" panose="02020603050405020304" pitchFamily="18" charset="0"/>
+                <a:cs typeface="Times New Roman" panose="02020603050405020304" pitchFamily="18" charset="0"/>
+              </a:rPr>
+              <a:t>The GD of a set A is defined as the distance between each point </a:t>
+            </a:r>
+            <a:r>
+              <a:rPr lang="en-US" sz="2800" b="0" strike="noStrike" spc="-1" dirty="0" err="1">
+                <a:solidFill>
+                  <a:srgbClr val="000000"/>
+                </a:solidFill>
+                <a:latin typeface="Times New Roman" panose="02020603050405020304" pitchFamily="18" charset="0"/>
+                <a:cs typeface="Times New Roman" panose="02020603050405020304" pitchFamily="18" charset="0"/>
+              </a:rPr>
+              <a:t>a∈A</a:t>
+            </a:r>
+            <a:r>
+              <a:rPr lang="en-US" sz="2800" b="0" strike="noStrike" spc="-1" dirty="0">
+                <a:solidFill>
+                  <a:srgbClr val="000000"/>
+                </a:solidFill>
+                <a:latin typeface="Times New Roman" panose="02020603050405020304" pitchFamily="18" charset="0"/>
+                <a:cs typeface="Times New Roman" panose="02020603050405020304" pitchFamily="18" charset="0"/>
+              </a:rPr>
+              <a:t> and the closest point r in a reference set R, averaged over the size of A. Formally</a:t>
+            </a:r>
+            <a:r>
+              <a:rPr lang="zh-CN" altLang="en-US" spc="-1" dirty="0">
+                <a:solidFill>
+                  <a:srgbClr val="000000"/>
+                </a:solidFill>
+                <a:latin typeface="Times New Roman" panose="02020603050405020304" pitchFamily="18" charset="0"/>
+                <a:cs typeface="Times New Roman" panose="02020603050405020304" pitchFamily="18" charset="0"/>
+              </a:rPr>
+              <a:t>：</a:t>
+            </a:r>
+            <a:endParaRPr lang="en-US" sz="2800" b="0" strike="noStrike" spc="-1" dirty="0">
+              <a:solidFill>
+                <a:srgbClr val="000000"/>
+              </a:solidFill>
+              <a:latin typeface="Times New Roman" panose="02020603050405020304" pitchFamily="18" charset="0"/>
+              <a:cs typeface="Times New Roman" panose="02020603050405020304" pitchFamily="18" charset="0"/>
+            </a:endParaRPr>
+          </a:p>
+          <a:p>
+            <a:pPr indent="0">
+              <a:lnSpc>
+                <a:spcPct val="90000"/>
+              </a:lnSpc>
+              <a:spcBef>
+                <a:spcPts val="1001"/>
+              </a:spcBef>
+              <a:buNone/>
+              <a:tabLst>
+                <a:tab pos="0" algn="l"/>
+              </a:tabLst>
+            </a:pPr>
+            <a:endParaRPr lang="en-US" sz="2800" b="0" strike="noStrike" spc="-1" dirty="0">
+              <a:solidFill>
+                <a:srgbClr val="000000"/>
+              </a:solidFill>
+              <a:latin typeface="Times New Roman" panose="02020603050405020304" pitchFamily="18" charset="0"/>
+              <a:cs typeface="Times New Roman" panose="02020603050405020304" pitchFamily="18" charset="0"/>
+            </a:endParaRPr>
+          </a:p>
+          <a:p>
+            <a:pPr indent="0">
+              <a:lnSpc>
+                <a:spcPct val="90000"/>
+              </a:lnSpc>
+              <a:spcBef>
+                <a:spcPts val="499"/>
+              </a:spcBef>
+              <a:buNone/>
+              <a:tabLst>
+                <a:tab pos="0" algn="l"/>
+              </a:tabLst>
+            </a:pPr>
+            <a:endParaRPr lang="en-US" sz="2400" b="0" strike="noStrike" spc="-1" dirty="0">
+              <a:solidFill>
+                <a:srgbClr val="000000"/>
+              </a:solidFill>
+              <a:latin typeface="Times New Roman" panose="02020603050405020304" pitchFamily="18" charset="0"/>
+              <a:cs typeface="Times New Roman" panose="02020603050405020304" pitchFamily="18" charset="0"/>
+            </a:endParaRPr>
+          </a:p>
+          <a:p>
+            <a:pPr marL="415800" indent="0">
+              <a:lnSpc>
+                <a:spcPct val="90000"/>
+              </a:lnSpc>
+              <a:spcBef>
+                <a:spcPts val="499"/>
+              </a:spcBef>
+              <a:buNone/>
+              <a:tabLst>
+                <a:tab pos="0" algn="l"/>
+              </a:tabLst>
+            </a:pPr>
+            <a:endParaRPr lang="en-US" sz="2400" b="0" strike="noStrike" spc="-1" dirty="0">
+              <a:solidFill>
+                <a:srgbClr val="000000"/>
+              </a:solidFill>
+              <a:latin typeface="Times New Roman" panose="02020603050405020304" pitchFamily="18" charset="0"/>
+              <a:cs typeface="Times New Roman" panose="02020603050405020304" pitchFamily="18" charset="0"/>
+            </a:endParaRPr>
+          </a:p>
+          <a:p>
+            <a:pPr marL="415800" indent="0">
+              <a:lnSpc>
+                <a:spcPct val="90000"/>
+              </a:lnSpc>
+              <a:spcBef>
+                <a:spcPts val="499"/>
+              </a:spcBef>
+              <a:buNone/>
+              <a:tabLst>
+                <a:tab pos="0" algn="l"/>
+              </a:tabLst>
+            </a:pPr>
+            <a:r>
+              <a:rPr lang="en-US" sz="2400" b="0" strike="noStrike" spc="-1" dirty="0">
+                <a:solidFill>
+                  <a:srgbClr val="373A3C"/>
+                </a:solidFill>
+                <a:latin typeface="Times New Roman" panose="02020603050405020304" pitchFamily="18" charset="0"/>
+                <a:cs typeface="Times New Roman" panose="02020603050405020304" pitchFamily="18" charset="0"/>
+              </a:rPr>
+              <a:t>where the distance is the Euclidean distance. </a:t>
+            </a:r>
+            <a:endParaRPr lang="en-US" sz="2400" b="0" strike="noStrike" spc="-1" dirty="0">
+              <a:solidFill>
+                <a:srgbClr val="000000"/>
+              </a:solidFill>
+              <a:latin typeface="Times New Roman" panose="02020603050405020304" pitchFamily="18" charset="0"/>
+              <a:cs typeface="Times New Roman" panose="02020603050405020304" pitchFamily="18" charset="0"/>
+            </a:endParaRPr>
+          </a:p>
+          <a:p>
+            <a:pPr marL="415800" indent="0">
+              <a:lnSpc>
+                <a:spcPct val="90000"/>
+              </a:lnSpc>
+              <a:spcBef>
+                <a:spcPts val="499"/>
+              </a:spcBef>
+              <a:buNone/>
+              <a:tabLst>
+                <a:tab pos="0" algn="l"/>
+              </a:tabLst>
+            </a:pPr>
+            <a:endParaRPr lang="en-US" sz="2400" b="0" strike="noStrike" spc="-1" dirty="0">
+              <a:solidFill>
+                <a:srgbClr val="000000"/>
+              </a:solidFill>
+              <a:latin typeface="Times New Roman" panose="02020603050405020304" pitchFamily="18" charset="0"/>
+              <a:cs typeface="Times New Roman" panose="02020603050405020304" pitchFamily="18" charset="0"/>
+            </a:endParaRPr>
+          </a:p>
+          <a:p>
+            <a:pPr marL="623880" lvl="1" indent="-207720">
+              <a:lnSpc>
+                <a:spcPct val="90000"/>
+              </a:lnSpc>
+              <a:spcBef>
+                <a:spcPts val="499"/>
+              </a:spcBef>
+              <a:buClr>
+                <a:srgbClr val="000000"/>
+              </a:buClr>
+              <a:buFont typeface="Arial"/>
+              <a:buChar char="•"/>
+              <a:tabLst>
+                <a:tab pos="0" algn="l"/>
+              </a:tabLst>
+            </a:pPr>
+            <a:r>
+              <a:rPr lang="en-US" sz="2400" b="0" strike="noStrike" spc="-1" dirty="0">
+                <a:solidFill>
+                  <a:srgbClr val="000000"/>
+                </a:solidFill>
+                <a:latin typeface="Times New Roman" panose="02020603050405020304" pitchFamily="18" charset="0"/>
+                <a:cs typeface="Times New Roman" panose="02020603050405020304" pitchFamily="18" charset="0"/>
+              </a:rPr>
+              <a:t>The </a:t>
+            </a:r>
+            <a:r>
+              <a:rPr lang="en-US" sz="2400" b="1" strike="noStrike" spc="-1" dirty="0">
+                <a:solidFill>
+                  <a:srgbClr val="000000"/>
+                </a:solidFill>
+                <a:latin typeface="Times New Roman" panose="02020603050405020304" pitchFamily="18" charset="0"/>
+                <a:cs typeface="Times New Roman" panose="02020603050405020304" pitchFamily="18" charset="0"/>
+              </a:rPr>
+              <a:t>inverted generational distance </a:t>
+            </a:r>
+            <a:r>
+              <a:rPr lang="en-US" sz="2400" b="0" strike="noStrike" spc="-1" dirty="0">
+                <a:solidFill>
+                  <a:srgbClr val="000000"/>
+                </a:solidFill>
+                <a:latin typeface="Times New Roman" panose="02020603050405020304" pitchFamily="18" charset="0"/>
+                <a:cs typeface="Times New Roman" panose="02020603050405020304" pitchFamily="18" charset="0"/>
+              </a:rPr>
+              <a:t>(IGD) is calculated as </a:t>
+            </a:r>
+            <a:r>
+              <a:rPr lang="en-US" sz="2400" b="0" strike="noStrike" spc="-1" dirty="0" err="1">
+                <a:solidFill>
+                  <a:srgbClr val="000000"/>
+                </a:solidFill>
+                <a:latin typeface="Times New Roman" panose="02020603050405020304" pitchFamily="18" charset="0"/>
+                <a:cs typeface="Times New Roman" panose="02020603050405020304" pitchFamily="18" charset="0"/>
+              </a:rPr>
+              <a:t>IGD</a:t>
+            </a:r>
+            <a:r>
+              <a:rPr lang="en-US" sz="2400" b="0" strike="noStrike" spc="-1" baseline="-25000" dirty="0" err="1">
+                <a:solidFill>
+                  <a:srgbClr val="000000"/>
+                </a:solidFill>
+                <a:latin typeface="Times New Roman" panose="02020603050405020304" pitchFamily="18" charset="0"/>
+                <a:cs typeface="Times New Roman" panose="02020603050405020304" pitchFamily="18" charset="0"/>
+              </a:rPr>
+              <a:t>p</a:t>
+            </a:r>
+            <a:r>
+              <a:rPr lang="en-US" sz="2400" b="0" strike="noStrike" spc="-1" dirty="0">
+                <a:solidFill>
+                  <a:srgbClr val="000000"/>
+                </a:solidFill>
+                <a:latin typeface="Times New Roman" panose="02020603050405020304" pitchFamily="18" charset="0"/>
+                <a:cs typeface="Times New Roman" panose="02020603050405020304" pitchFamily="18" charset="0"/>
+              </a:rPr>
+              <a:t>(A,R)=</a:t>
+            </a:r>
+            <a:r>
+              <a:rPr lang="en-US" sz="2400" b="0" strike="noStrike" spc="-1" dirty="0" err="1">
+                <a:solidFill>
+                  <a:srgbClr val="000000"/>
+                </a:solidFill>
+                <a:latin typeface="Times New Roman" panose="02020603050405020304" pitchFamily="18" charset="0"/>
+                <a:cs typeface="Times New Roman" panose="02020603050405020304" pitchFamily="18" charset="0"/>
+              </a:rPr>
+              <a:t>GD</a:t>
+            </a:r>
+            <a:r>
+              <a:rPr lang="en-US" sz="2400" b="0" strike="noStrike" spc="-1" baseline="-25000" dirty="0" err="1">
+                <a:solidFill>
+                  <a:srgbClr val="000000"/>
+                </a:solidFill>
+                <a:latin typeface="Times New Roman" panose="02020603050405020304" pitchFamily="18" charset="0"/>
+                <a:cs typeface="Times New Roman" panose="02020603050405020304" pitchFamily="18" charset="0"/>
+              </a:rPr>
+              <a:t>p</a:t>
+            </a:r>
+            <a:r>
+              <a:rPr lang="en-US" sz="2400" b="0" strike="noStrike" spc="-1" dirty="0">
+                <a:solidFill>
+                  <a:srgbClr val="000000"/>
+                </a:solidFill>
+                <a:latin typeface="Times New Roman" panose="02020603050405020304" pitchFamily="18" charset="0"/>
+                <a:cs typeface="Times New Roman" panose="02020603050405020304" pitchFamily="18" charset="0"/>
+              </a:rPr>
+              <a:t>(R,A), where the reference set R is the true </a:t>
+            </a:r>
+            <a:r>
+              <a:rPr lang="en-US" sz="2400" b="1" strike="noStrike" spc="-1" dirty="0">
+                <a:solidFill>
+                  <a:srgbClr val="000000"/>
+                </a:solidFill>
+                <a:latin typeface="Times New Roman" panose="02020603050405020304" pitchFamily="18" charset="0"/>
+                <a:cs typeface="Times New Roman" panose="02020603050405020304" pitchFamily="18" charset="0"/>
+              </a:rPr>
+              <a:t>Pareto optimal </a:t>
+            </a:r>
+            <a:r>
+              <a:rPr lang="en-US" sz="2400" b="0" strike="noStrike" spc="-1" dirty="0">
+                <a:solidFill>
+                  <a:srgbClr val="000000"/>
+                </a:solidFill>
+                <a:latin typeface="Times New Roman" panose="02020603050405020304" pitchFamily="18" charset="0"/>
+                <a:cs typeface="Times New Roman" panose="02020603050405020304" pitchFamily="18" charset="0"/>
+              </a:rPr>
+              <a:t>set. </a:t>
+            </a:r>
+          </a:p>
+          <a:p>
+            <a:pPr indent="0">
+              <a:lnSpc>
+                <a:spcPct val="90000"/>
+              </a:lnSpc>
+              <a:spcBef>
+                <a:spcPts val="1001"/>
+              </a:spcBef>
+              <a:buNone/>
+              <a:tabLst>
+                <a:tab pos="0" algn="l"/>
+              </a:tabLst>
+            </a:pPr>
+            <a:endParaRPr lang="en-US" sz="2800" b="0" strike="noStrike" spc="-1" dirty="0">
+              <a:solidFill>
+                <a:srgbClr val="000000"/>
+              </a:solidFill>
+              <a:latin typeface="Times New Roman" panose="02020603050405020304" pitchFamily="18" charset="0"/>
+              <a:cs typeface="Times New Roman" panose="02020603050405020304" pitchFamily="18" charset="0"/>
+            </a:endParaRPr>
+          </a:p>
+          <a:p>
+            <a:pPr indent="0">
+              <a:lnSpc>
+                <a:spcPct val="90000"/>
+              </a:lnSpc>
+              <a:spcBef>
+                <a:spcPts val="1001"/>
+              </a:spcBef>
+              <a:buNone/>
+              <a:tabLst>
+                <a:tab pos="0" algn="l"/>
+              </a:tabLst>
+            </a:pPr>
+            <a:endParaRPr lang="en-US" sz="2800" b="0" strike="noStrike" spc="-1" dirty="0">
+              <a:solidFill>
+                <a:srgbClr val="000000"/>
+              </a:solidFill>
+              <a:latin typeface="Times New Roman" panose="02020603050405020304" pitchFamily="18" charset="0"/>
+              <a:cs typeface="Times New Roman" panose="02020603050405020304" pitchFamily="18" charset="0"/>
+            </a:endParaRPr>
+          </a:p>
+          <a:p>
+            <a:pPr indent="0">
+              <a:lnSpc>
+                <a:spcPct val="90000"/>
+              </a:lnSpc>
+              <a:spcBef>
+                <a:spcPts val="1001"/>
+              </a:spcBef>
+              <a:buNone/>
+              <a:tabLst>
+                <a:tab pos="0" algn="l"/>
+              </a:tabLst>
+            </a:pPr>
+            <a:endParaRPr lang="en-US" sz="2800" b="0" strike="noStrike" spc="-1" dirty="0">
+              <a:solidFill>
+                <a:srgbClr val="000000"/>
+              </a:solidFill>
+              <a:latin typeface="Times New Roman" panose="02020603050405020304" pitchFamily="18" charset="0"/>
+              <a:cs typeface="Times New Roman" panose="02020603050405020304" pitchFamily="18" charset="0"/>
+            </a:endParaRPr>
+          </a:p>
+        </p:txBody>
+      </p:sp>
+      <p:pic>
+        <p:nvPicPr>
+          <p:cNvPr id="132" name="图片 2"/>
+          <p:cNvPicPr/>
+          <p:nvPr/>
+        </p:nvPicPr>
+        <p:blipFill>
+          <a:blip r:embed="rId3"/>
+          <a:stretch/>
+        </p:blipFill>
+        <p:spPr>
+          <a:xfrm>
+            <a:off x="3814618" y="4045527"/>
+            <a:ext cx="5159461" cy="1006712"/>
+          </a:xfrm>
+          <a:prstGeom prst="rect">
+            <a:avLst/>
+          </a:prstGeom>
+          <a:ln w="0">
+            <a:noFill/>
+          </a:ln>
+        </p:spPr>
+      </p:pic>
+    </p:spTree>
+  </p:cSld>
+  <p:clrMapOvr>
+    <a:masterClrMapping/>
+  </p:clrMapOvr>
+</p:sld>
+</file>
+
+<file path=ppt/slides/slide16.xml><?xml version="1.0" encoding="utf-8"?>
 <p:sld xmlns:a="http://schemas.openxmlformats.org/drawingml/2006/main" xmlns:r="http://schemas.openxmlformats.org/officeDocument/2006/relationships" xmlns:p="http://schemas.openxmlformats.org/presentationml/2006/main">
   <p:cSld>
     <p:spTree>
@@ -6663,54 +7889,63 @@
           <a:p>
             <a:r>
               <a:rPr lang="en-US" altLang="zh-CN" dirty="0">
-                <a:latin typeface="PingFang SC"/>
+                <a:latin typeface="Times New Roman" panose="02020603050405020304" pitchFamily="18" charset="0"/>
+                <a:cs typeface="Times New Roman" panose="02020603050405020304" pitchFamily="18" charset="0"/>
               </a:rPr>
               <a:t>Hypervolume</a:t>
             </a:r>
           </a:p>
           <a:p>
             <a:endParaRPr lang="en-US" altLang="zh-CN" dirty="0">
-              <a:latin typeface="PingFang SC"/>
+              <a:latin typeface="Times New Roman" panose="02020603050405020304" pitchFamily="18" charset="0"/>
+              <a:cs typeface="Times New Roman" panose="02020603050405020304" pitchFamily="18" charset="0"/>
             </a:endParaRPr>
           </a:p>
           <a:p>
             <a:endParaRPr lang="en-US" altLang="zh-CN" dirty="0">
-              <a:latin typeface="PingFang SC"/>
+              <a:latin typeface="Times New Roman" panose="02020603050405020304" pitchFamily="18" charset="0"/>
+              <a:cs typeface="Times New Roman" panose="02020603050405020304" pitchFamily="18" charset="0"/>
             </a:endParaRPr>
           </a:p>
           <a:p>
             <a:endParaRPr lang="en-US" altLang="zh-CN" dirty="0">
-              <a:latin typeface="PingFang SC"/>
+              <a:latin typeface="Times New Roman" panose="02020603050405020304" pitchFamily="18" charset="0"/>
+              <a:cs typeface="Times New Roman" panose="02020603050405020304" pitchFamily="18" charset="0"/>
             </a:endParaRPr>
           </a:p>
           <a:p>
             <a:endParaRPr lang="en-US" altLang="zh-CN" dirty="0">
-              <a:latin typeface="PingFang SC"/>
+              <a:latin typeface="Times New Roman" panose="02020603050405020304" pitchFamily="18" charset="0"/>
+              <a:cs typeface="Times New Roman" panose="02020603050405020304" pitchFamily="18" charset="0"/>
             </a:endParaRPr>
           </a:p>
           <a:p>
             <a:pPr lvl="1"/>
             <a:endParaRPr lang="en-US" altLang="zh-CN" dirty="0">
-              <a:latin typeface="PingFang SC"/>
+              <a:latin typeface="Times New Roman" panose="02020603050405020304" pitchFamily="18" charset="0"/>
+              <a:cs typeface="Times New Roman" panose="02020603050405020304" pitchFamily="18" charset="0"/>
             </a:endParaRPr>
           </a:p>
           <a:p>
             <a:pPr lvl="1"/>
             <a:r>
               <a:rPr lang="en-US" altLang="zh-CN" dirty="0">
-                <a:latin typeface="PingFang SC"/>
+                <a:latin typeface="Times New Roman" panose="02020603050405020304" pitchFamily="18" charset="0"/>
+                <a:cs typeface="Times New Roman" panose="02020603050405020304" pitchFamily="18" charset="0"/>
               </a:rPr>
               <a:t>If solution set A </a:t>
             </a:r>
             <a:r>
               <a:rPr lang="en-US" altLang="zh-CN" b="1" dirty="0">
-                <a:latin typeface="PingFang SC"/>
+                <a:latin typeface="Times New Roman" panose="02020603050405020304" pitchFamily="18" charset="0"/>
+                <a:cs typeface="Times New Roman" panose="02020603050405020304" pitchFamily="18" charset="0"/>
               </a:rPr>
               <a:t>dominates</a:t>
             </a:r>
             <a:r>
               <a:rPr lang="en-US" altLang="zh-CN" dirty="0">
-                <a:latin typeface="PingFang SC"/>
+                <a:latin typeface="Times New Roman" panose="02020603050405020304" pitchFamily="18" charset="0"/>
+                <a:cs typeface="Times New Roman" panose="02020603050405020304" pitchFamily="18" charset="0"/>
               </a:rPr>
               <a:t> solution set B, </a:t>
             </a:r>
@@ -6721,7 +7956,8 @@
             </a:pPr>
             <a:r>
               <a:rPr lang="en-US" altLang="zh-CN" dirty="0">
-                <a:latin typeface="PingFang SC"/>
+                <a:latin typeface="Times New Roman" panose="02020603050405020304" pitchFamily="18" charset="0"/>
+                <a:cs typeface="Times New Roman" panose="02020603050405020304" pitchFamily="18" charset="0"/>
               </a:rPr>
               <a:t>     we have HV(A) &gt; HV(B);</a:t>
             </a:r>
@@ -6730,29 +7966,34 @@
             <a:pPr lvl="1"/>
             <a:r>
               <a:rPr lang="en-US" altLang="zh-CN" dirty="0">
-                <a:latin typeface="PingFang SC"/>
+                <a:latin typeface="Times New Roman" panose="02020603050405020304" pitchFamily="18" charset="0"/>
+                <a:cs typeface="Times New Roman" panose="02020603050405020304" pitchFamily="18" charset="0"/>
               </a:rPr>
               <a:t>still works if IGD cannot be obtained (when the true Pareto optimal cannot be obtained). </a:t>
             </a:r>
           </a:p>
           <a:p>
             <a:endParaRPr lang="en-US" altLang="zh-CN" dirty="0">
-              <a:latin typeface="PingFang SC"/>
+              <a:latin typeface="Times New Roman" panose="02020603050405020304" pitchFamily="18" charset="0"/>
+              <a:cs typeface="Times New Roman" panose="02020603050405020304" pitchFamily="18" charset="0"/>
             </a:endParaRPr>
           </a:p>
           <a:p>
             <a:endParaRPr lang="en-US" altLang="zh-CN" dirty="0">
-              <a:latin typeface="PingFang SC"/>
+              <a:latin typeface="Times New Roman" panose="02020603050405020304" pitchFamily="18" charset="0"/>
+              <a:cs typeface="Times New Roman" panose="02020603050405020304" pitchFamily="18" charset="0"/>
             </a:endParaRPr>
           </a:p>
           <a:p>
             <a:endParaRPr lang="en-US" altLang="zh-CN" dirty="0">
-              <a:latin typeface="PingFang SC"/>
+              <a:latin typeface="Times New Roman" panose="02020603050405020304" pitchFamily="18" charset="0"/>
+              <a:cs typeface="Times New Roman" panose="02020603050405020304" pitchFamily="18" charset="0"/>
             </a:endParaRPr>
           </a:p>
           <a:p>
             <a:endParaRPr lang="en-US" altLang="zh-CN" dirty="0">
-              <a:latin typeface="PingFang SC"/>
+              <a:latin typeface="Times New Roman" panose="02020603050405020304" pitchFamily="18" charset="0"/>
+              <a:cs typeface="Times New Roman" panose="02020603050405020304" pitchFamily="18" charset="0"/>
             </a:endParaRPr>
           </a:p>
         </p:txBody>
@@ -6800,7 +8041,7 @@
 </p:sld>
 </file>
 
-<file path=ppt/slides/slide16.xml><?xml version="1.0" encoding="utf-8"?>
+<file path=ppt/slides/slide17.xml><?xml version="1.0" encoding="utf-8"?>
 <p:sld xmlns:a="http://schemas.openxmlformats.org/drawingml/2006/main" xmlns:r="http://schemas.openxmlformats.org/officeDocument/2006/relationships" xmlns:p="http://schemas.openxmlformats.org/presentationml/2006/main">
   <p:cSld>
     <p:spTree>
@@ -6819,2217 +8060,334 @@
       </p:grpSpPr>
       <p:sp>
         <p:nvSpPr>
-          <p:cNvPr id="2" name="标题 1">
-            <a:extLst>
-              <a:ext uri="{FF2B5EF4-FFF2-40B4-BE49-F238E27FC236}">
-                <a16:creationId xmlns:a16="http://schemas.microsoft.com/office/drawing/2014/main" id="{6D3FD368-6014-A3DD-0361-34B18844B1A2}"/>
-              </a:ext>
-            </a:extLst>
-          </p:cNvPr>
-          <p:cNvSpPr>
-            <a:spLocks noGrp="1"/>
-          </p:cNvSpPr>
-          <p:nvPr>
-            <p:ph type="title"/>
-          </p:nvPr>
-        </p:nvSpPr>
-        <p:spPr/>
-        <p:txBody>
-          <a:bodyPr/>
-          <a:lstStyle/>
-          <a:p>
-            <a:r>
-              <a:rPr lang="en-US" altLang="zh-CN" dirty="0">
-                <a:latin typeface="PingFang SC"/>
-              </a:rPr>
-              <a:t>Timeline</a:t>
-            </a:r>
-            <a:endParaRPr lang="zh-CN" altLang="en-US" dirty="0">
-              <a:latin typeface="PingFang SC"/>
-            </a:endParaRPr>
-          </a:p>
-        </p:txBody>
-      </p:sp>
-      <p:sp>
-        <p:nvSpPr>
-          <p:cNvPr id="8" name="文本占位符 31">
-            <a:extLst>
-              <a:ext uri="{FF2B5EF4-FFF2-40B4-BE49-F238E27FC236}">
-                <a16:creationId xmlns:a16="http://schemas.microsoft.com/office/drawing/2014/main" id="{B676EDC4-FEC6-58A1-896A-F2B143EBCC10}"/>
-              </a:ext>
-            </a:extLst>
-          </p:cNvPr>
-          <p:cNvSpPr txBox="1">
-            <a:spLocks/>
-          </p:cNvSpPr>
-          <p:nvPr/>
-        </p:nvSpPr>
-        <p:spPr bwMode="white">
-          <a:xfrm>
-            <a:off x="769564" y="1712344"/>
-            <a:ext cx="1310050" cy="959003"/>
-          </a:xfrm>
-          <a:prstGeom prst="rect">
-            <a:avLst/>
-          </a:prstGeom>
-        </p:spPr>
-        <p:txBody>
-          <a:bodyPr vert="horz" lIns="91440" tIns="45720" rIns="91440" bIns="45720" rtlCol="0" anchor="ctr">
-            <a:noAutofit/>
-          </a:bodyPr>
-          <a:lstStyle>
-            <a:lvl1pPr marL="0" indent="0" algn="ctr" defTabSz="457200" rtl="0" eaLnBrk="1" latinLnBrk="0" hangingPunct="1">
-              <a:spcBef>
-                <a:spcPts val="0"/>
-              </a:spcBef>
-              <a:spcAft>
-                <a:spcPts val="1000"/>
-              </a:spcAft>
-              <a:buClr>
-                <a:schemeClr val="tx1"/>
-              </a:buClr>
-              <a:buSzPct val="100000"/>
-              <a:buFont typeface="Arial"/>
-              <a:buNone/>
-              <a:defRPr sz="1200" kern="1200" cap="none">
-                <a:solidFill>
-                  <a:schemeClr val="tx1"/>
-                </a:solidFill>
-                <a:effectLst/>
-                <a:latin typeface="Microsoft YaHei UI" panose="020B0503020204020204" pitchFamily="34" charset="-122"/>
-                <a:ea typeface="Microsoft YaHei UI" panose="020B0503020204020204" pitchFamily="34" charset="-122"/>
-                <a:cs typeface="+mn-cs"/>
-              </a:defRPr>
-            </a:lvl1pPr>
-            <a:lvl2pPr marL="742950" indent="-285750" algn="l" defTabSz="457200" rtl="0" eaLnBrk="1" latinLnBrk="0" hangingPunct="1">
-              <a:spcBef>
-                <a:spcPts val="0"/>
-              </a:spcBef>
-              <a:spcAft>
-                <a:spcPts val="1000"/>
-              </a:spcAft>
-              <a:buClr>
-                <a:schemeClr val="tx1"/>
-              </a:buClr>
-              <a:buSzPct val="100000"/>
-              <a:buFont typeface="Arial"/>
-              <a:buChar char="•"/>
-              <a:defRPr sz="1600" kern="1200" cap="none">
-                <a:solidFill>
-                  <a:schemeClr val="tx1"/>
-                </a:solidFill>
-                <a:effectLst/>
-                <a:latin typeface="Microsoft YaHei UI" panose="020B0503020204020204" pitchFamily="34" charset="-122"/>
-                <a:ea typeface="Microsoft YaHei UI" panose="020B0503020204020204" pitchFamily="34" charset="-122"/>
-                <a:cs typeface="+mn-cs"/>
-              </a:defRPr>
-            </a:lvl2pPr>
-            <a:lvl3pPr marL="1200150" indent="-285750" algn="ctr" defTabSz="457200" rtl="0" eaLnBrk="1" latinLnBrk="0" hangingPunct="1">
-              <a:spcBef>
-                <a:spcPts val="0"/>
-              </a:spcBef>
-              <a:spcAft>
-                <a:spcPts val="1000"/>
-              </a:spcAft>
-              <a:buClr>
-                <a:schemeClr val="tx1"/>
-              </a:buClr>
-              <a:buSzPct val="100000"/>
-              <a:buFont typeface="Arial"/>
-              <a:buChar char="•"/>
-              <a:defRPr sz="1200" kern="1200" cap="none">
-                <a:solidFill>
-                  <a:schemeClr val="tx1"/>
-                </a:solidFill>
-                <a:effectLst/>
-                <a:latin typeface="Microsoft YaHei UI" panose="020B0503020204020204" pitchFamily="34" charset="-122"/>
-                <a:ea typeface="Microsoft YaHei UI" panose="020B0503020204020204" pitchFamily="34" charset="-122"/>
-                <a:cs typeface="+mn-cs"/>
-              </a:defRPr>
-            </a:lvl3pPr>
-            <a:lvl4pPr marL="1543050" indent="-171450" algn="l" defTabSz="457200" rtl="0" eaLnBrk="1" latinLnBrk="0" hangingPunct="1">
-              <a:spcBef>
-                <a:spcPts val="0"/>
-              </a:spcBef>
-              <a:spcAft>
-                <a:spcPts val="1000"/>
-              </a:spcAft>
-              <a:buClr>
-                <a:schemeClr val="tx1"/>
-              </a:buClr>
-              <a:buSzPct val="100000"/>
-              <a:buFont typeface="Arial"/>
-              <a:buChar char="•"/>
-              <a:defRPr sz="1200" kern="1200" cap="none">
-                <a:solidFill>
-                  <a:schemeClr val="tx1"/>
-                </a:solidFill>
-                <a:effectLst/>
-                <a:latin typeface="Microsoft YaHei UI" panose="020B0503020204020204" pitchFamily="34" charset="-122"/>
-                <a:ea typeface="Microsoft YaHei UI" panose="020B0503020204020204" pitchFamily="34" charset="-122"/>
-                <a:cs typeface="+mn-cs"/>
-              </a:defRPr>
-            </a:lvl4pPr>
-            <a:lvl5pPr marL="1828800" indent="0" algn="l" defTabSz="457200" rtl="0" eaLnBrk="1" latinLnBrk="0" hangingPunct="1">
-              <a:spcBef>
-                <a:spcPts val="0"/>
-              </a:spcBef>
-              <a:spcAft>
-                <a:spcPts val="1000"/>
-              </a:spcAft>
-              <a:buClr>
-                <a:schemeClr val="tx1"/>
-              </a:buClr>
-              <a:buSzPct val="100000"/>
-              <a:buFont typeface="Arial"/>
-              <a:buNone/>
-              <a:defRPr sz="1200" kern="1200" cap="none">
-                <a:solidFill>
-                  <a:schemeClr val="tx1"/>
-                </a:solidFill>
-                <a:effectLst/>
-                <a:latin typeface="Microsoft YaHei UI" panose="020B0503020204020204" pitchFamily="34" charset="-122"/>
-                <a:ea typeface="Microsoft YaHei UI" panose="020B0503020204020204" pitchFamily="34" charset="-122"/>
-                <a:cs typeface="+mn-cs"/>
-              </a:defRPr>
-            </a:lvl5pPr>
-            <a:lvl6pPr marL="2514600" indent="-228600" algn="l" defTabSz="457200" rtl="0" eaLnBrk="1" latinLnBrk="0" hangingPunct="1">
-              <a:spcBef>
-                <a:spcPts val="0"/>
-              </a:spcBef>
-              <a:spcAft>
-                <a:spcPts val="1000"/>
-              </a:spcAft>
-              <a:buClr>
-                <a:schemeClr val="tx1"/>
-              </a:buClr>
-              <a:buSzPct val="100000"/>
-              <a:buFont typeface="Arial"/>
-              <a:buChar char="•"/>
-              <a:defRPr sz="1200" kern="1200" cap="none">
-                <a:solidFill>
-                  <a:schemeClr val="tx1"/>
-                </a:solidFill>
-                <a:effectLst/>
-                <a:latin typeface="+mn-lt"/>
-                <a:ea typeface="+mn-ea"/>
-                <a:cs typeface="+mn-cs"/>
-              </a:defRPr>
-            </a:lvl6pPr>
-            <a:lvl7pPr marL="2971800" indent="-228600" algn="l" defTabSz="457200" rtl="0" eaLnBrk="1" latinLnBrk="0" hangingPunct="1">
-              <a:spcBef>
-                <a:spcPts val="0"/>
-              </a:spcBef>
-              <a:spcAft>
-                <a:spcPts val="1000"/>
-              </a:spcAft>
-              <a:buClr>
-                <a:schemeClr val="tx1"/>
-              </a:buClr>
-              <a:buSzPct val="100000"/>
-              <a:buFont typeface="Arial"/>
-              <a:buChar char="•"/>
-              <a:defRPr sz="1200" kern="1200" cap="none">
-                <a:solidFill>
-                  <a:schemeClr val="tx1"/>
-                </a:solidFill>
-                <a:effectLst/>
-                <a:latin typeface="+mn-lt"/>
-                <a:ea typeface="+mn-ea"/>
-                <a:cs typeface="+mn-cs"/>
-              </a:defRPr>
-            </a:lvl7pPr>
-            <a:lvl8pPr marL="3429000" indent="-228600" algn="l" defTabSz="457200" rtl="0" eaLnBrk="1" latinLnBrk="0" hangingPunct="1">
-              <a:spcBef>
-                <a:spcPts val="0"/>
-              </a:spcBef>
-              <a:spcAft>
-                <a:spcPts val="1000"/>
-              </a:spcAft>
-              <a:buClr>
-                <a:schemeClr val="tx1"/>
-              </a:buClr>
-              <a:buSzPct val="100000"/>
-              <a:buFont typeface="Arial"/>
-              <a:buChar char="•"/>
-              <a:defRPr sz="1200" kern="1200" cap="none">
-                <a:solidFill>
-                  <a:schemeClr val="tx1"/>
-                </a:solidFill>
-                <a:effectLst/>
-                <a:latin typeface="+mn-lt"/>
-                <a:ea typeface="+mn-ea"/>
-                <a:cs typeface="+mn-cs"/>
-              </a:defRPr>
-            </a:lvl8pPr>
-            <a:lvl9pPr marL="3886200" indent="-228600" algn="l" defTabSz="457200" rtl="0" eaLnBrk="1" latinLnBrk="0" hangingPunct="1">
-              <a:spcBef>
-                <a:spcPts val="0"/>
-              </a:spcBef>
-              <a:spcAft>
-                <a:spcPts val="1000"/>
-              </a:spcAft>
-              <a:buClr>
-                <a:schemeClr val="tx1"/>
-              </a:buClr>
-              <a:buSzPct val="100000"/>
-              <a:buFont typeface="Arial"/>
-              <a:buChar char="•"/>
-              <a:defRPr sz="1200" kern="1200" cap="none">
-                <a:solidFill>
-                  <a:schemeClr val="tx1"/>
-                </a:solidFill>
-                <a:effectLst/>
-                <a:latin typeface="+mn-lt"/>
-                <a:ea typeface="+mn-ea"/>
-                <a:cs typeface="+mn-cs"/>
-              </a:defRPr>
-            </a:lvl9pPr>
-          </a:lstStyle>
-          <a:p>
-            <a:pPr marL="0" marR="0" lvl="0" indent="0" algn="ctr" defTabSz="457200" rtl="0" eaLnBrk="1" fontAlgn="auto" latinLnBrk="0" hangingPunct="1">
-              <a:lnSpc>
-                <a:spcPct val="120000"/>
-              </a:lnSpc>
-              <a:spcBef>
-                <a:spcPts val="0"/>
-              </a:spcBef>
-              <a:spcAft>
-                <a:spcPts val="0"/>
-              </a:spcAft>
-              <a:buClr>
-                <a:sysClr val="window" lastClr="FFFFFF"/>
-              </a:buClr>
-              <a:buSzPct val="100000"/>
-              <a:buFont typeface="Arial"/>
-              <a:buNone/>
-              <a:tabLst/>
-              <a:defRPr/>
-            </a:pPr>
-            <a:r>
-              <a:rPr lang="en-US" altLang="zh-CN" sz="1600" dirty="0">
-                <a:latin typeface="PingFang SC"/>
-              </a:rPr>
-              <a:t>Week 1</a:t>
-            </a:r>
-          </a:p>
-          <a:p>
-            <a:pPr marL="0" marR="0" lvl="0" indent="0" algn="ctr" defTabSz="457200" rtl="0" eaLnBrk="1" fontAlgn="auto" latinLnBrk="0" hangingPunct="1">
-              <a:lnSpc>
-                <a:spcPct val="120000"/>
-              </a:lnSpc>
-              <a:spcBef>
-                <a:spcPts val="0"/>
-              </a:spcBef>
-              <a:spcAft>
-                <a:spcPts val="0"/>
-              </a:spcAft>
-              <a:buClr>
-                <a:sysClr val="window" lastClr="FFFFFF"/>
-              </a:buClr>
-              <a:buSzPct val="100000"/>
-              <a:buFont typeface="Arial"/>
-              <a:buNone/>
-              <a:tabLst/>
-              <a:defRPr/>
-            </a:pPr>
-            <a:r>
-              <a:rPr kumimoji="0" lang="en-US" altLang="zh-CN" sz="1600" b="0" i="0" u="none" strike="noStrike" kern="1200" cap="none" spc="0" normalizeH="0" baseline="0" noProof="0" dirty="0">
-                <a:ln>
-                  <a:noFill/>
-                </a:ln>
-                <a:effectLst/>
-                <a:uLnTx/>
-                <a:uFillTx/>
-                <a:latin typeface="PingFang SC"/>
-              </a:rPr>
-              <a:t>begin</a:t>
-            </a:r>
-            <a:endParaRPr kumimoji="0" lang="zh-CN" altLang="en-US" sz="1600" b="0" i="0" u="none" strike="noStrike" kern="1200" cap="none" spc="0" normalizeH="0" baseline="0" noProof="0" dirty="0">
-              <a:ln>
-                <a:noFill/>
-              </a:ln>
-              <a:effectLst/>
-              <a:uLnTx/>
-              <a:uFillTx/>
-              <a:latin typeface="PingFang SC"/>
-            </a:endParaRPr>
-          </a:p>
-        </p:txBody>
-      </p:sp>
-      <p:sp>
-        <p:nvSpPr>
-          <p:cNvPr id="10" name="文本占位符 32">
-            <a:extLst>
-              <a:ext uri="{FF2B5EF4-FFF2-40B4-BE49-F238E27FC236}">
-                <a16:creationId xmlns:a16="http://schemas.microsoft.com/office/drawing/2014/main" id="{700EB4B1-BDD9-CDC4-7354-4F7F1628739B}"/>
-              </a:ext>
-            </a:extLst>
-          </p:cNvPr>
-          <p:cNvSpPr txBox="1">
-            <a:spLocks/>
-          </p:cNvSpPr>
-          <p:nvPr/>
-        </p:nvSpPr>
-        <p:spPr bwMode="white">
-          <a:xfrm>
-            <a:off x="3799969" y="1712344"/>
-            <a:ext cx="1310050" cy="959003"/>
-          </a:xfrm>
-          <a:prstGeom prst="rect">
-            <a:avLst/>
-          </a:prstGeom>
-        </p:spPr>
-        <p:txBody>
-          <a:bodyPr vert="horz" lIns="91440" tIns="45720" rIns="91440" bIns="45720" rtlCol="0" anchor="ctr">
-            <a:noAutofit/>
-          </a:bodyPr>
-          <a:lstStyle>
-            <a:lvl1pPr marL="0" indent="0" algn="ctr" defTabSz="457200" rtl="0" eaLnBrk="1" latinLnBrk="0" hangingPunct="1">
-              <a:spcBef>
-                <a:spcPts val="0"/>
-              </a:spcBef>
-              <a:spcAft>
-                <a:spcPts val="1000"/>
-              </a:spcAft>
-              <a:buClr>
-                <a:schemeClr val="tx1"/>
-              </a:buClr>
-              <a:buSzPct val="100000"/>
-              <a:buFont typeface="Arial"/>
-              <a:buNone/>
-              <a:defRPr sz="1200" kern="1200" cap="none">
-                <a:solidFill>
-                  <a:schemeClr val="tx1"/>
-                </a:solidFill>
-                <a:effectLst/>
-                <a:latin typeface="Microsoft YaHei UI" panose="020B0503020204020204" pitchFamily="34" charset="-122"/>
-                <a:ea typeface="Microsoft YaHei UI" panose="020B0503020204020204" pitchFamily="34" charset="-122"/>
-                <a:cs typeface="+mn-cs"/>
-              </a:defRPr>
-            </a:lvl1pPr>
-            <a:lvl2pPr marL="742950" indent="-285750" algn="l" defTabSz="457200" rtl="0" eaLnBrk="1" latinLnBrk="0" hangingPunct="1">
-              <a:spcBef>
-                <a:spcPts val="0"/>
-              </a:spcBef>
-              <a:spcAft>
-                <a:spcPts val="1000"/>
-              </a:spcAft>
-              <a:buClr>
-                <a:schemeClr val="tx1"/>
-              </a:buClr>
-              <a:buSzPct val="100000"/>
-              <a:buFont typeface="Arial"/>
-              <a:buChar char="•"/>
-              <a:defRPr sz="1600" kern="1200" cap="none">
-                <a:solidFill>
-                  <a:schemeClr val="tx1"/>
-                </a:solidFill>
-                <a:effectLst/>
-                <a:latin typeface="Microsoft YaHei UI" panose="020B0503020204020204" pitchFamily="34" charset="-122"/>
-                <a:ea typeface="Microsoft YaHei UI" panose="020B0503020204020204" pitchFamily="34" charset="-122"/>
-                <a:cs typeface="+mn-cs"/>
-              </a:defRPr>
-            </a:lvl2pPr>
-            <a:lvl3pPr marL="1200150" indent="-285750" algn="ctr" defTabSz="457200" rtl="0" eaLnBrk="1" latinLnBrk="0" hangingPunct="1">
-              <a:spcBef>
-                <a:spcPts val="0"/>
-              </a:spcBef>
-              <a:spcAft>
-                <a:spcPts val="1000"/>
-              </a:spcAft>
-              <a:buClr>
-                <a:schemeClr val="tx1"/>
-              </a:buClr>
-              <a:buSzPct val="100000"/>
-              <a:buFont typeface="Arial"/>
-              <a:buChar char="•"/>
-              <a:defRPr sz="1200" kern="1200" cap="none">
-                <a:solidFill>
-                  <a:schemeClr val="tx1"/>
-                </a:solidFill>
-                <a:effectLst/>
-                <a:latin typeface="Microsoft YaHei UI" panose="020B0503020204020204" pitchFamily="34" charset="-122"/>
-                <a:ea typeface="Microsoft YaHei UI" panose="020B0503020204020204" pitchFamily="34" charset="-122"/>
-                <a:cs typeface="+mn-cs"/>
-              </a:defRPr>
-            </a:lvl3pPr>
-            <a:lvl4pPr marL="1543050" indent="-171450" algn="l" defTabSz="457200" rtl="0" eaLnBrk="1" latinLnBrk="0" hangingPunct="1">
-              <a:spcBef>
-                <a:spcPts val="0"/>
-              </a:spcBef>
-              <a:spcAft>
-                <a:spcPts val="1000"/>
-              </a:spcAft>
-              <a:buClr>
-                <a:schemeClr val="tx1"/>
-              </a:buClr>
-              <a:buSzPct val="100000"/>
-              <a:buFont typeface="Arial"/>
-              <a:buChar char="•"/>
-              <a:defRPr sz="1200" kern="1200" cap="none">
-                <a:solidFill>
-                  <a:schemeClr val="tx1"/>
-                </a:solidFill>
-                <a:effectLst/>
-                <a:latin typeface="Microsoft YaHei UI" panose="020B0503020204020204" pitchFamily="34" charset="-122"/>
-                <a:ea typeface="Microsoft YaHei UI" panose="020B0503020204020204" pitchFamily="34" charset="-122"/>
-                <a:cs typeface="+mn-cs"/>
-              </a:defRPr>
-            </a:lvl4pPr>
-            <a:lvl5pPr marL="1828800" indent="0" algn="l" defTabSz="457200" rtl="0" eaLnBrk="1" latinLnBrk="0" hangingPunct="1">
-              <a:spcBef>
-                <a:spcPts val="0"/>
-              </a:spcBef>
-              <a:spcAft>
-                <a:spcPts val="1000"/>
-              </a:spcAft>
-              <a:buClr>
-                <a:schemeClr val="tx1"/>
-              </a:buClr>
-              <a:buSzPct val="100000"/>
-              <a:buFont typeface="Arial"/>
-              <a:buNone/>
-              <a:defRPr sz="1200" kern="1200" cap="none">
-                <a:solidFill>
-                  <a:schemeClr val="tx1"/>
-                </a:solidFill>
-                <a:effectLst/>
-                <a:latin typeface="Microsoft YaHei UI" panose="020B0503020204020204" pitchFamily="34" charset="-122"/>
-                <a:ea typeface="Microsoft YaHei UI" panose="020B0503020204020204" pitchFamily="34" charset="-122"/>
-                <a:cs typeface="+mn-cs"/>
-              </a:defRPr>
-            </a:lvl5pPr>
-            <a:lvl6pPr marL="2514600" indent="-228600" algn="l" defTabSz="457200" rtl="0" eaLnBrk="1" latinLnBrk="0" hangingPunct="1">
-              <a:spcBef>
-                <a:spcPts val="0"/>
-              </a:spcBef>
-              <a:spcAft>
-                <a:spcPts val="1000"/>
-              </a:spcAft>
-              <a:buClr>
-                <a:schemeClr val="tx1"/>
-              </a:buClr>
-              <a:buSzPct val="100000"/>
-              <a:buFont typeface="Arial"/>
-              <a:buChar char="•"/>
-              <a:defRPr sz="1200" kern="1200" cap="none">
-                <a:solidFill>
-                  <a:schemeClr val="tx1"/>
-                </a:solidFill>
-                <a:effectLst/>
-                <a:latin typeface="+mn-lt"/>
-                <a:ea typeface="+mn-ea"/>
-                <a:cs typeface="+mn-cs"/>
-              </a:defRPr>
-            </a:lvl6pPr>
-            <a:lvl7pPr marL="2971800" indent="-228600" algn="l" defTabSz="457200" rtl="0" eaLnBrk="1" latinLnBrk="0" hangingPunct="1">
-              <a:spcBef>
-                <a:spcPts val="0"/>
-              </a:spcBef>
-              <a:spcAft>
-                <a:spcPts val="1000"/>
-              </a:spcAft>
-              <a:buClr>
-                <a:schemeClr val="tx1"/>
-              </a:buClr>
-              <a:buSzPct val="100000"/>
-              <a:buFont typeface="Arial"/>
-              <a:buChar char="•"/>
-              <a:defRPr sz="1200" kern="1200" cap="none">
-                <a:solidFill>
-                  <a:schemeClr val="tx1"/>
-                </a:solidFill>
-                <a:effectLst/>
-                <a:latin typeface="+mn-lt"/>
-                <a:ea typeface="+mn-ea"/>
-                <a:cs typeface="+mn-cs"/>
-              </a:defRPr>
-            </a:lvl7pPr>
-            <a:lvl8pPr marL="3429000" indent="-228600" algn="l" defTabSz="457200" rtl="0" eaLnBrk="1" latinLnBrk="0" hangingPunct="1">
-              <a:spcBef>
-                <a:spcPts val="0"/>
-              </a:spcBef>
-              <a:spcAft>
-                <a:spcPts val="1000"/>
-              </a:spcAft>
-              <a:buClr>
-                <a:schemeClr val="tx1"/>
-              </a:buClr>
-              <a:buSzPct val="100000"/>
-              <a:buFont typeface="Arial"/>
-              <a:buChar char="•"/>
-              <a:defRPr sz="1200" kern="1200" cap="none">
-                <a:solidFill>
-                  <a:schemeClr val="tx1"/>
-                </a:solidFill>
-                <a:effectLst/>
-                <a:latin typeface="+mn-lt"/>
-                <a:ea typeface="+mn-ea"/>
-                <a:cs typeface="+mn-cs"/>
-              </a:defRPr>
-            </a:lvl8pPr>
-            <a:lvl9pPr marL="3886200" indent="-228600" algn="l" defTabSz="457200" rtl="0" eaLnBrk="1" latinLnBrk="0" hangingPunct="1">
-              <a:spcBef>
-                <a:spcPts val="0"/>
-              </a:spcBef>
-              <a:spcAft>
-                <a:spcPts val="1000"/>
-              </a:spcAft>
-              <a:buClr>
-                <a:schemeClr val="tx1"/>
-              </a:buClr>
-              <a:buSzPct val="100000"/>
-              <a:buFont typeface="Arial"/>
-              <a:buChar char="•"/>
-              <a:defRPr sz="1200" kern="1200" cap="none">
-                <a:solidFill>
-                  <a:schemeClr val="tx1"/>
-                </a:solidFill>
-                <a:effectLst/>
-                <a:latin typeface="+mn-lt"/>
-                <a:ea typeface="+mn-ea"/>
-                <a:cs typeface="+mn-cs"/>
-              </a:defRPr>
-            </a:lvl9pPr>
-          </a:lstStyle>
-          <a:p>
-            <a:pPr marL="0" marR="0" lvl="0" indent="0" algn="ctr" defTabSz="457200" rtl="0" eaLnBrk="1" fontAlgn="auto" latinLnBrk="0" hangingPunct="1">
-              <a:lnSpc>
-                <a:spcPct val="120000"/>
-              </a:lnSpc>
-              <a:spcBef>
-                <a:spcPts val="0"/>
-              </a:spcBef>
-              <a:spcAft>
-                <a:spcPts val="0"/>
-              </a:spcAft>
-              <a:buClr>
-                <a:sysClr val="window" lastClr="FFFFFF"/>
-              </a:buClr>
-              <a:buSzPct val="100000"/>
-              <a:buFont typeface="Arial"/>
-              <a:buNone/>
-              <a:tabLst/>
-              <a:defRPr/>
-            </a:pPr>
-            <a:r>
-              <a:rPr kumimoji="0" lang="en-US" altLang="zh-CN" sz="1600" b="0" i="0" u="none" strike="noStrike" kern="1200" cap="none" spc="0" normalizeH="0" baseline="0" noProof="0" dirty="0">
-                <a:ln>
-                  <a:noFill/>
-                </a:ln>
-                <a:effectLst/>
-                <a:uLnTx/>
-                <a:uFillTx/>
-                <a:latin typeface="PingFang SC"/>
-              </a:rPr>
-              <a:t>Week 7</a:t>
-            </a:r>
-          </a:p>
-          <a:p>
-            <a:pPr marL="0" marR="0" lvl="0" indent="0" algn="ctr" defTabSz="457200" rtl="0" eaLnBrk="1" fontAlgn="auto" latinLnBrk="0" hangingPunct="1">
-              <a:lnSpc>
-                <a:spcPct val="120000"/>
-              </a:lnSpc>
-              <a:spcBef>
-                <a:spcPts val="0"/>
-              </a:spcBef>
-              <a:spcAft>
-                <a:spcPts val="0"/>
-              </a:spcAft>
-              <a:buClr>
-                <a:sysClr val="window" lastClr="FFFFFF"/>
-              </a:buClr>
-              <a:buSzPct val="100000"/>
-              <a:buFont typeface="Arial"/>
-              <a:buNone/>
-              <a:tabLst/>
-              <a:defRPr/>
-            </a:pPr>
-            <a:r>
-              <a:rPr lang="en-US" altLang="zh-CN" sz="1600" dirty="0">
-                <a:latin typeface="PingFang SC"/>
-              </a:rPr>
-              <a:t>f</a:t>
-            </a:r>
-            <a:r>
-              <a:rPr kumimoji="0" lang="en-US" altLang="zh-CN" sz="1600" b="0" i="0" u="none" strike="noStrike" kern="1200" cap="none" spc="0" normalizeH="0" baseline="0" noProof="0" dirty="0" err="1">
-                <a:ln>
-                  <a:noFill/>
-                </a:ln>
-                <a:effectLst/>
-                <a:uLnTx/>
-                <a:uFillTx/>
-                <a:latin typeface="PingFang SC"/>
-              </a:rPr>
-              <a:t>irst</a:t>
-            </a:r>
-            <a:r>
-              <a:rPr kumimoji="0" lang="en-US" altLang="zh-CN" sz="1600" b="0" i="0" u="none" strike="noStrike" kern="1200" cap="none" spc="0" normalizeH="0" baseline="0" noProof="0" dirty="0">
-                <a:ln>
-                  <a:noFill/>
-                </a:ln>
-                <a:effectLst/>
-                <a:uLnTx/>
-                <a:uFillTx/>
-                <a:latin typeface="PingFang SC"/>
-              </a:rPr>
-              <a:t> inspection</a:t>
-            </a:r>
-            <a:endParaRPr kumimoji="0" lang="zh-CN" altLang="en-US" sz="1600" b="0" i="0" u="none" strike="noStrike" kern="1200" cap="none" spc="0" normalizeH="0" baseline="0" noProof="0" dirty="0">
-              <a:ln>
-                <a:noFill/>
-              </a:ln>
-              <a:effectLst/>
-              <a:uLnTx/>
-              <a:uFillTx/>
-              <a:latin typeface="PingFang SC"/>
-            </a:endParaRPr>
-          </a:p>
-        </p:txBody>
-      </p:sp>
-      <p:sp>
-        <p:nvSpPr>
-          <p:cNvPr id="11" name="椭圆形 14" descr="装饰元素">
-            <a:extLst>
-              <a:ext uri="{FF2B5EF4-FFF2-40B4-BE49-F238E27FC236}">
-                <a16:creationId xmlns:a16="http://schemas.microsoft.com/office/drawing/2014/main" id="{CB879743-C684-40CA-6F87-9D9BA3A30D93}"/>
-              </a:ext>
-              <a:ext uri="{C183D7F6-B498-43B3-948B-1728B52AA6E4}">
-                <adec:decorative xmlns:adec="http://schemas.microsoft.com/office/drawing/2017/decorative" val="1"/>
-              </a:ext>
-            </a:extLst>
-          </p:cNvPr>
-          <p:cNvSpPr>
-            <a:spLocks noChangeArrowheads="1"/>
-          </p:cNvSpPr>
-          <p:nvPr/>
-        </p:nvSpPr>
-        <p:spPr bwMode="auto">
-          <a:xfrm>
-            <a:off x="4330268" y="2662870"/>
-            <a:ext cx="252000" cy="252000"/>
-          </a:xfrm>
-          <a:prstGeom prst="ellipse">
-            <a:avLst/>
-          </a:prstGeom>
-          <a:solidFill>
-            <a:sysClr val="windowText" lastClr="000000">
-              <a:lumMod val="65000"/>
-              <a:lumOff val="35000"/>
-            </a:sysClr>
-          </a:solidFill>
-          <a:ln>
-            <a:solidFill>
-              <a:srgbClr val="323232">
-                <a:lumMod val="75000"/>
-                <a:lumOff val="25000"/>
-              </a:srgbClr>
-            </a:solidFill>
-          </a:ln>
-          <a:effectLst>
-            <a:glow rad="63500">
-              <a:srgbClr val="323232">
-                <a:lumMod val="75000"/>
-                <a:lumOff val="25000"/>
-                <a:alpha val="40000"/>
-              </a:srgbClr>
-            </a:glow>
-          </a:effectLst>
-        </p:spPr>
-        <p:txBody>
-          <a:bodyPr rtlCol="0"/>
-          <a:lstStyle/>
-          <a:p>
-            <a:pPr marL="0" marR="0" lvl="0" indent="0" defTabSz="457200" eaLnBrk="1" fontAlgn="auto" latinLnBrk="0" hangingPunct="1">
-              <a:lnSpc>
-                <a:spcPct val="100000"/>
-              </a:lnSpc>
-              <a:spcBef>
-                <a:spcPts val="0"/>
-              </a:spcBef>
-              <a:spcAft>
-                <a:spcPts val="0"/>
-              </a:spcAft>
-              <a:buClrTx/>
-              <a:buSzTx/>
-              <a:buFontTx/>
-              <a:buNone/>
-              <a:tabLst/>
-              <a:defRPr/>
-            </a:pPr>
-            <a:endParaRPr kumimoji="0" lang="zh-CN" altLang="en-US" sz="2400" b="0" i="0" u="none" strike="noStrike" kern="0" cap="none" spc="0" normalizeH="0" baseline="0" noProof="0">
-              <a:ln>
-                <a:noFill/>
-              </a:ln>
-              <a:effectLst/>
-              <a:uLnTx/>
-              <a:uFillTx/>
-              <a:latin typeface="PingFang SC"/>
-              <a:ea typeface="Microsoft YaHei UI" panose="020B0503020204020204" pitchFamily="34" charset="-122"/>
-            </a:endParaRPr>
-          </a:p>
-        </p:txBody>
-      </p:sp>
-      <p:sp>
-        <p:nvSpPr>
-          <p:cNvPr id="12" name="文本占位符 33">
-            <a:extLst>
-              <a:ext uri="{FF2B5EF4-FFF2-40B4-BE49-F238E27FC236}">
-                <a16:creationId xmlns:a16="http://schemas.microsoft.com/office/drawing/2014/main" id="{D72D50DC-8F94-DE8D-E43C-4A1E2FE84533}"/>
-              </a:ext>
-            </a:extLst>
-          </p:cNvPr>
-          <p:cNvSpPr txBox="1">
-            <a:spLocks/>
-          </p:cNvSpPr>
-          <p:nvPr/>
-        </p:nvSpPr>
-        <p:spPr bwMode="white">
-          <a:xfrm>
-            <a:off x="6585418" y="1690688"/>
-            <a:ext cx="1712336" cy="959003"/>
-          </a:xfrm>
-          <a:prstGeom prst="rect">
-            <a:avLst/>
-          </a:prstGeom>
-        </p:spPr>
-        <p:txBody>
-          <a:bodyPr vert="horz" lIns="91440" tIns="45720" rIns="91440" bIns="45720" rtlCol="0" anchor="ctr">
-            <a:noAutofit/>
-          </a:bodyPr>
-          <a:lstStyle>
-            <a:lvl1pPr marL="0" indent="0" algn="ctr" defTabSz="457200" rtl="0" eaLnBrk="1" latinLnBrk="0" hangingPunct="1">
-              <a:spcBef>
-                <a:spcPts val="0"/>
-              </a:spcBef>
-              <a:spcAft>
-                <a:spcPts val="1000"/>
-              </a:spcAft>
-              <a:buClr>
-                <a:schemeClr val="tx1"/>
-              </a:buClr>
-              <a:buSzPct val="100000"/>
-              <a:buFont typeface="Arial"/>
-              <a:buNone/>
-              <a:defRPr sz="1200" kern="1200" cap="none">
-                <a:solidFill>
-                  <a:schemeClr val="tx1"/>
-                </a:solidFill>
-                <a:effectLst/>
-                <a:latin typeface="Microsoft YaHei UI" panose="020B0503020204020204" pitchFamily="34" charset="-122"/>
-                <a:ea typeface="Microsoft YaHei UI" panose="020B0503020204020204" pitchFamily="34" charset="-122"/>
-                <a:cs typeface="+mn-cs"/>
-              </a:defRPr>
-            </a:lvl1pPr>
-            <a:lvl2pPr marL="742950" indent="-285750" algn="l" defTabSz="457200" rtl="0" eaLnBrk="1" latinLnBrk="0" hangingPunct="1">
-              <a:spcBef>
-                <a:spcPts val="0"/>
-              </a:spcBef>
-              <a:spcAft>
-                <a:spcPts val="1000"/>
-              </a:spcAft>
-              <a:buClr>
-                <a:schemeClr val="tx1"/>
-              </a:buClr>
-              <a:buSzPct val="100000"/>
-              <a:buFont typeface="Arial"/>
-              <a:buChar char="•"/>
-              <a:defRPr sz="1600" kern="1200" cap="none">
-                <a:solidFill>
-                  <a:schemeClr val="tx1"/>
-                </a:solidFill>
-                <a:effectLst/>
-                <a:latin typeface="Microsoft YaHei UI" panose="020B0503020204020204" pitchFamily="34" charset="-122"/>
-                <a:ea typeface="Microsoft YaHei UI" panose="020B0503020204020204" pitchFamily="34" charset="-122"/>
-                <a:cs typeface="+mn-cs"/>
-              </a:defRPr>
-            </a:lvl2pPr>
-            <a:lvl3pPr marL="1200150" indent="-285750" algn="ctr" defTabSz="457200" rtl="0" eaLnBrk="1" latinLnBrk="0" hangingPunct="1">
-              <a:spcBef>
-                <a:spcPts val="0"/>
-              </a:spcBef>
-              <a:spcAft>
-                <a:spcPts val="1000"/>
-              </a:spcAft>
-              <a:buClr>
-                <a:schemeClr val="tx1"/>
-              </a:buClr>
-              <a:buSzPct val="100000"/>
-              <a:buFont typeface="Arial"/>
-              <a:buChar char="•"/>
-              <a:defRPr sz="1200" kern="1200" cap="none">
-                <a:solidFill>
-                  <a:schemeClr val="tx1"/>
-                </a:solidFill>
-                <a:effectLst/>
-                <a:latin typeface="Microsoft YaHei UI" panose="020B0503020204020204" pitchFamily="34" charset="-122"/>
-                <a:ea typeface="Microsoft YaHei UI" panose="020B0503020204020204" pitchFamily="34" charset="-122"/>
-                <a:cs typeface="+mn-cs"/>
-              </a:defRPr>
-            </a:lvl3pPr>
-            <a:lvl4pPr marL="1543050" indent="-171450" algn="l" defTabSz="457200" rtl="0" eaLnBrk="1" latinLnBrk="0" hangingPunct="1">
-              <a:spcBef>
-                <a:spcPts val="0"/>
-              </a:spcBef>
-              <a:spcAft>
-                <a:spcPts val="1000"/>
-              </a:spcAft>
-              <a:buClr>
-                <a:schemeClr val="tx1"/>
-              </a:buClr>
-              <a:buSzPct val="100000"/>
-              <a:buFont typeface="Arial"/>
-              <a:buChar char="•"/>
-              <a:defRPr sz="1200" kern="1200" cap="none">
-                <a:solidFill>
-                  <a:schemeClr val="tx1"/>
-                </a:solidFill>
-                <a:effectLst/>
-                <a:latin typeface="Microsoft YaHei UI" panose="020B0503020204020204" pitchFamily="34" charset="-122"/>
-                <a:ea typeface="Microsoft YaHei UI" panose="020B0503020204020204" pitchFamily="34" charset="-122"/>
-                <a:cs typeface="+mn-cs"/>
-              </a:defRPr>
-            </a:lvl4pPr>
-            <a:lvl5pPr marL="1828800" indent="0" algn="l" defTabSz="457200" rtl="0" eaLnBrk="1" latinLnBrk="0" hangingPunct="1">
-              <a:spcBef>
-                <a:spcPts val="0"/>
-              </a:spcBef>
-              <a:spcAft>
-                <a:spcPts val="1000"/>
-              </a:spcAft>
-              <a:buClr>
-                <a:schemeClr val="tx1"/>
-              </a:buClr>
-              <a:buSzPct val="100000"/>
-              <a:buFont typeface="Arial"/>
-              <a:buNone/>
-              <a:defRPr sz="1200" kern="1200" cap="none">
-                <a:solidFill>
-                  <a:schemeClr val="tx1"/>
-                </a:solidFill>
-                <a:effectLst/>
-                <a:latin typeface="Microsoft YaHei UI" panose="020B0503020204020204" pitchFamily="34" charset="-122"/>
-                <a:ea typeface="Microsoft YaHei UI" panose="020B0503020204020204" pitchFamily="34" charset="-122"/>
-                <a:cs typeface="+mn-cs"/>
-              </a:defRPr>
-            </a:lvl5pPr>
-            <a:lvl6pPr marL="2514600" indent="-228600" algn="l" defTabSz="457200" rtl="0" eaLnBrk="1" latinLnBrk="0" hangingPunct="1">
-              <a:spcBef>
-                <a:spcPts val="0"/>
-              </a:spcBef>
-              <a:spcAft>
-                <a:spcPts val="1000"/>
-              </a:spcAft>
-              <a:buClr>
-                <a:schemeClr val="tx1"/>
-              </a:buClr>
-              <a:buSzPct val="100000"/>
-              <a:buFont typeface="Arial"/>
-              <a:buChar char="•"/>
-              <a:defRPr sz="1200" kern="1200" cap="none">
-                <a:solidFill>
-                  <a:schemeClr val="tx1"/>
-                </a:solidFill>
-                <a:effectLst/>
-                <a:latin typeface="+mn-lt"/>
-                <a:ea typeface="+mn-ea"/>
-                <a:cs typeface="+mn-cs"/>
-              </a:defRPr>
-            </a:lvl6pPr>
-            <a:lvl7pPr marL="2971800" indent="-228600" algn="l" defTabSz="457200" rtl="0" eaLnBrk="1" latinLnBrk="0" hangingPunct="1">
-              <a:spcBef>
-                <a:spcPts val="0"/>
-              </a:spcBef>
-              <a:spcAft>
-                <a:spcPts val="1000"/>
-              </a:spcAft>
-              <a:buClr>
-                <a:schemeClr val="tx1"/>
-              </a:buClr>
-              <a:buSzPct val="100000"/>
-              <a:buFont typeface="Arial"/>
-              <a:buChar char="•"/>
-              <a:defRPr sz="1200" kern="1200" cap="none">
-                <a:solidFill>
-                  <a:schemeClr val="tx1"/>
-                </a:solidFill>
-                <a:effectLst/>
-                <a:latin typeface="+mn-lt"/>
-                <a:ea typeface="+mn-ea"/>
-                <a:cs typeface="+mn-cs"/>
-              </a:defRPr>
-            </a:lvl7pPr>
-            <a:lvl8pPr marL="3429000" indent="-228600" algn="l" defTabSz="457200" rtl="0" eaLnBrk="1" latinLnBrk="0" hangingPunct="1">
-              <a:spcBef>
-                <a:spcPts val="0"/>
-              </a:spcBef>
-              <a:spcAft>
-                <a:spcPts val="1000"/>
-              </a:spcAft>
-              <a:buClr>
-                <a:schemeClr val="tx1"/>
-              </a:buClr>
-              <a:buSzPct val="100000"/>
-              <a:buFont typeface="Arial"/>
-              <a:buChar char="•"/>
-              <a:defRPr sz="1200" kern="1200" cap="none">
-                <a:solidFill>
-                  <a:schemeClr val="tx1"/>
-                </a:solidFill>
-                <a:effectLst/>
-                <a:latin typeface="+mn-lt"/>
-                <a:ea typeface="+mn-ea"/>
-                <a:cs typeface="+mn-cs"/>
-              </a:defRPr>
-            </a:lvl8pPr>
-            <a:lvl9pPr marL="3886200" indent="-228600" algn="l" defTabSz="457200" rtl="0" eaLnBrk="1" latinLnBrk="0" hangingPunct="1">
-              <a:spcBef>
-                <a:spcPts val="0"/>
-              </a:spcBef>
-              <a:spcAft>
-                <a:spcPts val="1000"/>
-              </a:spcAft>
-              <a:buClr>
-                <a:schemeClr val="tx1"/>
-              </a:buClr>
-              <a:buSzPct val="100000"/>
-              <a:buFont typeface="Arial"/>
-              <a:buChar char="•"/>
-              <a:defRPr sz="1200" kern="1200" cap="none">
-                <a:solidFill>
-                  <a:schemeClr val="tx1"/>
-                </a:solidFill>
-                <a:effectLst/>
-                <a:latin typeface="+mn-lt"/>
-                <a:ea typeface="+mn-ea"/>
-                <a:cs typeface="+mn-cs"/>
-              </a:defRPr>
-            </a:lvl9pPr>
-          </a:lstStyle>
-          <a:p>
-            <a:pPr marL="0" marR="0" lvl="0" indent="0" algn="ctr" defTabSz="457200" rtl="0" eaLnBrk="1" fontAlgn="auto" latinLnBrk="0" hangingPunct="1">
-              <a:lnSpc>
-                <a:spcPct val="120000"/>
-              </a:lnSpc>
-              <a:spcBef>
-                <a:spcPts val="0"/>
-              </a:spcBef>
-              <a:spcAft>
-                <a:spcPts val="0"/>
-              </a:spcAft>
-              <a:buClr>
-                <a:sysClr val="window" lastClr="FFFFFF"/>
-              </a:buClr>
-              <a:buSzPct val="100000"/>
-              <a:buFont typeface="Arial"/>
-              <a:buNone/>
-              <a:tabLst/>
-              <a:defRPr/>
-            </a:pPr>
-            <a:r>
-              <a:rPr kumimoji="0" lang="en-US" altLang="zh-CN" sz="1600" b="0" i="0" u="none" strike="noStrike" kern="1200" cap="none" spc="0" normalizeH="0" baseline="0" noProof="0" dirty="0">
-                <a:ln>
-                  <a:noFill/>
-                </a:ln>
-                <a:effectLst/>
-                <a:uLnTx/>
-                <a:uFillTx/>
-                <a:latin typeface="PingFang SC"/>
-              </a:rPr>
-              <a:t>Week 12</a:t>
-            </a:r>
-          </a:p>
-          <a:p>
-            <a:pPr marL="0" marR="0" lvl="0" indent="0" algn="ctr" defTabSz="457200" rtl="0" eaLnBrk="1" fontAlgn="auto" latinLnBrk="0" hangingPunct="1">
-              <a:lnSpc>
-                <a:spcPct val="120000"/>
-              </a:lnSpc>
-              <a:spcBef>
-                <a:spcPts val="0"/>
-              </a:spcBef>
-              <a:spcAft>
-                <a:spcPts val="0"/>
-              </a:spcAft>
-              <a:buClr>
-                <a:sysClr val="window" lastClr="FFFFFF"/>
-              </a:buClr>
-              <a:buSzPct val="100000"/>
-              <a:buFont typeface="Arial"/>
-              <a:buNone/>
-              <a:tabLst/>
-              <a:defRPr/>
-            </a:pPr>
-            <a:r>
-              <a:rPr kumimoji="0" lang="en-US" altLang="zh-CN" sz="1600" b="0" i="0" u="none" strike="noStrike" kern="1200" cap="none" spc="0" normalizeH="0" baseline="0" noProof="0" dirty="0">
-                <a:ln>
-                  <a:noFill/>
-                </a:ln>
-                <a:effectLst/>
-                <a:uLnTx/>
-                <a:uFillTx/>
-                <a:latin typeface="PingFang SC"/>
-              </a:rPr>
-              <a:t>second inspection </a:t>
-            </a:r>
-            <a:endParaRPr kumimoji="0" lang="zh-CN" altLang="en-US" sz="1600" b="0" i="0" u="none" strike="noStrike" kern="1200" cap="none" spc="0" normalizeH="0" baseline="0" noProof="0" dirty="0">
-              <a:ln>
-                <a:noFill/>
-              </a:ln>
-              <a:effectLst/>
-              <a:uLnTx/>
-              <a:uFillTx/>
-              <a:latin typeface="PingFang SC"/>
-            </a:endParaRPr>
-          </a:p>
-        </p:txBody>
-      </p:sp>
-      <p:sp>
-        <p:nvSpPr>
-          <p:cNvPr id="14" name="椭圆形 19" descr="装饰元素">
-            <a:extLst>
-              <a:ext uri="{FF2B5EF4-FFF2-40B4-BE49-F238E27FC236}">
-                <a16:creationId xmlns:a16="http://schemas.microsoft.com/office/drawing/2014/main" id="{582688B9-7A9C-869C-C422-89808A3FB583}"/>
-              </a:ext>
-              <a:ext uri="{C183D7F6-B498-43B3-948B-1728B52AA6E4}">
-                <adec:decorative xmlns:adec="http://schemas.microsoft.com/office/drawing/2017/decorative" val="1"/>
-              </a:ext>
-            </a:extLst>
-          </p:cNvPr>
-          <p:cNvSpPr>
-            <a:spLocks noChangeArrowheads="1"/>
-          </p:cNvSpPr>
-          <p:nvPr/>
-        </p:nvSpPr>
-        <p:spPr bwMode="auto">
-          <a:xfrm>
-            <a:off x="7315586" y="2663664"/>
-            <a:ext cx="252000" cy="252000"/>
-          </a:xfrm>
-          <a:prstGeom prst="ellipse">
-            <a:avLst/>
-          </a:prstGeom>
-          <a:solidFill>
-            <a:sysClr val="windowText" lastClr="000000">
-              <a:lumMod val="65000"/>
-              <a:lumOff val="35000"/>
-            </a:sysClr>
-          </a:solidFill>
-          <a:ln>
-            <a:solidFill>
-              <a:srgbClr val="323232">
-                <a:lumMod val="75000"/>
-                <a:lumOff val="25000"/>
-              </a:srgbClr>
-            </a:solidFill>
-          </a:ln>
-          <a:effectLst>
-            <a:glow rad="63500">
-              <a:srgbClr val="323232">
-                <a:lumMod val="75000"/>
-                <a:lumOff val="25000"/>
-                <a:alpha val="40000"/>
-              </a:srgbClr>
-            </a:glow>
-          </a:effectLst>
-        </p:spPr>
-        <p:txBody>
-          <a:bodyPr rtlCol="0"/>
-          <a:lstStyle/>
-          <a:p>
-            <a:pPr marL="0" marR="0" lvl="0" indent="0" defTabSz="457200" eaLnBrk="1" fontAlgn="auto" latinLnBrk="0" hangingPunct="1">
-              <a:lnSpc>
-                <a:spcPct val="100000"/>
-              </a:lnSpc>
-              <a:spcBef>
-                <a:spcPts val="0"/>
-              </a:spcBef>
-              <a:spcAft>
-                <a:spcPts val="0"/>
-              </a:spcAft>
-              <a:buClrTx/>
-              <a:buSzTx/>
-              <a:buFontTx/>
-              <a:buNone/>
-              <a:tabLst/>
-              <a:defRPr/>
-            </a:pPr>
-            <a:endParaRPr kumimoji="0" lang="zh-CN" altLang="en-US" sz="2400" b="0" i="0" u="none" strike="noStrike" kern="0" cap="none" spc="0" normalizeH="0" baseline="0" noProof="0">
-              <a:ln>
-                <a:noFill/>
-              </a:ln>
-              <a:effectLst/>
-              <a:uLnTx/>
-              <a:uFillTx/>
-              <a:latin typeface="PingFang SC"/>
-              <a:ea typeface="Microsoft YaHei UI" panose="020B0503020204020204" pitchFamily="34" charset="-122"/>
-            </a:endParaRPr>
-          </a:p>
-        </p:txBody>
-      </p:sp>
-      <p:sp>
-        <p:nvSpPr>
-          <p:cNvPr id="15" name="文本占位符 35">
-            <a:extLst>
-              <a:ext uri="{FF2B5EF4-FFF2-40B4-BE49-F238E27FC236}">
-                <a16:creationId xmlns:a16="http://schemas.microsoft.com/office/drawing/2014/main" id="{1F0271F7-BF7E-00D0-4403-106817E97CB9}"/>
-              </a:ext>
-            </a:extLst>
-          </p:cNvPr>
-          <p:cNvSpPr txBox="1">
-            <a:spLocks/>
-          </p:cNvSpPr>
-          <p:nvPr/>
-        </p:nvSpPr>
-        <p:spPr bwMode="white">
-          <a:xfrm>
-            <a:off x="10148005" y="1712344"/>
-            <a:ext cx="1310050" cy="959003"/>
-          </a:xfrm>
-          <a:prstGeom prst="rect">
-            <a:avLst/>
-          </a:prstGeom>
-        </p:spPr>
-        <p:txBody>
-          <a:bodyPr vert="horz" lIns="91440" tIns="45720" rIns="91440" bIns="45720" rtlCol="0" anchor="ctr">
-            <a:noAutofit/>
-          </a:bodyPr>
-          <a:lstStyle>
-            <a:lvl1pPr marL="0" indent="0" algn="ctr" defTabSz="457200" rtl="0" eaLnBrk="1" latinLnBrk="0" hangingPunct="1">
-              <a:spcBef>
-                <a:spcPts val="0"/>
-              </a:spcBef>
-              <a:spcAft>
-                <a:spcPts val="1000"/>
-              </a:spcAft>
-              <a:buClr>
-                <a:schemeClr val="tx1"/>
-              </a:buClr>
-              <a:buSzPct val="100000"/>
-              <a:buFont typeface="Arial"/>
-              <a:buNone/>
-              <a:defRPr sz="1200" kern="1200" cap="none">
-                <a:solidFill>
-                  <a:schemeClr val="tx1"/>
-                </a:solidFill>
-                <a:effectLst/>
-                <a:latin typeface="Microsoft YaHei UI" panose="020B0503020204020204" pitchFamily="34" charset="-122"/>
-                <a:ea typeface="Microsoft YaHei UI" panose="020B0503020204020204" pitchFamily="34" charset="-122"/>
-                <a:cs typeface="+mn-cs"/>
-              </a:defRPr>
-            </a:lvl1pPr>
-            <a:lvl2pPr marL="742950" indent="-285750" algn="l" defTabSz="457200" rtl="0" eaLnBrk="1" latinLnBrk="0" hangingPunct="1">
-              <a:spcBef>
-                <a:spcPts val="0"/>
-              </a:spcBef>
-              <a:spcAft>
-                <a:spcPts val="1000"/>
-              </a:spcAft>
-              <a:buClr>
-                <a:schemeClr val="tx1"/>
-              </a:buClr>
-              <a:buSzPct val="100000"/>
-              <a:buFont typeface="Arial"/>
-              <a:buChar char="•"/>
-              <a:defRPr sz="1600" kern="1200" cap="none">
-                <a:solidFill>
-                  <a:schemeClr val="tx1"/>
-                </a:solidFill>
-                <a:effectLst/>
-                <a:latin typeface="Microsoft YaHei UI" panose="020B0503020204020204" pitchFamily="34" charset="-122"/>
-                <a:ea typeface="Microsoft YaHei UI" panose="020B0503020204020204" pitchFamily="34" charset="-122"/>
-                <a:cs typeface="+mn-cs"/>
-              </a:defRPr>
-            </a:lvl2pPr>
-            <a:lvl3pPr marL="1200150" indent="-285750" algn="ctr" defTabSz="457200" rtl="0" eaLnBrk="1" latinLnBrk="0" hangingPunct="1">
-              <a:spcBef>
-                <a:spcPts val="0"/>
-              </a:spcBef>
-              <a:spcAft>
-                <a:spcPts val="1000"/>
-              </a:spcAft>
-              <a:buClr>
-                <a:schemeClr val="tx1"/>
-              </a:buClr>
-              <a:buSzPct val="100000"/>
-              <a:buFont typeface="Arial"/>
-              <a:buChar char="•"/>
-              <a:defRPr sz="1200" kern="1200" cap="none">
-                <a:solidFill>
-                  <a:schemeClr val="tx1"/>
-                </a:solidFill>
-                <a:effectLst/>
-                <a:latin typeface="Microsoft YaHei UI" panose="020B0503020204020204" pitchFamily="34" charset="-122"/>
-                <a:ea typeface="Microsoft YaHei UI" panose="020B0503020204020204" pitchFamily="34" charset="-122"/>
-                <a:cs typeface="+mn-cs"/>
-              </a:defRPr>
-            </a:lvl3pPr>
-            <a:lvl4pPr marL="1543050" indent="-171450" algn="l" defTabSz="457200" rtl="0" eaLnBrk="1" latinLnBrk="0" hangingPunct="1">
-              <a:spcBef>
-                <a:spcPts val="0"/>
-              </a:spcBef>
-              <a:spcAft>
-                <a:spcPts val="1000"/>
-              </a:spcAft>
-              <a:buClr>
-                <a:schemeClr val="tx1"/>
-              </a:buClr>
-              <a:buSzPct val="100000"/>
-              <a:buFont typeface="Arial"/>
-              <a:buChar char="•"/>
-              <a:defRPr sz="1200" kern="1200" cap="none">
-                <a:solidFill>
-                  <a:schemeClr val="tx1"/>
-                </a:solidFill>
-                <a:effectLst/>
-                <a:latin typeface="Microsoft YaHei UI" panose="020B0503020204020204" pitchFamily="34" charset="-122"/>
-                <a:ea typeface="Microsoft YaHei UI" panose="020B0503020204020204" pitchFamily="34" charset="-122"/>
-                <a:cs typeface="+mn-cs"/>
-              </a:defRPr>
-            </a:lvl4pPr>
-            <a:lvl5pPr marL="1828800" indent="0" algn="l" defTabSz="457200" rtl="0" eaLnBrk="1" latinLnBrk="0" hangingPunct="1">
-              <a:spcBef>
-                <a:spcPts val="0"/>
-              </a:spcBef>
-              <a:spcAft>
-                <a:spcPts val="1000"/>
-              </a:spcAft>
-              <a:buClr>
-                <a:schemeClr val="tx1"/>
-              </a:buClr>
-              <a:buSzPct val="100000"/>
-              <a:buFont typeface="Arial"/>
-              <a:buNone/>
-              <a:defRPr sz="1200" kern="1200" cap="none">
-                <a:solidFill>
-                  <a:schemeClr val="tx1"/>
-                </a:solidFill>
-                <a:effectLst/>
-                <a:latin typeface="Microsoft YaHei UI" panose="020B0503020204020204" pitchFamily="34" charset="-122"/>
-                <a:ea typeface="Microsoft YaHei UI" panose="020B0503020204020204" pitchFamily="34" charset="-122"/>
-                <a:cs typeface="+mn-cs"/>
-              </a:defRPr>
-            </a:lvl5pPr>
-            <a:lvl6pPr marL="2514600" indent="-228600" algn="l" defTabSz="457200" rtl="0" eaLnBrk="1" latinLnBrk="0" hangingPunct="1">
-              <a:spcBef>
-                <a:spcPts val="0"/>
-              </a:spcBef>
-              <a:spcAft>
-                <a:spcPts val="1000"/>
-              </a:spcAft>
-              <a:buClr>
-                <a:schemeClr val="tx1"/>
-              </a:buClr>
-              <a:buSzPct val="100000"/>
-              <a:buFont typeface="Arial"/>
-              <a:buChar char="•"/>
-              <a:defRPr sz="1200" kern="1200" cap="none">
-                <a:solidFill>
-                  <a:schemeClr val="tx1"/>
-                </a:solidFill>
-                <a:effectLst/>
-                <a:latin typeface="+mn-lt"/>
-                <a:ea typeface="+mn-ea"/>
-                <a:cs typeface="+mn-cs"/>
-              </a:defRPr>
-            </a:lvl6pPr>
-            <a:lvl7pPr marL="2971800" indent="-228600" algn="l" defTabSz="457200" rtl="0" eaLnBrk="1" latinLnBrk="0" hangingPunct="1">
-              <a:spcBef>
-                <a:spcPts val="0"/>
-              </a:spcBef>
-              <a:spcAft>
-                <a:spcPts val="1000"/>
-              </a:spcAft>
-              <a:buClr>
-                <a:schemeClr val="tx1"/>
-              </a:buClr>
-              <a:buSzPct val="100000"/>
-              <a:buFont typeface="Arial"/>
-              <a:buChar char="•"/>
-              <a:defRPr sz="1200" kern="1200" cap="none">
-                <a:solidFill>
-                  <a:schemeClr val="tx1"/>
-                </a:solidFill>
-                <a:effectLst/>
-                <a:latin typeface="+mn-lt"/>
-                <a:ea typeface="+mn-ea"/>
-                <a:cs typeface="+mn-cs"/>
-              </a:defRPr>
-            </a:lvl7pPr>
-            <a:lvl8pPr marL="3429000" indent="-228600" algn="l" defTabSz="457200" rtl="0" eaLnBrk="1" latinLnBrk="0" hangingPunct="1">
-              <a:spcBef>
-                <a:spcPts val="0"/>
-              </a:spcBef>
-              <a:spcAft>
-                <a:spcPts val="1000"/>
-              </a:spcAft>
-              <a:buClr>
-                <a:schemeClr val="tx1"/>
-              </a:buClr>
-              <a:buSzPct val="100000"/>
-              <a:buFont typeface="Arial"/>
-              <a:buChar char="•"/>
-              <a:defRPr sz="1200" kern="1200" cap="none">
-                <a:solidFill>
-                  <a:schemeClr val="tx1"/>
-                </a:solidFill>
-                <a:effectLst/>
-                <a:latin typeface="+mn-lt"/>
-                <a:ea typeface="+mn-ea"/>
-                <a:cs typeface="+mn-cs"/>
-              </a:defRPr>
-            </a:lvl8pPr>
-            <a:lvl9pPr marL="3886200" indent="-228600" algn="l" defTabSz="457200" rtl="0" eaLnBrk="1" latinLnBrk="0" hangingPunct="1">
-              <a:spcBef>
-                <a:spcPts val="0"/>
-              </a:spcBef>
-              <a:spcAft>
-                <a:spcPts val="1000"/>
-              </a:spcAft>
-              <a:buClr>
-                <a:schemeClr val="tx1"/>
-              </a:buClr>
-              <a:buSzPct val="100000"/>
-              <a:buFont typeface="Arial"/>
-              <a:buChar char="•"/>
-              <a:defRPr sz="1200" kern="1200" cap="none">
-                <a:solidFill>
-                  <a:schemeClr val="tx1"/>
-                </a:solidFill>
-                <a:effectLst/>
-                <a:latin typeface="+mn-lt"/>
-                <a:ea typeface="+mn-ea"/>
-                <a:cs typeface="+mn-cs"/>
-              </a:defRPr>
-            </a:lvl9pPr>
-          </a:lstStyle>
-          <a:p>
-            <a:pPr marL="0" marR="0" lvl="0" indent="0" algn="ctr" defTabSz="457200" rtl="0" eaLnBrk="1" fontAlgn="auto" latinLnBrk="0" hangingPunct="1">
-              <a:lnSpc>
-                <a:spcPct val="120000"/>
-              </a:lnSpc>
-              <a:spcBef>
-                <a:spcPts val="0"/>
-              </a:spcBef>
-              <a:spcAft>
-                <a:spcPts val="0"/>
-              </a:spcAft>
-              <a:buClr>
-                <a:sysClr val="window" lastClr="FFFFFF"/>
-              </a:buClr>
-              <a:buSzPct val="100000"/>
-              <a:buFont typeface="Arial"/>
-              <a:buNone/>
-              <a:tabLst/>
-              <a:defRPr/>
-            </a:pPr>
-            <a:r>
-              <a:rPr kumimoji="0" lang="en-US" altLang="zh-CN" sz="1600" b="0" i="0" u="none" strike="noStrike" kern="1200" cap="none" spc="0" normalizeH="0" baseline="0" noProof="0" dirty="0">
-                <a:ln>
-                  <a:noFill/>
-                </a:ln>
-                <a:effectLst/>
-                <a:uLnTx/>
-                <a:uFillTx/>
-                <a:latin typeface="PingFang SC"/>
-              </a:rPr>
-              <a:t>Week 18</a:t>
-            </a:r>
-          </a:p>
-          <a:p>
-            <a:pPr marL="0" marR="0" lvl="0" indent="0" algn="ctr" defTabSz="457200" rtl="0" eaLnBrk="1" fontAlgn="auto" latinLnBrk="0" hangingPunct="1">
-              <a:lnSpc>
-                <a:spcPct val="120000"/>
-              </a:lnSpc>
-              <a:spcBef>
-                <a:spcPts val="0"/>
-              </a:spcBef>
-              <a:spcAft>
-                <a:spcPts val="0"/>
-              </a:spcAft>
-              <a:buClr>
-                <a:sysClr val="window" lastClr="FFFFFF"/>
-              </a:buClr>
-              <a:buSzPct val="100000"/>
-              <a:buFont typeface="Arial"/>
-              <a:buNone/>
-              <a:tabLst/>
-              <a:defRPr/>
-            </a:pPr>
-            <a:r>
-              <a:rPr lang="en-US" altLang="zh-CN" sz="1600" dirty="0">
-                <a:latin typeface="PingFang SC"/>
-              </a:rPr>
-              <a:t>final </a:t>
-            </a:r>
-            <a:r>
-              <a:rPr kumimoji="0" lang="en-US" altLang="zh-CN" sz="1600" b="0" i="0" u="none" strike="noStrike" kern="1200" cap="none" spc="0" normalizeH="0" baseline="0" noProof="0" dirty="0">
-                <a:ln>
-                  <a:noFill/>
-                </a:ln>
-                <a:effectLst/>
-                <a:uLnTx/>
-                <a:uFillTx/>
-                <a:latin typeface="PingFang SC"/>
-              </a:rPr>
-              <a:t>inspection</a:t>
-            </a:r>
-            <a:endParaRPr kumimoji="0" lang="zh-CN" altLang="en-US" sz="1600" b="0" i="0" u="none" strike="noStrike" kern="1200" cap="none" spc="0" normalizeH="0" baseline="0" noProof="0" dirty="0">
-              <a:ln>
-                <a:noFill/>
-              </a:ln>
-              <a:effectLst/>
-              <a:uLnTx/>
-              <a:uFillTx/>
-              <a:latin typeface="PingFang SC"/>
-            </a:endParaRPr>
-          </a:p>
-        </p:txBody>
-      </p:sp>
-      <p:sp>
-        <p:nvSpPr>
-          <p:cNvPr id="16" name="椭圆形 11" descr="装饰元素">
-            <a:extLst>
-              <a:ext uri="{FF2B5EF4-FFF2-40B4-BE49-F238E27FC236}">
-                <a16:creationId xmlns:a16="http://schemas.microsoft.com/office/drawing/2014/main" id="{EF12AC51-8518-1026-00BB-95B2568CD890}"/>
-              </a:ext>
-              <a:ext uri="{C183D7F6-B498-43B3-948B-1728B52AA6E4}">
-                <adec:decorative xmlns:adec="http://schemas.microsoft.com/office/drawing/2017/decorative" val="1"/>
-              </a:ext>
-            </a:extLst>
-          </p:cNvPr>
-          <p:cNvSpPr>
-            <a:spLocks noChangeArrowheads="1"/>
-          </p:cNvSpPr>
-          <p:nvPr/>
-        </p:nvSpPr>
-        <p:spPr bwMode="auto">
-          <a:xfrm>
-            <a:off x="10659030" y="2657108"/>
-            <a:ext cx="288000" cy="288000"/>
-          </a:xfrm>
-          <a:prstGeom prst="ellipse">
-            <a:avLst/>
-          </a:prstGeom>
-          <a:solidFill>
-            <a:sysClr val="windowText" lastClr="000000">
-              <a:lumMod val="50000"/>
-              <a:lumOff val="50000"/>
-            </a:sysClr>
-          </a:solidFill>
-          <a:ln w="15875">
-            <a:solidFill>
-              <a:srgbClr val="323232">
-                <a:lumMod val="50000"/>
-                <a:lumOff val="50000"/>
-              </a:srgbClr>
-            </a:solidFill>
-          </a:ln>
-          <a:effectLst>
-            <a:glow rad="101600">
-              <a:srgbClr val="323232">
-                <a:lumMod val="75000"/>
-                <a:lumOff val="25000"/>
-                <a:alpha val="60000"/>
-              </a:srgbClr>
-            </a:glow>
-          </a:effectLst>
-        </p:spPr>
-        <p:txBody>
-          <a:bodyPr rtlCol="0"/>
-          <a:lstStyle/>
-          <a:p>
-            <a:pPr marL="0" marR="0" lvl="0" indent="0" defTabSz="457200" eaLnBrk="1" fontAlgn="auto" latinLnBrk="0" hangingPunct="1">
-              <a:lnSpc>
-                <a:spcPct val="100000"/>
-              </a:lnSpc>
-              <a:spcBef>
-                <a:spcPts val="0"/>
-              </a:spcBef>
-              <a:spcAft>
-                <a:spcPts val="0"/>
-              </a:spcAft>
-              <a:buClrTx/>
-              <a:buSzTx/>
-              <a:buFontTx/>
-              <a:buNone/>
-              <a:tabLst/>
-              <a:defRPr/>
-            </a:pPr>
-            <a:endParaRPr kumimoji="0" lang="zh-CN" altLang="en-US" sz="2400" b="0" i="0" u="none" strike="noStrike" kern="0" cap="none" spc="0" normalizeH="0" baseline="0" noProof="0">
-              <a:ln>
-                <a:noFill/>
-              </a:ln>
-              <a:effectLst/>
-              <a:uLnTx/>
-              <a:uFillTx/>
-              <a:latin typeface="PingFang SC"/>
-              <a:ea typeface="Microsoft YaHei UI" panose="020B0503020204020204" pitchFamily="34" charset="-122"/>
-            </a:endParaRPr>
-          </a:p>
-        </p:txBody>
-      </p:sp>
-      <p:sp>
-        <p:nvSpPr>
-          <p:cNvPr id="17" name="矩形 7" descr="日程表">
-            <a:extLst>
-              <a:ext uri="{FF2B5EF4-FFF2-40B4-BE49-F238E27FC236}">
-                <a16:creationId xmlns:a16="http://schemas.microsoft.com/office/drawing/2014/main" id="{63CDDB4E-2E4C-0171-3DE9-5F8E1DA7F9AC}"/>
-              </a:ext>
-              <a:ext uri="{C183D7F6-B498-43B3-948B-1728B52AA6E4}">
-                <adec:decorative xmlns:adec="http://schemas.microsoft.com/office/drawing/2017/decorative" val="1"/>
-              </a:ext>
-            </a:extLst>
-          </p:cNvPr>
-          <p:cNvSpPr>
-            <a:spLocks noChangeArrowheads="1"/>
-          </p:cNvSpPr>
-          <p:nvPr/>
-        </p:nvSpPr>
-        <p:spPr bwMode="auto">
-          <a:xfrm>
-            <a:off x="1371470" y="2770121"/>
-            <a:ext cx="9433588" cy="45719"/>
-          </a:xfrm>
-          <a:prstGeom prst="rect">
-            <a:avLst/>
-          </a:prstGeom>
-          <a:solidFill>
-            <a:sysClr val="window" lastClr="FFFFFF">
-              <a:lumMod val="50000"/>
-            </a:sysClr>
-          </a:solidFill>
-          <a:ln w="9525">
-            <a:noFill/>
-            <a:miter lim="800000"/>
-            <a:headEnd/>
-            <a:tailEnd/>
-          </a:ln>
-        </p:spPr>
-        <p:txBody>
-          <a:bodyPr rtlCol="0"/>
-          <a:lstStyle/>
-          <a:p>
-            <a:pPr marL="0" marR="0" lvl="0" indent="0" defTabSz="457200" eaLnBrk="1" fontAlgn="auto" latinLnBrk="0" hangingPunct="1">
-              <a:lnSpc>
-                <a:spcPct val="100000"/>
-              </a:lnSpc>
-              <a:spcBef>
-                <a:spcPts val="0"/>
-              </a:spcBef>
-              <a:spcAft>
-                <a:spcPts val="0"/>
-              </a:spcAft>
-              <a:buClrTx/>
-              <a:buSzTx/>
-              <a:buFontTx/>
-              <a:buNone/>
-              <a:tabLst/>
-              <a:defRPr/>
-            </a:pPr>
-            <a:endParaRPr kumimoji="0" lang="zh-CN" altLang="en-US" sz="2400" b="0" i="0" u="none" strike="noStrike" kern="0" cap="none" spc="0" normalizeH="0" baseline="0" noProof="0">
-              <a:ln>
-                <a:noFill/>
-              </a:ln>
-              <a:effectLst/>
-              <a:uLnTx/>
-              <a:uFillTx/>
-              <a:latin typeface="PingFang SC"/>
-              <a:ea typeface="Microsoft YaHei UI" panose="020B0503020204020204" pitchFamily="34" charset="-122"/>
-            </a:endParaRPr>
-          </a:p>
-        </p:txBody>
-      </p:sp>
-      <p:sp>
-        <p:nvSpPr>
-          <p:cNvPr id="18" name="文本框 17">
-            <a:extLst>
-              <a:ext uri="{FF2B5EF4-FFF2-40B4-BE49-F238E27FC236}">
-                <a16:creationId xmlns:a16="http://schemas.microsoft.com/office/drawing/2014/main" id="{3398AC9F-CED6-BBF1-C344-2A0D1078EB1E}"/>
-              </a:ext>
-            </a:extLst>
-          </p:cNvPr>
-          <p:cNvSpPr txBox="1"/>
-          <p:nvPr/>
+          <p:cNvPr id="133" name="PlaceHolder 1"/>
+          <p:cNvSpPr>
+            <a:spLocks noGrp="1"/>
+          </p:cNvSpPr>
+          <p:nvPr>
+            <p:ph/>
+          </p:nvPr>
         </p:nvSpPr>
         <p:spPr>
           <a:xfrm>
-            <a:off x="531210" y="3758279"/>
-            <a:ext cx="3378638" cy="2215991"/>
+            <a:off x="838080" y="1825560"/>
+            <a:ext cx="10310040" cy="5032080"/>
           </a:xfrm>
           <a:prstGeom prst="rect">
             <a:avLst/>
           </a:prstGeom>
           <a:noFill/>
+          <a:ln w="0">
+            <a:noFill/>
+          </a:ln>
         </p:spPr>
         <p:txBody>
-          <a:bodyPr wrap="square">
-            <a:spAutoFit/>
+          <a:bodyPr anchor="t">
+            <a:normAutofit/>
           </a:bodyPr>
           <a:lstStyle/>
           <a:p>
-            <a:pPr marL="228600" marR="0" lvl="0" indent="-228600" algn="l" defTabSz="914400" rtl="0" eaLnBrk="1" fontAlgn="auto" latinLnBrk="0" hangingPunct="1">
+            <a:pPr marL="228600" indent="-228600">
               <a:lnSpc>
                 <a:spcPct val="90000"/>
               </a:lnSpc>
               <a:spcBef>
-                <a:spcPts val="1000"/>
+                <a:spcPts val="1001"/>
               </a:spcBef>
-              <a:spcAft>
-                <a:spcPts val="0"/>
-              </a:spcAft>
-              <a:buClrTx/>
-              <a:buSzTx/>
-              <a:buFont typeface="Arial" panose="020B0604020202020204" pitchFamily="34" charset="0"/>
+              <a:buClr>
+                <a:srgbClr val="000000"/>
+              </a:buClr>
+              <a:buFont typeface="Arial"/>
               <a:buChar char="•"/>
-              <a:tabLst/>
-              <a:defRPr/>
             </a:pPr>
             <a:r>
-              <a:rPr lang="en-US" altLang="zh-CN" sz="2000" dirty="0">
-                <a:latin typeface="PingFang SC"/>
-              </a:rPr>
-              <a:t>Phase 1</a:t>
-            </a:r>
-          </a:p>
-          <a:p>
-            <a:pPr marL="0" indent="0">
-              <a:buNone/>
-            </a:pPr>
-            <a:r>
-              <a:rPr lang="en-US" altLang="zh-CN" sz="2000" b="0" i="0" dirty="0">
+              <a:rPr lang="en-US" sz="2800" b="0" strike="noStrike" spc="-1" dirty="0">
                 <a:solidFill>
                   <a:srgbClr val="000000"/>
                 </a:solidFill>
-                <a:effectLst/>
-                <a:latin typeface="PingFang SC"/>
-              </a:rPr>
-              <a:t>-Learn the background of </a:t>
-            </a:r>
-            <a:r>
-              <a:rPr lang="en-US" altLang="zh-CN" sz="2000" dirty="0">
+                <a:latin typeface="Times New Roman" panose="02020603050405020304" pitchFamily="18" charset="0"/>
+                <a:cs typeface="Times New Roman" panose="02020603050405020304" pitchFamily="18" charset="0"/>
+              </a:rPr>
+              <a:t>Spacing</a:t>
+            </a:r>
+          </a:p>
+          <a:p>
+            <a:pPr indent="0">
+              <a:lnSpc>
+                <a:spcPct val="90000"/>
+              </a:lnSpc>
+              <a:spcBef>
+                <a:spcPts val="1001"/>
+              </a:spcBef>
+              <a:buNone/>
+            </a:pPr>
+            <a:endParaRPr lang="en-US" sz="2800" b="0" strike="noStrike" spc="-1" dirty="0">
+              <a:solidFill>
+                <a:srgbClr val="000000"/>
+              </a:solidFill>
+              <a:latin typeface="Times New Roman" panose="02020603050405020304" pitchFamily="18" charset="0"/>
+              <a:cs typeface="Times New Roman" panose="02020603050405020304" pitchFamily="18" charset="0"/>
+            </a:endParaRPr>
+          </a:p>
+          <a:p>
+            <a:pPr indent="0">
+              <a:lnSpc>
+                <a:spcPct val="90000"/>
+              </a:lnSpc>
+              <a:spcBef>
+                <a:spcPts val="1001"/>
+              </a:spcBef>
+              <a:buNone/>
+            </a:pPr>
+            <a:endParaRPr lang="en-US" sz="2800" b="0" strike="noStrike" spc="-1" dirty="0">
+              <a:solidFill>
+                <a:srgbClr val="000000"/>
+              </a:solidFill>
+              <a:latin typeface="Times New Roman" panose="02020603050405020304" pitchFamily="18" charset="0"/>
+              <a:cs typeface="Times New Roman" panose="02020603050405020304" pitchFamily="18" charset="0"/>
+            </a:endParaRPr>
+          </a:p>
+          <a:p>
+            <a:pPr indent="0">
+              <a:lnSpc>
+                <a:spcPct val="90000"/>
+              </a:lnSpc>
+              <a:spcBef>
+                <a:spcPts val="1001"/>
+              </a:spcBef>
+              <a:buNone/>
+            </a:pPr>
+            <a:endParaRPr lang="en-US" sz="2800" b="0" strike="noStrike" spc="-1" dirty="0">
+              <a:solidFill>
+                <a:srgbClr val="000000"/>
+              </a:solidFill>
+              <a:latin typeface="Times New Roman" panose="02020603050405020304" pitchFamily="18" charset="0"/>
+              <a:cs typeface="Times New Roman" panose="02020603050405020304" pitchFamily="18" charset="0"/>
+            </a:endParaRPr>
+          </a:p>
+          <a:p>
+            <a:pPr indent="0">
+              <a:lnSpc>
+                <a:spcPct val="90000"/>
+              </a:lnSpc>
+              <a:spcBef>
+                <a:spcPts val="1001"/>
+              </a:spcBef>
+              <a:buNone/>
+            </a:pPr>
+            <a:endParaRPr lang="en-US" sz="2800" b="0" strike="noStrike" spc="-1" dirty="0">
+              <a:solidFill>
+                <a:srgbClr val="000000"/>
+              </a:solidFill>
+              <a:latin typeface="Times New Roman" panose="02020603050405020304" pitchFamily="18" charset="0"/>
+              <a:cs typeface="Times New Roman" panose="02020603050405020304" pitchFamily="18" charset="0"/>
+            </a:endParaRPr>
+          </a:p>
+          <a:p>
+            <a:pPr indent="0">
+              <a:lnSpc>
+                <a:spcPct val="90000"/>
+              </a:lnSpc>
+              <a:spcBef>
+                <a:spcPts val="499"/>
+              </a:spcBef>
+              <a:buNone/>
+            </a:pPr>
+            <a:endParaRPr lang="en-US" sz="2400" b="0" strike="noStrike" spc="-1" dirty="0">
+              <a:solidFill>
+                <a:srgbClr val="000000"/>
+              </a:solidFill>
+              <a:latin typeface="Times New Roman" panose="02020603050405020304" pitchFamily="18" charset="0"/>
+              <a:cs typeface="Times New Roman" panose="02020603050405020304" pitchFamily="18" charset="0"/>
+            </a:endParaRPr>
+          </a:p>
+          <a:p>
+            <a:pPr marL="685800" lvl="1" indent="-228600">
+              <a:lnSpc>
+                <a:spcPct val="90000"/>
+              </a:lnSpc>
+              <a:spcBef>
+                <a:spcPts val="499"/>
+              </a:spcBef>
+              <a:buClr>
+                <a:srgbClr val="000000"/>
+              </a:buClr>
+              <a:buFont typeface="Arial"/>
+              <a:buChar char="•"/>
+            </a:pPr>
+            <a:r>
+              <a:rPr lang="en-US" sz="2400" b="0" strike="noStrike" spc="-1" dirty="0">
                 <a:solidFill>
                   <a:srgbClr val="000000"/>
                 </a:solidFill>
-                <a:latin typeface="PingFang SC"/>
-              </a:rPr>
-              <a:t>MOO, Evolutionary algorithm and Gradient-based algorithm</a:t>
-            </a:r>
-          </a:p>
-          <a:p>
-            <a:pPr marL="0" indent="0">
+                <a:latin typeface="Times New Roman" panose="02020603050405020304" pitchFamily="18" charset="0"/>
+                <a:cs typeface="Times New Roman" panose="02020603050405020304" pitchFamily="18" charset="0"/>
+              </a:rPr>
+              <a:t>di means the minimum distance from the di </a:t>
+            </a:r>
+            <a:r>
+              <a:rPr lang="en-US" sz="2400" b="0" strike="noStrike" spc="-1" dirty="0" err="1">
+                <a:solidFill>
+                  <a:srgbClr val="000000"/>
+                </a:solidFill>
+                <a:latin typeface="Times New Roman" panose="02020603050405020304" pitchFamily="18" charset="0"/>
+                <a:cs typeface="Times New Roman" panose="02020603050405020304" pitchFamily="18" charset="0"/>
+              </a:rPr>
+              <a:t>th</a:t>
+            </a:r>
+            <a:r>
+              <a:rPr lang="en-US" sz="2400" b="0" strike="noStrike" spc="-1" dirty="0">
+                <a:solidFill>
+                  <a:srgbClr val="000000"/>
+                </a:solidFill>
+                <a:latin typeface="Times New Roman" panose="02020603050405020304" pitchFamily="18" charset="0"/>
+                <a:cs typeface="Times New Roman" panose="02020603050405020304" pitchFamily="18" charset="0"/>
+              </a:rPr>
+              <a:t> solution to the other solutions in P.</a:t>
+            </a:r>
+          </a:p>
+          <a:p>
+            <a:pPr indent="0">
+              <a:lnSpc>
+                <a:spcPct val="90000"/>
+              </a:lnSpc>
+              <a:spcBef>
+                <a:spcPts val="1001"/>
+              </a:spcBef>
               <a:buNone/>
+              <a:tabLst>
+                <a:tab pos="0" algn="l"/>
+              </a:tabLst>
             </a:pPr>
-            <a:endParaRPr lang="en-US" altLang="zh-CN" sz="2000" b="0" i="0" dirty="0">
+            <a:endParaRPr lang="en-US" sz="2800" b="0" strike="noStrike" spc="-1" dirty="0">
               <a:solidFill>
                 <a:srgbClr val="000000"/>
               </a:solidFill>
-              <a:effectLst/>
-              <a:latin typeface="PingFang SC"/>
+              <a:latin typeface="Times New Roman" panose="02020603050405020304" pitchFamily="18" charset="0"/>
+              <a:cs typeface="Times New Roman" panose="02020603050405020304" pitchFamily="18" charset="0"/>
             </a:endParaRPr>
           </a:p>
           <a:p>
-            <a:pPr marL="0" indent="0">
+            <a:pPr indent="0">
+              <a:lnSpc>
+                <a:spcPct val="90000"/>
+              </a:lnSpc>
+              <a:spcBef>
+                <a:spcPts val="1001"/>
+              </a:spcBef>
               <a:buNone/>
+              <a:tabLst>
+                <a:tab pos="0" algn="l"/>
+              </a:tabLst>
             </a:pPr>
-            <a:r>
-              <a:rPr lang="en-US" altLang="zh-CN" sz="2000" dirty="0">
-                <a:solidFill>
-                  <a:srgbClr val="000000"/>
-                </a:solidFill>
-                <a:latin typeface="PingFang SC"/>
-              </a:rPr>
-              <a:t>-Brainstorm ideas about the hybrid algorithm</a:t>
-            </a:r>
-            <a:endParaRPr lang="en-US" altLang="zh-CN" sz="2000" b="0" i="0" dirty="0">
+            <a:endParaRPr lang="en-US" sz="2800" b="0" strike="noStrike" spc="-1" dirty="0">
               <a:solidFill>
                 <a:srgbClr val="000000"/>
               </a:solidFill>
-              <a:effectLst/>
-              <a:latin typeface="PingFang SC"/>
+              <a:latin typeface="Times New Roman" panose="02020603050405020304" pitchFamily="18" charset="0"/>
+              <a:cs typeface="Times New Roman" panose="02020603050405020304" pitchFamily="18" charset="0"/>
             </a:endParaRPr>
           </a:p>
-        </p:txBody>
-      </p:sp>
-      <p:sp>
-        <p:nvSpPr>
-          <p:cNvPr id="19" name="文本框 18">
-            <a:extLst>
-              <a:ext uri="{FF2B5EF4-FFF2-40B4-BE49-F238E27FC236}">
-                <a16:creationId xmlns:a16="http://schemas.microsoft.com/office/drawing/2014/main" id="{91F49B6C-A7EE-FDF7-BCF6-B43CC0CF639F}"/>
-              </a:ext>
-            </a:extLst>
-          </p:cNvPr>
-          <p:cNvSpPr txBox="1"/>
-          <p:nvPr/>
+          <a:p>
+            <a:pPr indent="0">
+              <a:lnSpc>
+                <a:spcPct val="90000"/>
+              </a:lnSpc>
+              <a:spcBef>
+                <a:spcPts val="1001"/>
+              </a:spcBef>
+              <a:buNone/>
+              <a:tabLst>
+                <a:tab pos="0" algn="l"/>
+              </a:tabLst>
+            </a:pPr>
+            <a:endParaRPr lang="en-US" sz="2800" b="0" strike="noStrike" spc="-1" dirty="0">
+              <a:solidFill>
+                <a:srgbClr val="000000"/>
+              </a:solidFill>
+              <a:latin typeface="Times New Roman" panose="02020603050405020304" pitchFamily="18" charset="0"/>
+              <a:cs typeface="Times New Roman" panose="02020603050405020304" pitchFamily="18" charset="0"/>
+            </a:endParaRPr>
+          </a:p>
+        </p:txBody>
+      </p:sp>
+      <p:sp>
+        <p:nvSpPr>
+          <p:cNvPr id="134" name="PlaceHolder 2"/>
+          <p:cNvSpPr>
+            <a:spLocks noGrp="1"/>
+          </p:cNvSpPr>
+          <p:nvPr>
+            <p:ph type="title"/>
+          </p:nvPr>
         </p:nvSpPr>
         <p:spPr>
           <a:xfrm>
-            <a:off x="4723932" y="3758278"/>
-            <a:ext cx="3131968" cy="1908215"/>
+            <a:off x="838080" y="365040"/>
+            <a:ext cx="10515240" cy="1325160"/>
           </a:xfrm>
           <a:prstGeom prst="rect">
             <a:avLst/>
           </a:prstGeom>
           <a:noFill/>
+          <a:ln w="0">
+            <a:noFill/>
+          </a:ln>
         </p:spPr>
         <p:txBody>
-          <a:bodyPr wrap="square">
-            <a:spAutoFit/>
+          <a:bodyPr anchor="ctr">
+            <a:noAutofit/>
           </a:bodyPr>
           <a:lstStyle/>
           <a:p>
-            <a:pPr marL="228600" marR="0" lvl="0" indent="-228600" algn="l" defTabSz="914400" rtl="0" eaLnBrk="1" fontAlgn="auto" latinLnBrk="0" hangingPunct="1">
+            <a:pPr indent="0">
               <a:lnSpc>
                 <a:spcPct val="90000"/>
               </a:lnSpc>
-              <a:spcBef>
-                <a:spcPts val="1000"/>
-              </a:spcBef>
-              <a:spcAft>
-                <a:spcPts val="0"/>
-              </a:spcAft>
-              <a:buClrTx/>
-              <a:buSzTx/>
-              <a:buFont typeface="Arial" panose="020B0604020202020204" pitchFamily="34" charset="0"/>
-              <a:buChar char="•"/>
-              <a:tabLst/>
-              <a:defRPr/>
-            </a:pPr>
-            <a:r>
-              <a:rPr kumimoji="0" lang="en-US" altLang="zh-CN" sz="2000" b="0" i="0" u="none" strike="noStrike" kern="1200" cap="none" spc="0" normalizeH="0" baseline="0" noProof="0" dirty="0">
-                <a:ln>
-                  <a:noFill/>
-                </a:ln>
-                <a:solidFill>
-                  <a:prstClr val="black"/>
-                </a:solidFill>
-                <a:effectLst/>
-                <a:uLnTx/>
-                <a:uFillTx/>
-                <a:latin typeface="PingFang SC"/>
-                <a:ea typeface="等线" panose="02010600030101010101" pitchFamily="2" charset="-122"/>
-              </a:rPr>
-              <a:t>Phase 2</a:t>
-            </a:r>
-          </a:p>
-          <a:p>
-            <a:pPr marL="0" indent="0">
               <a:buNone/>
             </a:pPr>
             <a:r>
-              <a:rPr lang="en-US" altLang="zh-CN" sz="2000" dirty="0">
+              <a:rPr lang="en-US" sz="4400" b="0" strike="noStrike" spc="-1">
                 <a:solidFill>
                   <a:srgbClr val="000000"/>
                 </a:solidFill>
                 <a:latin typeface="PingFang SC"/>
               </a:rPr>
-              <a:t>- Implement and try to improve the algorithm</a:t>
-            </a:r>
-          </a:p>
-          <a:p>
-            <a:pPr marL="0" indent="0">
-              <a:buNone/>
-            </a:pPr>
-            <a:endParaRPr lang="en-US" altLang="zh-CN" sz="2000" dirty="0">
+              <a:t>Evaluation methods</a:t>
+            </a:r>
+            <a:endParaRPr lang="en-US" sz="4400" b="0" strike="noStrike" spc="-1">
               <a:solidFill>
                 <a:srgbClr val="000000"/>
               </a:solidFill>
-              <a:latin typeface="PingFang SC"/>
+              <a:latin typeface="等线"/>
             </a:endParaRPr>
           </a:p>
-          <a:p>
-            <a:r>
-              <a:rPr lang="en-US" altLang="zh-CN" sz="2000" dirty="0">
-                <a:solidFill>
-                  <a:srgbClr val="000000"/>
-                </a:solidFill>
-                <a:latin typeface="PingFang SC"/>
-              </a:rPr>
-              <a:t>- Test the performance of all the different methods  </a:t>
-            </a:r>
-          </a:p>
-        </p:txBody>
-      </p:sp>
-      <p:sp>
-        <p:nvSpPr>
-          <p:cNvPr id="20" name="文本框 19">
-            <a:extLst>
-              <a:ext uri="{FF2B5EF4-FFF2-40B4-BE49-F238E27FC236}">
-                <a16:creationId xmlns:a16="http://schemas.microsoft.com/office/drawing/2014/main" id="{1474751E-D0B9-BE84-B7C4-A03F2A76A186}"/>
-              </a:ext>
-            </a:extLst>
-          </p:cNvPr>
-          <p:cNvSpPr txBox="1"/>
+        </p:txBody>
+      </p:sp>
+      <p:pic>
+        <p:nvPicPr>
+          <p:cNvPr id="135" name="Picture 134"/>
+          <p:cNvPicPr/>
           <p:nvPr/>
-        </p:nvSpPr>
+        </p:nvPicPr>
+        <p:blipFill>
+          <a:blip r:embed="rId3"/>
+          <a:stretch/>
+        </p:blipFill>
         <p:spPr>
           <a:xfrm>
-            <a:off x="8535539" y="3762944"/>
-            <a:ext cx="3546215" cy="1600438"/>
+            <a:off x="2447640" y="2520000"/>
+            <a:ext cx="5652360" cy="1374120"/>
           </a:xfrm>
           <a:prstGeom prst="rect">
             <a:avLst/>
           </a:prstGeom>
-          <a:noFill/>
+          <a:ln w="0">
+            <a:noFill/>
+          </a:ln>
         </p:spPr>
-        <p:txBody>
-          <a:bodyPr wrap="square">
-            <a:spAutoFit/>
-          </a:bodyPr>
-          <a:lstStyle/>
-          <a:p>
-            <a:pPr marL="228600" marR="0" lvl="0" indent="-228600" algn="l" defTabSz="914400" rtl="0" eaLnBrk="1" fontAlgn="auto" latinLnBrk="0" hangingPunct="1">
-              <a:lnSpc>
-                <a:spcPct val="90000"/>
-              </a:lnSpc>
-              <a:spcBef>
-                <a:spcPts val="1000"/>
-              </a:spcBef>
-              <a:spcAft>
-                <a:spcPts val="0"/>
-              </a:spcAft>
-              <a:buClrTx/>
-              <a:buSzTx/>
-              <a:buFont typeface="Arial" panose="020B0604020202020204" pitchFamily="34" charset="0"/>
-              <a:buChar char="•"/>
-              <a:tabLst/>
-              <a:defRPr/>
-            </a:pPr>
-            <a:r>
-              <a:rPr kumimoji="0" lang="en-US" altLang="zh-CN" sz="2000" b="0" i="0" u="none" strike="noStrike" kern="1200" cap="none" spc="0" normalizeH="0" baseline="0" noProof="0" dirty="0">
-                <a:ln>
-                  <a:noFill/>
-                </a:ln>
-                <a:solidFill>
-                  <a:prstClr val="black"/>
-                </a:solidFill>
-                <a:effectLst/>
-                <a:uLnTx/>
-                <a:uFillTx/>
-                <a:latin typeface="PingFang SC"/>
-                <a:ea typeface="等线" panose="02010600030101010101" pitchFamily="2" charset="-122"/>
-              </a:rPr>
-              <a:t>Phase 3</a:t>
-            </a:r>
-          </a:p>
-          <a:p>
-            <a:pPr marL="0" indent="0">
-              <a:buNone/>
-            </a:pPr>
-            <a:r>
-              <a:rPr lang="en-US" altLang="zh-CN" sz="2000" dirty="0">
-                <a:solidFill>
-                  <a:srgbClr val="000000"/>
-                </a:solidFill>
-                <a:latin typeface="PingFang SC"/>
-              </a:rPr>
-              <a:t>- Further optimization</a:t>
-            </a:r>
-          </a:p>
-          <a:p>
-            <a:pPr marL="0" indent="0">
-              <a:buNone/>
-            </a:pPr>
-            <a:endParaRPr lang="en-US" altLang="zh-CN" sz="2000" dirty="0">
-              <a:solidFill>
-                <a:srgbClr val="000000"/>
-              </a:solidFill>
-              <a:latin typeface="PingFang SC"/>
-            </a:endParaRPr>
-          </a:p>
-          <a:p>
-            <a:pPr marL="0" indent="0">
-              <a:buNone/>
-            </a:pPr>
-            <a:r>
-              <a:rPr lang="en-US" altLang="zh-CN" sz="2000" dirty="0">
-                <a:solidFill>
-                  <a:srgbClr val="000000"/>
-                </a:solidFill>
-                <a:latin typeface="PingFang SC"/>
-              </a:rPr>
-              <a:t>- Thesis writing. </a:t>
-            </a:r>
-          </a:p>
-          <a:p>
-            <a:pPr marL="0" indent="0">
-              <a:buNone/>
-            </a:pPr>
-            <a:endParaRPr lang="en-US" altLang="zh-CN" sz="2000" dirty="0">
-              <a:solidFill>
-                <a:srgbClr val="000000"/>
-              </a:solidFill>
-              <a:latin typeface="PingFang SC"/>
-            </a:endParaRPr>
-          </a:p>
-        </p:txBody>
-      </p:sp>
-      <p:sp>
-        <p:nvSpPr>
-          <p:cNvPr id="21" name="文本框 20">
-            <a:extLst>
-              <a:ext uri="{FF2B5EF4-FFF2-40B4-BE49-F238E27FC236}">
-                <a16:creationId xmlns:a16="http://schemas.microsoft.com/office/drawing/2014/main" id="{4C0D5B1F-1BB8-9EDC-736E-AF4A6FEC6059}"/>
-              </a:ext>
-            </a:extLst>
-          </p:cNvPr>
-          <p:cNvSpPr txBox="1"/>
-          <p:nvPr/>
-        </p:nvSpPr>
-        <p:spPr>
-          <a:xfrm>
-            <a:off x="1797344" y="2873181"/>
-            <a:ext cx="2426798" cy="341632"/>
-          </a:xfrm>
-          <a:prstGeom prst="rect">
-            <a:avLst/>
-          </a:prstGeom>
-          <a:noFill/>
-        </p:spPr>
-        <p:txBody>
-          <a:bodyPr wrap="square">
-            <a:spAutoFit/>
-          </a:bodyPr>
-          <a:lstStyle/>
-          <a:p>
-            <a:pPr marR="0" lvl="0" algn="ctr" defTabSz="914400" rtl="0" eaLnBrk="1" fontAlgn="auto" latinLnBrk="0" hangingPunct="1">
-              <a:lnSpc>
-                <a:spcPct val="90000"/>
-              </a:lnSpc>
-              <a:spcBef>
-                <a:spcPts val="1000"/>
-              </a:spcBef>
-              <a:spcAft>
-                <a:spcPts val="0"/>
-              </a:spcAft>
-              <a:buClrTx/>
-              <a:buSzTx/>
-              <a:tabLst/>
-              <a:defRPr/>
-            </a:pPr>
-            <a:r>
-              <a:rPr lang="en-US" altLang="zh-CN" dirty="0">
-                <a:latin typeface="PingFang SC"/>
-              </a:rPr>
-              <a:t>Phase 1</a:t>
-            </a:r>
-          </a:p>
-        </p:txBody>
-      </p:sp>
-      <p:sp>
-        <p:nvSpPr>
-          <p:cNvPr id="22" name="文本框 21">
-            <a:extLst>
-              <a:ext uri="{FF2B5EF4-FFF2-40B4-BE49-F238E27FC236}">
-                <a16:creationId xmlns:a16="http://schemas.microsoft.com/office/drawing/2014/main" id="{8C2D30B3-E211-C734-1588-32C76816869F}"/>
-              </a:ext>
-            </a:extLst>
-          </p:cNvPr>
-          <p:cNvSpPr txBox="1"/>
-          <p:nvPr/>
-        </p:nvSpPr>
-        <p:spPr>
-          <a:xfrm>
-            <a:off x="4688394" y="2873181"/>
-            <a:ext cx="2426798" cy="341632"/>
-          </a:xfrm>
-          <a:prstGeom prst="rect">
-            <a:avLst/>
-          </a:prstGeom>
-          <a:noFill/>
-        </p:spPr>
-        <p:txBody>
-          <a:bodyPr wrap="square">
-            <a:spAutoFit/>
-          </a:bodyPr>
-          <a:lstStyle/>
-          <a:p>
-            <a:pPr marR="0" lvl="0" algn="ctr" defTabSz="914400" rtl="0" eaLnBrk="1" fontAlgn="auto" latinLnBrk="0" hangingPunct="1">
-              <a:lnSpc>
-                <a:spcPct val="90000"/>
-              </a:lnSpc>
-              <a:spcBef>
-                <a:spcPts val="1000"/>
-              </a:spcBef>
-              <a:spcAft>
-                <a:spcPts val="0"/>
-              </a:spcAft>
-              <a:buClrTx/>
-              <a:buSzTx/>
-              <a:tabLst/>
-              <a:defRPr/>
-            </a:pPr>
-            <a:r>
-              <a:rPr kumimoji="0" lang="en-US" altLang="zh-CN" b="0" i="0" u="none" strike="noStrike" kern="1200" cap="none" spc="0" normalizeH="0" baseline="0" noProof="0" dirty="0">
-                <a:ln>
-                  <a:noFill/>
-                </a:ln>
-                <a:solidFill>
-                  <a:prstClr val="black"/>
-                </a:solidFill>
-                <a:effectLst/>
-                <a:uLnTx/>
-                <a:uFillTx/>
-                <a:latin typeface="PingFang SC"/>
-                <a:ea typeface="等线" panose="02010600030101010101" pitchFamily="2" charset="-122"/>
-              </a:rPr>
-              <a:t>Phase 2</a:t>
-            </a:r>
-          </a:p>
-        </p:txBody>
-      </p:sp>
-      <p:sp>
-        <p:nvSpPr>
-          <p:cNvPr id="23" name="文本框 22">
-            <a:extLst>
-              <a:ext uri="{FF2B5EF4-FFF2-40B4-BE49-F238E27FC236}">
-                <a16:creationId xmlns:a16="http://schemas.microsoft.com/office/drawing/2014/main" id="{9558D306-23AA-C396-02E9-2150DADDF05D}"/>
-              </a:ext>
-            </a:extLst>
-          </p:cNvPr>
-          <p:cNvSpPr txBox="1"/>
-          <p:nvPr/>
-        </p:nvSpPr>
-        <p:spPr>
-          <a:xfrm>
-            <a:off x="7874106" y="2893738"/>
-            <a:ext cx="2426798" cy="341632"/>
-          </a:xfrm>
-          <a:prstGeom prst="rect">
-            <a:avLst/>
-          </a:prstGeom>
-          <a:noFill/>
-        </p:spPr>
-        <p:txBody>
-          <a:bodyPr wrap="square">
-            <a:spAutoFit/>
-          </a:bodyPr>
-          <a:lstStyle/>
-          <a:p>
-            <a:pPr marR="0" lvl="0" algn="ctr" defTabSz="914400" rtl="0" eaLnBrk="1" fontAlgn="auto" latinLnBrk="0" hangingPunct="1">
-              <a:lnSpc>
-                <a:spcPct val="90000"/>
-              </a:lnSpc>
-              <a:spcBef>
-                <a:spcPts val="1000"/>
-              </a:spcBef>
-              <a:spcAft>
-                <a:spcPts val="0"/>
-              </a:spcAft>
-              <a:buClrTx/>
-              <a:buSzTx/>
-              <a:tabLst/>
-              <a:defRPr/>
-            </a:pPr>
-            <a:r>
-              <a:rPr kumimoji="0" lang="en-US" altLang="zh-CN" b="0" i="0" u="none" strike="noStrike" kern="1200" cap="none" spc="0" normalizeH="0" baseline="0" noProof="0" dirty="0">
-                <a:ln>
-                  <a:noFill/>
-                </a:ln>
-                <a:solidFill>
-                  <a:prstClr val="black"/>
-                </a:solidFill>
-                <a:effectLst/>
-                <a:uLnTx/>
-                <a:uFillTx/>
-                <a:latin typeface="PingFang SC"/>
-                <a:ea typeface="等线" panose="02010600030101010101" pitchFamily="2" charset="-122"/>
-              </a:rPr>
-              <a:t>  Phase 3</a:t>
-            </a:r>
-          </a:p>
-        </p:txBody>
-      </p:sp>
-      <p:sp>
-        <p:nvSpPr>
-          <p:cNvPr id="9" name="椭圆形 9" descr="装饰元素">
-            <a:extLst>
-              <a:ext uri="{FF2B5EF4-FFF2-40B4-BE49-F238E27FC236}">
-                <a16:creationId xmlns:a16="http://schemas.microsoft.com/office/drawing/2014/main" id="{005C557C-3824-1C6F-D90C-428BCE6FB01E}"/>
-              </a:ext>
-              <a:ext uri="{C183D7F6-B498-43B3-948B-1728B52AA6E4}">
-                <adec:decorative xmlns:adec="http://schemas.microsoft.com/office/drawing/2017/decorative" val="1"/>
-              </a:ext>
-            </a:extLst>
-          </p:cNvPr>
-          <p:cNvSpPr>
-            <a:spLocks noChangeArrowheads="1"/>
-          </p:cNvSpPr>
-          <p:nvPr/>
-        </p:nvSpPr>
-        <p:spPr bwMode="auto">
-          <a:xfrm>
-            <a:off x="1264952" y="2662870"/>
-            <a:ext cx="252000" cy="252000"/>
-          </a:xfrm>
-          <a:prstGeom prst="ellipse">
-            <a:avLst/>
-          </a:prstGeom>
-          <a:solidFill>
-            <a:sysClr val="windowText" lastClr="000000">
-              <a:lumMod val="65000"/>
-              <a:lumOff val="35000"/>
-            </a:sysClr>
-          </a:solidFill>
-          <a:ln w="9525">
-            <a:solidFill>
-              <a:srgbClr val="323232">
-                <a:lumMod val="75000"/>
-                <a:lumOff val="25000"/>
-              </a:srgbClr>
-            </a:solidFill>
-          </a:ln>
-          <a:effectLst>
-            <a:glow rad="63500">
-              <a:srgbClr val="323232">
-                <a:lumMod val="75000"/>
-                <a:lumOff val="25000"/>
-                <a:alpha val="40000"/>
-              </a:srgbClr>
-            </a:glow>
-          </a:effectLst>
-        </p:spPr>
-        <p:txBody>
-          <a:bodyPr rtlCol="0"/>
-          <a:lstStyle/>
-          <a:p>
-            <a:pPr marL="0" marR="0" lvl="0" indent="0" defTabSz="457200" eaLnBrk="1" fontAlgn="auto" latinLnBrk="0" hangingPunct="1">
-              <a:lnSpc>
-                <a:spcPct val="100000"/>
-              </a:lnSpc>
-              <a:spcBef>
-                <a:spcPts val="0"/>
-              </a:spcBef>
-              <a:spcAft>
-                <a:spcPts val="0"/>
-              </a:spcAft>
-              <a:buClrTx/>
-              <a:buSzTx/>
-              <a:buFontTx/>
-              <a:buNone/>
-              <a:tabLst/>
-              <a:defRPr/>
-            </a:pPr>
-            <a:endParaRPr kumimoji="0" lang="zh-CN" altLang="en-US" sz="2400" b="0" i="0" u="none" strike="noStrike" kern="0" cap="none" spc="0" normalizeH="0" baseline="0" noProof="0">
-              <a:ln>
-                <a:noFill/>
-              </a:ln>
-              <a:effectLst/>
-              <a:uLnTx/>
-              <a:uFillTx/>
-              <a:latin typeface="PingFang SC"/>
-              <a:ea typeface="Microsoft YaHei UI" panose="020B0503020204020204" pitchFamily="34" charset="-122"/>
-            </a:endParaRPr>
-          </a:p>
-        </p:txBody>
-      </p:sp>
+      </p:pic>
     </p:spTree>
-    <p:extLst>
-      <p:ext uri="{BB962C8B-B14F-4D97-AF65-F5344CB8AC3E}">
-        <p14:creationId xmlns:p14="http://schemas.microsoft.com/office/powerpoint/2010/main" val="1392603136"/>
-      </p:ext>
-    </p:extLst>
   </p:cSld>
   <p:clrMapOvr>
     <a:masterClrMapping/>
@@ -9037,7 +8395,1435 @@
 </p:sld>
 </file>
 
-<file path=ppt/slides/slide17.xml><?xml version="1.0" encoding="utf-8"?>
+<file path=ppt/slides/slide18.xml><?xml version="1.0" encoding="utf-8"?>
+<p:sld xmlns:a="http://schemas.openxmlformats.org/drawingml/2006/main" xmlns:r="http://schemas.openxmlformats.org/officeDocument/2006/relationships" xmlns:p="http://schemas.openxmlformats.org/presentationml/2006/main">
+  <p:cSld>
+    <p:spTree>
+      <p:nvGrpSpPr>
+        <p:cNvPr id="1" name=""/>
+        <p:cNvGrpSpPr/>
+        <p:nvPr/>
+      </p:nvGrpSpPr>
+      <p:grpSpPr>
+        <a:xfrm>
+          <a:off x="0" y="0"/>
+          <a:ext cx="0" cy="0"/>
+          <a:chOff x="0" y="0"/>
+          <a:chExt cx="0" cy="0"/>
+        </a:xfrm>
+      </p:grpSpPr>
+      <p:sp>
+        <p:nvSpPr>
+          <p:cNvPr id="136" name="PlaceHolder 1"/>
+          <p:cNvSpPr>
+            <a:spLocks noGrp="1"/>
+          </p:cNvSpPr>
+          <p:nvPr>
+            <p:ph type="title"/>
+          </p:nvPr>
+        </p:nvSpPr>
+        <p:spPr>
+          <a:xfrm>
+            <a:off x="838080" y="365040"/>
+            <a:ext cx="10515240" cy="1325160"/>
+          </a:xfrm>
+          <a:prstGeom prst="rect">
+            <a:avLst/>
+          </a:prstGeom>
+          <a:noFill/>
+          <a:ln w="0">
+            <a:noFill/>
+          </a:ln>
+        </p:spPr>
+        <p:txBody>
+          <a:bodyPr anchor="ctr">
+            <a:noAutofit/>
+          </a:bodyPr>
+          <a:lstStyle/>
+          <a:p>
+            <a:pPr indent="0">
+              <a:lnSpc>
+                <a:spcPct val="90000"/>
+              </a:lnSpc>
+              <a:buNone/>
+            </a:pPr>
+            <a:r>
+              <a:rPr lang="en-US" sz="4400" b="0" strike="noStrike" spc="-1">
+                <a:solidFill>
+                  <a:srgbClr val="000000"/>
+                </a:solidFill>
+                <a:latin typeface="PingFang SC"/>
+              </a:rPr>
+              <a:t>Timeline</a:t>
+            </a:r>
+            <a:endParaRPr lang="en-US" sz="4400" b="0" strike="noStrike" spc="-1">
+              <a:solidFill>
+                <a:srgbClr val="000000"/>
+              </a:solidFill>
+              <a:latin typeface="等线"/>
+            </a:endParaRPr>
+          </a:p>
+        </p:txBody>
+      </p:sp>
+      <p:sp>
+        <p:nvSpPr>
+          <p:cNvPr id="137" name="文本占位符 31"/>
+          <p:cNvSpPr/>
+          <p:nvPr/>
+        </p:nvSpPr>
+        <p:spPr>
+          <a:xfrm>
+            <a:off x="769680" y="1712520"/>
+            <a:ext cx="1309680" cy="958680"/>
+          </a:xfrm>
+          <a:prstGeom prst="rect">
+            <a:avLst/>
+          </a:prstGeom>
+          <a:noFill/>
+          <a:ln w="0">
+            <a:noFill/>
+          </a:ln>
+        </p:spPr>
+        <p:style>
+          <a:lnRef idx="0">
+            <a:scrgbClr r="0" g="0" b="0"/>
+          </a:lnRef>
+          <a:fillRef idx="0">
+            <a:scrgbClr r="0" g="0" b="0"/>
+          </a:fillRef>
+          <a:effectRef idx="0">
+            <a:scrgbClr r="0" g="0" b="0"/>
+          </a:effectRef>
+          <a:fontRef idx="minor"/>
+        </p:style>
+        <p:txBody>
+          <a:bodyPr anchor="ctr">
+            <a:noAutofit/>
+          </a:bodyPr>
+          <a:lstStyle/>
+          <a:p>
+            <a:pPr algn="ctr">
+              <a:lnSpc>
+                <a:spcPct val="120000"/>
+              </a:lnSpc>
+              <a:tabLst>
+                <a:tab pos="0" algn="l"/>
+              </a:tabLst>
+            </a:pPr>
+            <a:r>
+              <a:rPr lang="en-US" sz="1600" b="0" strike="noStrike" spc="-1" dirty="0">
+                <a:solidFill>
+                  <a:srgbClr val="000000"/>
+                </a:solidFill>
+                <a:latin typeface="PingFang SC"/>
+                <a:ea typeface="Microsoft YaHei UI"/>
+              </a:rPr>
+              <a:t>Week 1</a:t>
+            </a:r>
+            <a:endParaRPr lang="en-US" sz="1600" b="0" strike="noStrike" spc="-1" dirty="0">
+              <a:solidFill>
+                <a:srgbClr val="000000"/>
+              </a:solidFill>
+              <a:latin typeface="Arial"/>
+            </a:endParaRPr>
+          </a:p>
+          <a:p>
+            <a:pPr algn="ctr">
+              <a:lnSpc>
+                <a:spcPct val="120000"/>
+              </a:lnSpc>
+              <a:tabLst>
+                <a:tab pos="0" algn="l"/>
+              </a:tabLst>
+            </a:pPr>
+            <a:r>
+              <a:rPr lang="en-US" sz="1600" b="0" strike="noStrike" spc="-1" dirty="0">
+                <a:solidFill>
+                  <a:srgbClr val="000000"/>
+                </a:solidFill>
+                <a:latin typeface="PingFang SC"/>
+                <a:ea typeface="Microsoft YaHei UI"/>
+              </a:rPr>
+              <a:t>begin</a:t>
+            </a:r>
+            <a:endParaRPr lang="en-US" sz="1600" b="0" strike="noStrike" spc="-1" dirty="0">
+              <a:solidFill>
+                <a:srgbClr val="000000"/>
+              </a:solidFill>
+              <a:latin typeface="Arial"/>
+            </a:endParaRPr>
+          </a:p>
+        </p:txBody>
+      </p:sp>
+      <p:sp>
+        <p:nvSpPr>
+          <p:cNvPr id="138" name="文本占位符 32"/>
+          <p:cNvSpPr/>
+          <p:nvPr/>
+        </p:nvSpPr>
+        <p:spPr>
+          <a:xfrm>
+            <a:off x="3799800" y="1712520"/>
+            <a:ext cx="1309680" cy="958680"/>
+          </a:xfrm>
+          <a:prstGeom prst="rect">
+            <a:avLst/>
+          </a:prstGeom>
+          <a:noFill/>
+          <a:ln w="0">
+            <a:noFill/>
+          </a:ln>
+        </p:spPr>
+        <p:style>
+          <a:lnRef idx="0">
+            <a:scrgbClr r="0" g="0" b="0"/>
+          </a:lnRef>
+          <a:fillRef idx="0">
+            <a:scrgbClr r="0" g="0" b="0"/>
+          </a:fillRef>
+          <a:effectRef idx="0">
+            <a:scrgbClr r="0" g="0" b="0"/>
+          </a:effectRef>
+          <a:fontRef idx="minor"/>
+        </p:style>
+        <p:txBody>
+          <a:bodyPr anchor="ctr">
+            <a:noAutofit/>
+          </a:bodyPr>
+          <a:lstStyle/>
+          <a:p>
+            <a:pPr algn="ctr">
+              <a:lnSpc>
+                <a:spcPct val="120000"/>
+              </a:lnSpc>
+              <a:tabLst>
+                <a:tab pos="0" algn="l"/>
+              </a:tabLst>
+            </a:pPr>
+            <a:r>
+              <a:rPr lang="en-US" sz="1600" b="0" strike="noStrike" spc="-1">
+                <a:solidFill>
+                  <a:srgbClr val="000000"/>
+                </a:solidFill>
+                <a:latin typeface="PingFang SC"/>
+                <a:ea typeface="Microsoft YaHei UI"/>
+              </a:rPr>
+              <a:t>Week 7</a:t>
+            </a:r>
+            <a:endParaRPr lang="en-US" sz="1600" b="0" strike="noStrike" spc="-1">
+              <a:solidFill>
+                <a:srgbClr val="000000"/>
+              </a:solidFill>
+              <a:latin typeface="Arial"/>
+            </a:endParaRPr>
+          </a:p>
+          <a:p>
+            <a:pPr algn="ctr">
+              <a:lnSpc>
+                <a:spcPct val="120000"/>
+              </a:lnSpc>
+              <a:tabLst>
+                <a:tab pos="0" algn="l"/>
+              </a:tabLst>
+            </a:pPr>
+            <a:r>
+              <a:rPr lang="en-US" sz="1600" b="0" strike="noStrike" spc="-1">
+                <a:solidFill>
+                  <a:srgbClr val="000000"/>
+                </a:solidFill>
+                <a:latin typeface="PingFang SC"/>
+                <a:ea typeface="Microsoft YaHei UI"/>
+              </a:rPr>
+              <a:t>first inspection</a:t>
+            </a:r>
+            <a:endParaRPr lang="en-US" sz="1600" b="0" strike="noStrike" spc="-1">
+              <a:solidFill>
+                <a:srgbClr val="000000"/>
+              </a:solidFill>
+              <a:latin typeface="Arial"/>
+            </a:endParaRPr>
+          </a:p>
+        </p:txBody>
+      </p:sp>
+      <p:sp>
+        <p:nvSpPr>
+          <p:cNvPr id="139" name="椭圆形 14"/>
+          <p:cNvSpPr/>
+          <p:nvPr/>
+        </p:nvSpPr>
+        <p:spPr>
+          <a:xfrm>
+            <a:off x="4330440" y="2662920"/>
+            <a:ext cx="251640" cy="251640"/>
+          </a:xfrm>
+          <a:prstGeom prst="ellipse">
+            <a:avLst/>
+          </a:prstGeom>
+          <a:solidFill>
+            <a:srgbClr val="595959"/>
+          </a:solidFill>
+          <a:ln w="0">
+            <a:solidFill>
+              <a:srgbClr val="656565"/>
+            </a:solidFill>
+          </a:ln>
+          <a:effectLst>
+            <a:glow rad="63360">
+              <a:srgbClr val="656565">
+                <a:alpha val="40000"/>
+              </a:srgbClr>
+            </a:glow>
+          </a:effectLst>
+        </p:spPr>
+        <p:style>
+          <a:lnRef idx="0">
+            <a:scrgbClr r="0" g="0" b="0"/>
+          </a:lnRef>
+          <a:fillRef idx="0">
+            <a:scrgbClr r="0" g="0" b="0"/>
+          </a:fillRef>
+          <a:effectRef idx="0">
+            <a:scrgbClr r="0" g="0" b="0"/>
+          </a:effectRef>
+          <a:fontRef idx="minor"/>
+        </p:style>
+        <p:txBody>
+          <a:bodyPr lIns="90000" tIns="45000" rIns="90000" bIns="45000" anchor="t">
+            <a:noAutofit/>
+          </a:bodyPr>
+          <a:lstStyle/>
+          <a:p>
+            <a:pPr>
+              <a:lnSpc>
+                <a:spcPct val="100000"/>
+              </a:lnSpc>
+              <a:tabLst>
+                <a:tab pos="0" algn="l"/>
+              </a:tabLst>
+            </a:pPr>
+            <a:endParaRPr lang="en-US" sz="2400" b="0" strike="noStrike" spc="-1">
+              <a:solidFill>
+                <a:srgbClr val="000000"/>
+              </a:solidFill>
+              <a:latin typeface="PingFang SC"/>
+              <a:ea typeface="Microsoft YaHei UI"/>
+            </a:endParaRPr>
+          </a:p>
+        </p:txBody>
+      </p:sp>
+      <p:sp>
+        <p:nvSpPr>
+          <p:cNvPr id="140" name="文本占位符 33"/>
+          <p:cNvSpPr/>
+          <p:nvPr/>
+        </p:nvSpPr>
+        <p:spPr>
+          <a:xfrm>
+            <a:off x="6585480" y="1690560"/>
+            <a:ext cx="1711800" cy="958680"/>
+          </a:xfrm>
+          <a:prstGeom prst="rect">
+            <a:avLst/>
+          </a:prstGeom>
+          <a:noFill/>
+          <a:ln w="0">
+            <a:noFill/>
+          </a:ln>
+        </p:spPr>
+        <p:style>
+          <a:lnRef idx="0">
+            <a:scrgbClr r="0" g="0" b="0"/>
+          </a:lnRef>
+          <a:fillRef idx="0">
+            <a:scrgbClr r="0" g="0" b="0"/>
+          </a:fillRef>
+          <a:effectRef idx="0">
+            <a:scrgbClr r="0" g="0" b="0"/>
+          </a:effectRef>
+          <a:fontRef idx="minor"/>
+        </p:style>
+        <p:txBody>
+          <a:bodyPr anchor="ctr">
+            <a:noAutofit/>
+          </a:bodyPr>
+          <a:lstStyle/>
+          <a:p>
+            <a:pPr algn="ctr">
+              <a:lnSpc>
+                <a:spcPct val="120000"/>
+              </a:lnSpc>
+              <a:tabLst>
+                <a:tab pos="0" algn="l"/>
+              </a:tabLst>
+            </a:pPr>
+            <a:r>
+              <a:rPr lang="en-US" sz="1600" b="0" strike="noStrike" spc="-1">
+                <a:solidFill>
+                  <a:srgbClr val="000000"/>
+                </a:solidFill>
+                <a:latin typeface="PingFang SC"/>
+                <a:ea typeface="Microsoft YaHei UI"/>
+              </a:rPr>
+              <a:t>Week 12</a:t>
+            </a:r>
+            <a:endParaRPr lang="en-US" sz="1600" b="0" strike="noStrike" spc="-1">
+              <a:solidFill>
+                <a:srgbClr val="000000"/>
+              </a:solidFill>
+              <a:latin typeface="Arial"/>
+            </a:endParaRPr>
+          </a:p>
+          <a:p>
+            <a:pPr algn="ctr">
+              <a:lnSpc>
+                <a:spcPct val="120000"/>
+              </a:lnSpc>
+              <a:tabLst>
+                <a:tab pos="0" algn="l"/>
+              </a:tabLst>
+            </a:pPr>
+            <a:r>
+              <a:rPr lang="en-US" sz="1600" b="0" strike="noStrike" spc="-1">
+                <a:solidFill>
+                  <a:srgbClr val="000000"/>
+                </a:solidFill>
+                <a:latin typeface="PingFang SC"/>
+                <a:ea typeface="Microsoft YaHei UI"/>
+              </a:rPr>
+              <a:t>second inspection </a:t>
+            </a:r>
+            <a:endParaRPr lang="en-US" sz="1600" b="0" strike="noStrike" spc="-1">
+              <a:solidFill>
+                <a:srgbClr val="000000"/>
+              </a:solidFill>
+              <a:latin typeface="Arial"/>
+            </a:endParaRPr>
+          </a:p>
+        </p:txBody>
+      </p:sp>
+      <p:sp>
+        <p:nvSpPr>
+          <p:cNvPr id="141" name="椭圆形 19"/>
+          <p:cNvSpPr/>
+          <p:nvPr/>
+        </p:nvSpPr>
+        <p:spPr>
+          <a:xfrm>
+            <a:off x="7315560" y="2663640"/>
+            <a:ext cx="251640" cy="251640"/>
+          </a:xfrm>
+          <a:prstGeom prst="ellipse">
+            <a:avLst/>
+          </a:prstGeom>
+          <a:solidFill>
+            <a:srgbClr val="595959"/>
+          </a:solidFill>
+          <a:ln w="0">
+            <a:solidFill>
+              <a:srgbClr val="656565"/>
+            </a:solidFill>
+          </a:ln>
+          <a:effectLst>
+            <a:glow rad="63360">
+              <a:srgbClr val="656565">
+                <a:alpha val="40000"/>
+              </a:srgbClr>
+            </a:glow>
+          </a:effectLst>
+        </p:spPr>
+        <p:style>
+          <a:lnRef idx="0">
+            <a:scrgbClr r="0" g="0" b="0"/>
+          </a:lnRef>
+          <a:fillRef idx="0">
+            <a:scrgbClr r="0" g="0" b="0"/>
+          </a:fillRef>
+          <a:effectRef idx="0">
+            <a:scrgbClr r="0" g="0" b="0"/>
+          </a:effectRef>
+          <a:fontRef idx="minor"/>
+        </p:style>
+        <p:txBody>
+          <a:bodyPr lIns="90000" tIns="45000" rIns="90000" bIns="45000" anchor="t">
+            <a:noAutofit/>
+          </a:bodyPr>
+          <a:lstStyle/>
+          <a:p>
+            <a:pPr>
+              <a:lnSpc>
+                <a:spcPct val="100000"/>
+              </a:lnSpc>
+              <a:tabLst>
+                <a:tab pos="0" algn="l"/>
+              </a:tabLst>
+            </a:pPr>
+            <a:endParaRPr lang="en-US" sz="2400" b="0" strike="noStrike" spc="-1">
+              <a:solidFill>
+                <a:srgbClr val="000000"/>
+              </a:solidFill>
+              <a:latin typeface="PingFang SC"/>
+              <a:ea typeface="Microsoft YaHei UI"/>
+            </a:endParaRPr>
+          </a:p>
+        </p:txBody>
+      </p:sp>
+      <p:sp>
+        <p:nvSpPr>
+          <p:cNvPr id="142" name="文本占位符 35"/>
+          <p:cNvSpPr/>
+          <p:nvPr/>
+        </p:nvSpPr>
+        <p:spPr>
+          <a:xfrm>
+            <a:off x="10148040" y="1712520"/>
+            <a:ext cx="1309680" cy="958680"/>
+          </a:xfrm>
+          <a:prstGeom prst="rect">
+            <a:avLst/>
+          </a:prstGeom>
+          <a:noFill/>
+          <a:ln w="0">
+            <a:noFill/>
+          </a:ln>
+        </p:spPr>
+        <p:style>
+          <a:lnRef idx="0">
+            <a:scrgbClr r="0" g="0" b="0"/>
+          </a:lnRef>
+          <a:fillRef idx="0">
+            <a:scrgbClr r="0" g="0" b="0"/>
+          </a:fillRef>
+          <a:effectRef idx="0">
+            <a:scrgbClr r="0" g="0" b="0"/>
+          </a:effectRef>
+          <a:fontRef idx="minor"/>
+        </p:style>
+        <p:txBody>
+          <a:bodyPr anchor="ctr">
+            <a:noAutofit/>
+          </a:bodyPr>
+          <a:lstStyle/>
+          <a:p>
+            <a:pPr algn="ctr">
+              <a:lnSpc>
+                <a:spcPct val="120000"/>
+              </a:lnSpc>
+              <a:tabLst>
+                <a:tab pos="0" algn="l"/>
+              </a:tabLst>
+            </a:pPr>
+            <a:r>
+              <a:rPr lang="en-US" sz="1600" b="0" strike="noStrike" spc="-1">
+                <a:solidFill>
+                  <a:srgbClr val="000000"/>
+                </a:solidFill>
+                <a:latin typeface="PingFang SC"/>
+                <a:ea typeface="Microsoft YaHei UI"/>
+              </a:rPr>
+              <a:t>Week 18</a:t>
+            </a:r>
+            <a:endParaRPr lang="en-US" sz="1600" b="0" strike="noStrike" spc="-1">
+              <a:solidFill>
+                <a:srgbClr val="000000"/>
+              </a:solidFill>
+              <a:latin typeface="Arial"/>
+            </a:endParaRPr>
+          </a:p>
+          <a:p>
+            <a:pPr algn="ctr">
+              <a:lnSpc>
+                <a:spcPct val="120000"/>
+              </a:lnSpc>
+              <a:tabLst>
+                <a:tab pos="0" algn="l"/>
+              </a:tabLst>
+            </a:pPr>
+            <a:r>
+              <a:rPr lang="en-US" sz="1600" b="0" strike="noStrike" spc="-1">
+                <a:solidFill>
+                  <a:srgbClr val="000000"/>
+                </a:solidFill>
+                <a:latin typeface="PingFang SC"/>
+                <a:ea typeface="Microsoft YaHei UI"/>
+              </a:rPr>
+              <a:t>final inspection</a:t>
+            </a:r>
+            <a:endParaRPr lang="en-US" sz="1600" b="0" strike="noStrike" spc="-1">
+              <a:solidFill>
+                <a:srgbClr val="000000"/>
+              </a:solidFill>
+              <a:latin typeface="Arial"/>
+            </a:endParaRPr>
+          </a:p>
+        </p:txBody>
+      </p:sp>
+      <p:sp>
+        <p:nvSpPr>
+          <p:cNvPr id="143" name="椭圆形 11"/>
+          <p:cNvSpPr/>
+          <p:nvPr/>
+        </p:nvSpPr>
+        <p:spPr>
+          <a:xfrm>
+            <a:off x="10658880" y="2657160"/>
+            <a:ext cx="287640" cy="287640"/>
+          </a:xfrm>
+          <a:prstGeom prst="ellipse">
+            <a:avLst/>
+          </a:prstGeom>
+          <a:solidFill>
+            <a:srgbClr val="808080"/>
+          </a:solidFill>
+          <a:ln w="15875">
+            <a:solidFill>
+              <a:srgbClr val="999999"/>
+            </a:solidFill>
+            <a:round/>
+          </a:ln>
+          <a:effectLst>
+            <a:glow rad="101520">
+              <a:srgbClr val="656565">
+                <a:alpha val="60000"/>
+              </a:srgbClr>
+            </a:glow>
+          </a:effectLst>
+        </p:spPr>
+        <p:style>
+          <a:lnRef idx="0">
+            <a:scrgbClr r="0" g="0" b="0"/>
+          </a:lnRef>
+          <a:fillRef idx="0">
+            <a:scrgbClr r="0" g="0" b="0"/>
+          </a:fillRef>
+          <a:effectRef idx="0">
+            <a:scrgbClr r="0" g="0" b="0"/>
+          </a:effectRef>
+          <a:fontRef idx="minor"/>
+        </p:style>
+        <p:txBody>
+          <a:bodyPr lIns="90000" tIns="45000" rIns="90000" bIns="45000" anchor="t">
+            <a:noAutofit/>
+          </a:bodyPr>
+          <a:lstStyle/>
+          <a:p>
+            <a:pPr>
+              <a:lnSpc>
+                <a:spcPct val="100000"/>
+              </a:lnSpc>
+              <a:tabLst>
+                <a:tab pos="0" algn="l"/>
+              </a:tabLst>
+            </a:pPr>
+            <a:endParaRPr lang="en-US" sz="2400" b="0" strike="noStrike" spc="-1">
+              <a:solidFill>
+                <a:srgbClr val="000000"/>
+              </a:solidFill>
+              <a:latin typeface="PingFang SC"/>
+              <a:ea typeface="Microsoft YaHei UI"/>
+            </a:endParaRPr>
+          </a:p>
+        </p:txBody>
+      </p:sp>
+      <p:sp>
+        <p:nvSpPr>
+          <p:cNvPr id="144" name="矩形 7"/>
+          <p:cNvSpPr/>
+          <p:nvPr/>
+        </p:nvSpPr>
+        <p:spPr>
+          <a:xfrm>
+            <a:off x="1371600" y="2770200"/>
+            <a:ext cx="9433080" cy="45360"/>
+          </a:xfrm>
+          <a:prstGeom prst="rect">
+            <a:avLst/>
+          </a:prstGeom>
+          <a:solidFill>
+            <a:srgbClr val="808080"/>
+          </a:solidFill>
+          <a:ln w="9525">
+            <a:noFill/>
+          </a:ln>
+        </p:spPr>
+        <p:style>
+          <a:lnRef idx="0">
+            <a:scrgbClr r="0" g="0" b="0"/>
+          </a:lnRef>
+          <a:fillRef idx="0">
+            <a:scrgbClr r="0" g="0" b="0"/>
+          </a:fillRef>
+          <a:effectRef idx="0">
+            <a:scrgbClr r="0" g="0" b="0"/>
+          </a:effectRef>
+          <a:fontRef idx="minor"/>
+        </p:style>
+        <p:txBody>
+          <a:bodyPr lIns="90000" tIns="720" rIns="90000" bIns="720" anchor="t">
+            <a:noAutofit/>
+          </a:bodyPr>
+          <a:lstStyle/>
+          <a:p>
+            <a:pPr>
+              <a:lnSpc>
+                <a:spcPct val="100000"/>
+              </a:lnSpc>
+              <a:tabLst>
+                <a:tab pos="0" algn="l"/>
+              </a:tabLst>
+            </a:pPr>
+            <a:endParaRPr lang="en-US" sz="2400" b="0" strike="noStrike" spc="-1">
+              <a:solidFill>
+                <a:srgbClr val="000000"/>
+              </a:solidFill>
+              <a:latin typeface="PingFang SC"/>
+              <a:ea typeface="Microsoft YaHei UI"/>
+            </a:endParaRPr>
+          </a:p>
+        </p:txBody>
+      </p:sp>
+      <p:sp>
+        <p:nvSpPr>
+          <p:cNvPr id="145" name="文本框 17"/>
+          <p:cNvSpPr/>
+          <p:nvPr/>
+        </p:nvSpPr>
+        <p:spPr>
+          <a:xfrm>
+            <a:off x="531360" y="3758400"/>
+            <a:ext cx="3378240" cy="2498400"/>
+          </a:xfrm>
+          <a:prstGeom prst="rect">
+            <a:avLst/>
+          </a:prstGeom>
+          <a:noFill/>
+          <a:ln w="0">
+            <a:noFill/>
+          </a:ln>
+        </p:spPr>
+        <p:style>
+          <a:lnRef idx="0">
+            <a:scrgbClr r="0" g="0" b="0"/>
+          </a:lnRef>
+          <a:fillRef idx="0">
+            <a:scrgbClr r="0" g="0" b="0"/>
+          </a:fillRef>
+          <a:effectRef idx="0">
+            <a:scrgbClr r="0" g="0" b="0"/>
+          </a:effectRef>
+          <a:fontRef idx="minor"/>
+        </p:style>
+        <p:txBody>
+          <a:bodyPr lIns="90000" tIns="45000" rIns="90000" bIns="45000" anchor="t">
+            <a:spAutoFit/>
+          </a:bodyPr>
+          <a:lstStyle/>
+          <a:p>
+            <a:pPr marL="228600" indent="-228600">
+              <a:lnSpc>
+                <a:spcPct val="90000"/>
+              </a:lnSpc>
+              <a:spcBef>
+                <a:spcPts val="1001"/>
+              </a:spcBef>
+              <a:buClr>
+                <a:srgbClr val="000000"/>
+              </a:buClr>
+              <a:buFont typeface="Arial"/>
+              <a:buChar char="•"/>
+            </a:pPr>
+            <a:r>
+              <a:rPr lang="en-US" sz="2000" b="0" strike="noStrike" spc="-1" dirty="0">
+                <a:solidFill>
+                  <a:srgbClr val="000000"/>
+                </a:solidFill>
+                <a:latin typeface="PingFang SC"/>
+              </a:rPr>
+              <a:t>Phase 1</a:t>
+            </a:r>
+            <a:endParaRPr lang="en-US" sz="2000" b="0" strike="noStrike" spc="-1" dirty="0">
+              <a:solidFill>
+                <a:srgbClr val="000000"/>
+              </a:solidFill>
+              <a:latin typeface="Arial"/>
+            </a:endParaRPr>
+          </a:p>
+          <a:p>
+            <a:pPr>
+              <a:lnSpc>
+                <a:spcPct val="100000"/>
+              </a:lnSpc>
+              <a:tabLst>
+                <a:tab pos="0" algn="l"/>
+              </a:tabLst>
+            </a:pPr>
+            <a:r>
+              <a:rPr lang="en-US" sz="2000" b="0" strike="noStrike" spc="-1" dirty="0">
+                <a:solidFill>
+                  <a:srgbClr val="000000"/>
+                </a:solidFill>
+                <a:latin typeface="PingFang SC"/>
+              </a:rPr>
+              <a:t>-Learn the background of MOO, Evolutionary algorithm and Gradient-based algorithm</a:t>
+            </a:r>
+            <a:endParaRPr lang="en-US" sz="2000" b="0" strike="noStrike" spc="-1" dirty="0">
+              <a:solidFill>
+                <a:srgbClr val="000000"/>
+              </a:solidFill>
+              <a:latin typeface="Arial"/>
+            </a:endParaRPr>
+          </a:p>
+          <a:p>
+            <a:pPr>
+              <a:lnSpc>
+                <a:spcPct val="100000"/>
+              </a:lnSpc>
+              <a:tabLst>
+                <a:tab pos="0" algn="l"/>
+              </a:tabLst>
+            </a:pPr>
+            <a:endParaRPr lang="en-US" sz="2000" b="0" strike="noStrike" spc="-1" dirty="0">
+              <a:solidFill>
+                <a:srgbClr val="000000"/>
+              </a:solidFill>
+              <a:latin typeface="Arial"/>
+            </a:endParaRPr>
+          </a:p>
+          <a:p>
+            <a:pPr>
+              <a:lnSpc>
+                <a:spcPct val="100000"/>
+              </a:lnSpc>
+              <a:tabLst>
+                <a:tab pos="0" algn="l"/>
+              </a:tabLst>
+            </a:pPr>
+            <a:r>
+              <a:rPr lang="en-US" sz="2000" b="0" strike="noStrike" spc="-1" dirty="0">
+                <a:solidFill>
+                  <a:srgbClr val="000000"/>
+                </a:solidFill>
+                <a:latin typeface="PingFang SC"/>
+              </a:rPr>
+              <a:t>-Brainstorm ideas about the hybrid algorithm</a:t>
+            </a:r>
+            <a:endParaRPr lang="en-US" sz="2000" b="0" strike="noStrike" spc="-1" dirty="0">
+              <a:solidFill>
+                <a:srgbClr val="000000"/>
+              </a:solidFill>
+              <a:latin typeface="Arial"/>
+            </a:endParaRPr>
+          </a:p>
+        </p:txBody>
+      </p:sp>
+      <p:sp>
+        <p:nvSpPr>
+          <p:cNvPr id="146" name="文本框 18"/>
+          <p:cNvSpPr/>
+          <p:nvPr/>
+        </p:nvSpPr>
+        <p:spPr>
+          <a:xfrm>
+            <a:off x="4723920" y="3758400"/>
+            <a:ext cx="3131640" cy="2193480"/>
+          </a:xfrm>
+          <a:prstGeom prst="rect">
+            <a:avLst/>
+          </a:prstGeom>
+          <a:noFill/>
+          <a:ln w="0">
+            <a:noFill/>
+          </a:ln>
+        </p:spPr>
+        <p:style>
+          <a:lnRef idx="0">
+            <a:scrgbClr r="0" g="0" b="0"/>
+          </a:lnRef>
+          <a:fillRef idx="0">
+            <a:scrgbClr r="0" g="0" b="0"/>
+          </a:fillRef>
+          <a:effectRef idx="0">
+            <a:scrgbClr r="0" g="0" b="0"/>
+          </a:effectRef>
+          <a:fontRef idx="minor"/>
+        </p:style>
+        <p:txBody>
+          <a:bodyPr lIns="90000" tIns="45000" rIns="90000" bIns="45000" anchor="t">
+            <a:spAutoFit/>
+          </a:bodyPr>
+          <a:lstStyle/>
+          <a:p>
+            <a:pPr marL="228600" indent="-228600">
+              <a:lnSpc>
+                <a:spcPct val="90000"/>
+              </a:lnSpc>
+              <a:spcBef>
+                <a:spcPts val="1001"/>
+              </a:spcBef>
+              <a:buClr>
+                <a:srgbClr val="000000"/>
+              </a:buClr>
+              <a:buFont typeface="Arial"/>
+              <a:buChar char="•"/>
+            </a:pPr>
+            <a:r>
+              <a:rPr lang="en-US" sz="2000" b="0" strike="noStrike" spc="-1">
+                <a:solidFill>
+                  <a:srgbClr val="000000"/>
+                </a:solidFill>
+                <a:latin typeface="PingFang SC"/>
+                <a:ea typeface="等线"/>
+              </a:rPr>
+              <a:t>Phase 2</a:t>
+            </a:r>
+            <a:endParaRPr lang="en-US" sz="2000" b="0" strike="noStrike" spc="-1">
+              <a:solidFill>
+                <a:srgbClr val="000000"/>
+              </a:solidFill>
+              <a:latin typeface="Arial"/>
+            </a:endParaRPr>
+          </a:p>
+          <a:p>
+            <a:pPr>
+              <a:lnSpc>
+                <a:spcPct val="100000"/>
+              </a:lnSpc>
+              <a:tabLst>
+                <a:tab pos="0" algn="l"/>
+              </a:tabLst>
+            </a:pPr>
+            <a:r>
+              <a:rPr lang="en-US" sz="2000" b="0" strike="noStrike" spc="-1">
+                <a:solidFill>
+                  <a:srgbClr val="000000"/>
+                </a:solidFill>
+                <a:latin typeface="PingFang SC"/>
+                <a:ea typeface="等线"/>
+              </a:rPr>
+              <a:t>- Implement and try to improve the algorithm.</a:t>
+            </a:r>
+            <a:endParaRPr lang="en-US" sz="2000" b="0" strike="noStrike" spc="-1">
+              <a:solidFill>
+                <a:srgbClr val="000000"/>
+              </a:solidFill>
+              <a:latin typeface="Arial"/>
+            </a:endParaRPr>
+          </a:p>
+          <a:p>
+            <a:pPr>
+              <a:lnSpc>
+                <a:spcPct val="100000"/>
+              </a:lnSpc>
+              <a:tabLst>
+                <a:tab pos="0" algn="l"/>
+              </a:tabLst>
+            </a:pPr>
+            <a:endParaRPr lang="en-US" sz="2000" b="0" strike="noStrike" spc="-1">
+              <a:solidFill>
+                <a:srgbClr val="000000"/>
+              </a:solidFill>
+              <a:latin typeface="Arial"/>
+            </a:endParaRPr>
+          </a:p>
+          <a:p>
+            <a:pPr>
+              <a:lnSpc>
+                <a:spcPct val="100000"/>
+              </a:lnSpc>
+              <a:tabLst>
+                <a:tab pos="0" algn="l"/>
+              </a:tabLst>
+            </a:pPr>
+            <a:r>
+              <a:rPr lang="en-US" sz="2000" b="0" strike="noStrike" spc="-1">
+                <a:solidFill>
+                  <a:srgbClr val="000000"/>
+                </a:solidFill>
+                <a:latin typeface="PingFang SC"/>
+                <a:ea typeface="等线"/>
+              </a:rPr>
+              <a:t>- Test the performance of all the different methods.  </a:t>
+            </a:r>
+            <a:endParaRPr lang="en-US" sz="2000" b="0" strike="noStrike" spc="-1">
+              <a:solidFill>
+                <a:srgbClr val="000000"/>
+              </a:solidFill>
+              <a:latin typeface="Arial"/>
+            </a:endParaRPr>
+          </a:p>
+        </p:txBody>
+      </p:sp>
+      <p:sp>
+        <p:nvSpPr>
+          <p:cNvPr id="147" name="文本框 19"/>
+          <p:cNvSpPr/>
+          <p:nvPr/>
+        </p:nvSpPr>
+        <p:spPr>
+          <a:xfrm>
+            <a:off x="8535600" y="3763080"/>
+            <a:ext cx="3546000" cy="1583640"/>
+          </a:xfrm>
+          <a:prstGeom prst="rect">
+            <a:avLst/>
+          </a:prstGeom>
+          <a:noFill/>
+          <a:ln w="0">
+            <a:noFill/>
+          </a:ln>
+        </p:spPr>
+        <p:style>
+          <a:lnRef idx="0">
+            <a:scrgbClr r="0" g="0" b="0"/>
+          </a:lnRef>
+          <a:fillRef idx="0">
+            <a:scrgbClr r="0" g="0" b="0"/>
+          </a:fillRef>
+          <a:effectRef idx="0">
+            <a:scrgbClr r="0" g="0" b="0"/>
+          </a:effectRef>
+          <a:fontRef idx="minor"/>
+        </p:style>
+        <p:txBody>
+          <a:bodyPr lIns="90000" tIns="45000" rIns="90000" bIns="45000" anchor="t">
+            <a:spAutoFit/>
+          </a:bodyPr>
+          <a:lstStyle/>
+          <a:p>
+            <a:pPr marL="228600" indent="-228600">
+              <a:lnSpc>
+                <a:spcPct val="90000"/>
+              </a:lnSpc>
+              <a:spcBef>
+                <a:spcPts val="1001"/>
+              </a:spcBef>
+              <a:buClr>
+                <a:srgbClr val="000000"/>
+              </a:buClr>
+              <a:buFont typeface="Arial"/>
+              <a:buChar char="•"/>
+            </a:pPr>
+            <a:r>
+              <a:rPr lang="en-US" sz="2000" b="0" strike="noStrike" spc="-1">
+                <a:solidFill>
+                  <a:srgbClr val="000000"/>
+                </a:solidFill>
+                <a:latin typeface="PingFang SC"/>
+                <a:ea typeface="等线"/>
+              </a:rPr>
+              <a:t>Phase 3</a:t>
+            </a:r>
+            <a:endParaRPr lang="en-US" sz="2000" b="0" strike="noStrike" spc="-1">
+              <a:solidFill>
+                <a:srgbClr val="000000"/>
+              </a:solidFill>
+              <a:latin typeface="Arial"/>
+            </a:endParaRPr>
+          </a:p>
+          <a:p>
+            <a:pPr>
+              <a:lnSpc>
+                <a:spcPct val="100000"/>
+              </a:lnSpc>
+              <a:tabLst>
+                <a:tab pos="0" algn="l"/>
+              </a:tabLst>
+            </a:pPr>
+            <a:r>
+              <a:rPr lang="en-US" sz="2000" b="0" strike="noStrike" spc="-1">
+                <a:solidFill>
+                  <a:srgbClr val="000000"/>
+                </a:solidFill>
+                <a:latin typeface="PingFang SC"/>
+                <a:ea typeface="等线"/>
+              </a:rPr>
+              <a:t>- Further optimization.</a:t>
+            </a:r>
+            <a:endParaRPr lang="en-US" sz="2000" b="0" strike="noStrike" spc="-1">
+              <a:solidFill>
+                <a:srgbClr val="000000"/>
+              </a:solidFill>
+              <a:latin typeface="Arial"/>
+            </a:endParaRPr>
+          </a:p>
+          <a:p>
+            <a:pPr>
+              <a:lnSpc>
+                <a:spcPct val="100000"/>
+              </a:lnSpc>
+              <a:tabLst>
+                <a:tab pos="0" algn="l"/>
+              </a:tabLst>
+            </a:pPr>
+            <a:endParaRPr lang="en-US" sz="2000" b="0" strike="noStrike" spc="-1">
+              <a:solidFill>
+                <a:srgbClr val="000000"/>
+              </a:solidFill>
+              <a:latin typeface="Arial"/>
+            </a:endParaRPr>
+          </a:p>
+          <a:p>
+            <a:pPr>
+              <a:lnSpc>
+                <a:spcPct val="100000"/>
+              </a:lnSpc>
+              <a:tabLst>
+                <a:tab pos="0" algn="l"/>
+              </a:tabLst>
+            </a:pPr>
+            <a:r>
+              <a:rPr lang="en-US" sz="2000" b="0" strike="noStrike" spc="-1">
+                <a:solidFill>
+                  <a:srgbClr val="000000"/>
+                </a:solidFill>
+                <a:latin typeface="PingFang SC"/>
+                <a:ea typeface="等线"/>
+              </a:rPr>
+              <a:t>- Thesis writing. </a:t>
+            </a:r>
+            <a:endParaRPr lang="en-US" sz="2000" b="0" strike="noStrike" spc="-1">
+              <a:solidFill>
+                <a:srgbClr val="000000"/>
+              </a:solidFill>
+              <a:latin typeface="Arial"/>
+            </a:endParaRPr>
+          </a:p>
+          <a:p>
+            <a:pPr>
+              <a:lnSpc>
+                <a:spcPct val="100000"/>
+              </a:lnSpc>
+              <a:tabLst>
+                <a:tab pos="0" algn="l"/>
+              </a:tabLst>
+            </a:pPr>
+            <a:endParaRPr lang="en-US" sz="2000" b="0" strike="noStrike" spc="-1">
+              <a:solidFill>
+                <a:srgbClr val="000000"/>
+              </a:solidFill>
+              <a:latin typeface="Arial"/>
+            </a:endParaRPr>
+          </a:p>
+        </p:txBody>
+      </p:sp>
+      <p:sp>
+        <p:nvSpPr>
+          <p:cNvPr id="148" name="文本框 20"/>
+          <p:cNvSpPr/>
+          <p:nvPr/>
+        </p:nvSpPr>
+        <p:spPr>
+          <a:xfrm>
+            <a:off x="1797480" y="2873160"/>
+            <a:ext cx="2426400" cy="336240"/>
+          </a:xfrm>
+          <a:prstGeom prst="rect">
+            <a:avLst/>
+          </a:prstGeom>
+          <a:noFill/>
+          <a:ln w="0">
+            <a:noFill/>
+          </a:ln>
+        </p:spPr>
+        <p:style>
+          <a:lnRef idx="0">
+            <a:scrgbClr r="0" g="0" b="0"/>
+          </a:lnRef>
+          <a:fillRef idx="0">
+            <a:scrgbClr r="0" g="0" b="0"/>
+          </a:fillRef>
+          <a:effectRef idx="0">
+            <a:scrgbClr r="0" g="0" b="0"/>
+          </a:effectRef>
+          <a:fontRef idx="minor"/>
+        </p:style>
+        <p:txBody>
+          <a:bodyPr lIns="90000" tIns="45000" rIns="90000" bIns="45000" anchor="t">
+            <a:spAutoFit/>
+          </a:bodyPr>
+          <a:lstStyle/>
+          <a:p>
+            <a:pPr algn="ctr">
+              <a:lnSpc>
+                <a:spcPct val="90000"/>
+              </a:lnSpc>
+              <a:spcBef>
+                <a:spcPts val="1001"/>
+              </a:spcBef>
+            </a:pPr>
+            <a:r>
+              <a:rPr lang="en-US" sz="1800" b="0" strike="noStrike" spc="-1">
+                <a:solidFill>
+                  <a:srgbClr val="000000"/>
+                </a:solidFill>
+                <a:latin typeface="PingFang SC"/>
+              </a:rPr>
+              <a:t>Phase 1</a:t>
+            </a:r>
+            <a:endParaRPr lang="en-US" sz="1800" b="0" strike="noStrike" spc="-1">
+              <a:solidFill>
+                <a:srgbClr val="000000"/>
+              </a:solidFill>
+              <a:latin typeface="Arial"/>
+            </a:endParaRPr>
+          </a:p>
+        </p:txBody>
+      </p:sp>
+      <p:sp>
+        <p:nvSpPr>
+          <p:cNvPr id="149" name="文本框 21"/>
+          <p:cNvSpPr/>
+          <p:nvPr/>
+        </p:nvSpPr>
+        <p:spPr>
+          <a:xfrm>
+            <a:off x="4688280" y="2873160"/>
+            <a:ext cx="2426400" cy="336240"/>
+          </a:xfrm>
+          <a:prstGeom prst="rect">
+            <a:avLst/>
+          </a:prstGeom>
+          <a:noFill/>
+          <a:ln w="0">
+            <a:noFill/>
+          </a:ln>
+        </p:spPr>
+        <p:style>
+          <a:lnRef idx="0">
+            <a:scrgbClr r="0" g="0" b="0"/>
+          </a:lnRef>
+          <a:fillRef idx="0">
+            <a:scrgbClr r="0" g="0" b="0"/>
+          </a:fillRef>
+          <a:effectRef idx="0">
+            <a:scrgbClr r="0" g="0" b="0"/>
+          </a:effectRef>
+          <a:fontRef idx="minor"/>
+        </p:style>
+        <p:txBody>
+          <a:bodyPr lIns="90000" tIns="45000" rIns="90000" bIns="45000" anchor="t">
+            <a:spAutoFit/>
+          </a:bodyPr>
+          <a:lstStyle/>
+          <a:p>
+            <a:pPr algn="ctr">
+              <a:lnSpc>
+                <a:spcPct val="90000"/>
+              </a:lnSpc>
+              <a:spcBef>
+                <a:spcPts val="1001"/>
+              </a:spcBef>
+            </a:pPr>
+            <a:r>
+              <a:rPr lang="en-US" sz="1800" b="0" strike="noStrike" spc="-1">
+                <a:solidFill>
+                  <a:srgbClr val="000000"/>
+                </a:solidFill>
+                <a:latin typeface="PingFang SC"/>
+                <a:ea typeface="等线"/>
+              </a:rPr>
+              <a:t>Phase 2</a:t>
+            </a:r>
+            <a:endParaRPr lang="en-US" sz="1800" b="0" strike="noStrike" spc="-1">
+              <a:solidFill>
+                <a:srgbClr val="000000"/>
+              </a:solidFill>
+              <a:latin typeface="Arial"/>
+            </a:endParaRPr>
+          </a:p>
+        </p:txBody>
+      </p:sp>
+      <p:sp>
+        <p:nvSpPr>
+          <p:cNvPr id="150" name="文本框 22"/>
+          <p:cNvSpPr/>
+          <p:nvPr/>
+        </p:nvSpPr>
+        <p:spPr>
+          <a:xfrm>
+            <a:off x="7874280" y="2893680"/>
+            <a:ext cx="2426400" cy="336240"/>
+          </a:xfrm>
+          <a:prstGeom prst="rect">
+            <a:avLst/>
+          </a:prstGeom>
+          <a:noFill/>
+          <a:ln w="0">
+            <a:noFill/>
+          </a:ln>
+        </p:spPr>
+        <p:style>
+          <a:lnRef idx="0">
+            <a:scrgbClr r="0" g="0" b="0"/>
+          </a:lnRef>
+          <a:fillRef idx="0">
+            <a:scrgbClr r="0" g="0" b="0"/>
+          </a:fillRef>
+          <a:effectRef idx="0">
+            <a:scrgbClr r="0" g="0" b="0"/>
+          </a:effectRef>
+          <a:fontRef idx="minor"/>
+        </p:style>
+        <p:txBody>
+          <a:bodyPr lIns="90000" tIns="45000" rIns="90000" bIns="45000" anchor="t">
+            <a:spAutoFit/>
+          </a:bodyPr>
+          <a:lstStyle/>
+          <a:p>
+            <a:pPr algn="ctr">
+              <a:lnSpc>
+                <a:spcPct val="90000"/>
+              </a:lnSpc>
+              <a:spcBef>
+                <a:spcPts val="1001"/>
+              </a:spcBef>
+            </a:pPr>
+            <a:r>
+              <a:rPr lang="en-US" sz="1800" b="0" strike="noStrike" spc="-1">
+                <a:solidFill>
+                  <a:srgbClr val="000000"/>
+                </a:solidFill>
+                <a:latin typeface="PingFang SC"/>
+                <a:ea typeface="等线"/>
+              </a:rPr>
+              <a:t>  Phase 3</a:t>
+            </a:r>
+            <a:endParaRPr lang="en-US" sz="1800" b="0" strike="noStrike" spc="-1">
+              <a:solidFill>
+                <a:srgbClr val="000000"/>
+              </a:solidFill>
+              <a:latin typeface="Arial"/>
+            </a:endParaRPr>
+          </a:p>
+        </p:txBody>
+      </p:sp>
+      <p:sp>
+        <p:nvSpPr>
+          <p:cNvPr id="151" name="椭圆形 9"/>
+          <p:cNvSpPr/>
+          <p:nvPr/>
+        </p:nvSpPr>
+        <p:spPr>
+          <a:xfrm>
+            <a:off x="1265040" y="2662920"/>
+            <a:ext cx="251640" cy="251640"/>
+          </a:xfrm>
+          <a:prstGeom prst="ellipse">
+            <a:avLst/>
+          </a:prstGeom>
+          <a:solidFill>
+            <a:srgbClr val="595959"/>
+          </a:solidFill>
+          <a:ln w="9525">
+            <a:solidFill>
+              <a:srgbClr val="656565"/>
+            </a:solidFill>
+            <a:round/>
+          </a:ln>
+          <a:effectLst>
+            <a:glow rad="63360">
+              <a:srgbClr val="656565">
+                <a:alpha val="40000"/>
+              </a:srgbClr>
+            </a:glow>
+          </a:effectLst>
+        </p:spPr>
+        <p:style>
+          <a:lnRef idx="0">
+            <a:scrgbClr r="0" g="0" b="0"/>
+          </a:lnRef>
+          <a:fillRef idx="0">
+            <a:scrgbClr r="0" g="0" b="0"/>
+          </a:fillRef>
+          <a:effectRef idx="0">
+            <a:scrgbClr r="0" g="0" b="0"/>
+          </a:effectRef>
+          <a:fontRef idx="minor"/>
+        </p:style>
+        <p:txBody>
+          <a:bodyPr lIns="90000" tIns="45000" rIns="90000" bIns="45000" anchor="t">
+            <a:noAutofit/>
+          </a:bodyPr>
+          <a:lstStyle/>
+          <a:p>
+            <a:pPr>
+              <a:lnSpc>
+                <a:spcPct val="100000"/>
+              </a:lnSpc>
+              <a:tabLst>
+                <a:tab pos="0" algn="l"/>
+              </a:tabLst>
+            </a:pPr>
+            <a:endParaRPr lang="en-US" sz="2400" b="0" strike="noStrike" spc="-1">
+              <a:solidFill>
+                <a:srgbClr val="000000"/>
+              </a:solidFill>
+              <a:latin typeface="PingFang SC"/>
+              <a:ea typeface="Microsoft YaHei UI"/>
+            </a:endParaRPr>
+          </a:p>
+        </p:txBody>
+      </p:sp>
+      <p:sp>
+        <p:nvSpPr>
+          <p:cNvPr id="152" name="Isosceles Triangle 151"/>
+          <p:cNvSpPr/>
+          <p:nvPr/>
+        </p:nvSpPr>
+        <p:spPr>
+          <a:xfrm rot="19800">
+            <a:off x="4246560" y="2999520"/>
+            <a:ext cx="398160" cy="398160"/>
+          </a:xfrm>
+          <a:prstGeom prst="triangle">
+            <a:avLst>
+              <a:gd name="adj" fmla="val 50000"/>
+            </a:avLst>
+          </a:prstGeom>
+          <a:solidFill>
+            <a:schemeClr val="accent1"/>
+          </a:solidFill>
+          <a:ln w="0">
+            <a:solidFill>
+              <a:srgbClr val="203864"/>
+            </a:solidFill>
+          </a:ln>
+        </p:spPr>
+        <p:style>
+          <a:lnRef idx="0">
+            <a:scrgbClr r="0" g="0" b="0"/>
+          </a:lnRef>
+          <a:fillRef idx="0">
+            <a:scrgbClr r="0" g="0" b="0"/>
+          </a:fillRef>
+          <a:effectRef idx="0">
+            <a:scrgbClr r="0" g="0" b="0"/>
+          </a:effectRef>
+          <a:fontRef idx="minor"/>
+        </p:style>
+        <p:txBody>
+          <a:bodyPr lIns="90000" tIns="45000" rIns="90000" bIns="45000" anchor="ctr">
+            <a:noAutofit/>
+          </a:bodyPr>
+          <a:lstStyle/>
+          <a:p>
+            <a:endParaRPr lang="en-US" sz="1800" b="0" strike="noStrike" spc="-1">
+              <a:solidFill>
+                <a:srgbClr val="000000"/>
+              </a:solidFill>
+              <a:latin typeface="Arial"/>
+            </a:endParaRPr>
+          </a:p>
+        </p:txBody>
+      </p:sp>
+    </p:spTree>
+  </p:cSld>
+  <p:clrMapOvr>
+    <a:masterClrMapping/>
+  </p:clrMapOvr>
+</p:sld>
+</file>
+
+<file path=ppt/slides/slide19.xml><?xml version="1.0" encoding="utf-8"?>
 <p:sld xmlns:a="http://schemas.openxmlformats.org/drawingml/2006/main" xmlns:r="http://schemas.openxmlformats.org/officeDocument/2006/relationships" xmlns:p="http://schemas.openxmlformats.org/presentationml/2006/main">
   <p:cSld>
     <p:spTree>
@@ -9246,7 +10032,8 @@
           <a:p>
             <a:r>
               <a:rPr lang="en-US" altLang="zh-CN" sz="4000" dirty="0">
-                <a:latin typeface="PingFang SC"/>
+                <a:latin typeface="Times New Roman" panose="02020603050405020304" pitchFamily="18" charset="0"/>
+                <a:cs typeface="Times New Roman" panose="02020603050405020304" pitchFamily="18" charset="0"/>
               </a:rPr>
               <a:t> Background </a:t>
             </a:r>
@@ -9255,7 +10042,8 @@
             <a:pPr lvl="1"/>
             <a:r>
               <a:rPr lang="en-US" altLang="zh-CN" sz="3600" dirty="0">
-                <a:latin typeface="PingFang SC"/>
+                <a:latin typeface="Times New Roman" panose="02020603050405020304" pitchFamily="18" charset="0"/>
+                <a:cs typeface="Times New Roman" panose="02020603050405020304" pitchFamily="18" charset="0"/>
               </a:rPr>
               <a:t> Multi-objective optimization</a:t>
             </a:r>
@@ -9264,7 +10052,8 @@
             <a:pPr lvl="1"/>
             <a:r>
               <a:rPr lang="en-US" altLang="zh-CN" sz="3600" dirty="0">
-                <a:latin typeface="PingFang SC"/>
+                <a:latin typeface="Times New Roman" panose="02020603050405020304" pitchFamily="18" charset="0"/>
+                <a:cs typeface="Times New Roman" panose="02020603050405020304" pitchFamily="18" charset="0"/>
               </a:rPr>
               <a:t> Evolutionary algorithm</a:t>
             </a:r>
@@ -9276,12 +10065,14 @@
                 <a:effectLst>
                   <a:reflection endPos="0" dir="5400000" sy="-100000" algn="bl" rotWithShape="0"/>
                 </a:effectLst>
-                <a:latin typeface="PingFang SC"/>
+                <a:latin typeface="Times New Roman" panose="02020603050405020304" pitchFamily="18" charset="0"/>
+                <a:cs typeface="Times New Roman" panose="02020603050405020304" pitchFamily="18" charset="0"/>
               </a:rPr>
               <a:t> Gradient-based algorithm</a:t>
             </a:r>
             <a:endParaRPr lang="en-US" altLang="zh-CN" sz="3600" dirty="0">
-              <a:latin typeface="PingFang SC"/>
+              <a:latin typeface="Times New Roman" panose="02020603050405020304" pitchFamily="18" charset="0"/>
+              <a:cs typeface="Times New Roman" panose="02020603050405020304" pitchFamily="18" charset="0"/>
             </a:endParaRPr>
           </a:p>
           <a:p>
@@ -9290,7 +10081,8 @@
                 <a:effectLst>
                   <a:reflection endPos="0" dir="5400000" sy="-100000" algn="bl" rotWithShape="0"/>
                 </a:effectLst>
-                <a:latin typeface="PingFang SC"/>
+                <a:latin typeface="Times New Roman" panose="02020603050405020304" pitchFamily="18" charset="0"/>
+                <a:cs typeface="Times New Roman" panose="02020603050405020304" pitchFamily="18" charset="0"/>
               </a:rPr>
               <a:t> Basic ideas</a:t>
             </a:r>
@@ -9301,7 +10093,8 @@
                 <a:effectLst>
                   <a:reflection endPos="0" dir="5400000" sy="-100000" algn="bl" rotWithShape="0"/>
                 </a:effectLst>
-                <a:latin typeface="PingFang SC"/>
+                <a:latin typeface="Times New Roman" panose="02020603050405020304" pitchFamily="18" charset="0"/>
+                <a:cs typeface="Times New Roman" panose="02020603050405020304" pitchFamily="18" charset="0"/>
               </a:rPr>
               <a:t> Timeline</a:t>
             </a:r>
@@ -9312,7 +10105,8 @@
                 <a:effectLst>
                   <a:reflection endPos="0" dir="5400000" sy="-100000" algn="bl" rotWithShape="0"/>
                 </a:effectLst>
-                <a:latin typeface="PingFang SC"/>
+                <a:latin typeface="Times New Roman" panose="02020603050405020304" pitchFamily="18" charset="0"/>
+                <a:cs typeface="Times New Roman" panose="02020603050405020304" pitchFamily="18" charset="0"/>
               </a:rPr>
               <a:t> Evaluation methods</a:t>
             </a:r>
@@ -9412,7 +10206,8 @@
           <a:p>
             <a:r>
               <a:rPr lang="en-US" altLang="zh-CN" sz="3600" dirty="0">
-                <a:latin typeface="PingFang SC"/>
+                <a:latin typeface="Times New Roman" panose="02020603050405020304" pitchFamily="18" charset="0"/>
+                <a:cs typeface="Times New Roman" panose="02020603050405020304" pitchFamily="18" charset="0"/>
               </a:rPr>
               <a:t>Multi-objective optimization</a:t>
             </a:r>
@@ -9420,7 +10215,8 @@
           <a:p>
             <a:r>
               <a:rPr lang="en-US" altLang="zh-CN" dirty="0">
-                <a:latin typeface="PingFang SC"/>
+                <a:latin typeface="Times New Roman" panose="02020603050405020304" pitchFamily="18" charset="0"/>
+                <a:cs typeface="Times New Roman" panose="02020603050405020304" pitchFamily="18" charset="0"/>
               </a:rPr>
               <a:t>Optimization problem that involves multiple objective functions to be optimized simultaneously. </a:t>
             </a:r>
@@ -9428,7 +10224,8 @@
           <a:p>
             <a:r>
               <a:rPr lang="en-US" altLang="zh-CN" dirty="0">
-                <a:latin typeface="PingFang SC"/>
+                <a:latin typeface="Times New Roman" panose="02020603050405020304" pitchFamily="18" charset="0"/>
+                <a:cs typeface="Times New Roman" panose="02020603050405020304" pitchFamily="18" charset="0"/>
               </a:rPr>
               <a:t>(Different from single-objective optimization) multi-objective optimization aims to obtain a set of trade-off optimal solutions. </a:t>
             </a:r>
@@ -9436,14 +10233,16 @@
           <a:p>
             <a:r>
               <a:rPr lang="en-US" altLang="zh-CN" dirty="0">
-                <a:latin typeface="PingFang SC"/>
+                <a:latin typeface="Times New Roman" panose="02020603050405020304" pitchFamily="18" charset="0"/>
+                <a:cs typeface="Times New Roman" panose="02020603050405020304" pitchFamily="18" charset="0"/>
               </a:rPr>
               <a:t>In math terms,</a:t>
             </a:r>
           </a:p>
           <a:p>
             <a:endParaRPr lang="en-US" altLang="zh-CN" dirty="0">
-              <a:latin typeface="PingFang SC"/>
+              <a:latin typeface="Times New Roman" panose="02020603050405020304" pitchFamily="18" charset="0"/>
+              <a:cs typeface="Times New Roman" panose="02020603050405020304" pitchFamily="18" charset="0"/>
             </a:endParaRPr>
           </a:p>
           <a:p>
@@ -9451,7 +10250,8 @@
               <a:buNone/>
             </a:pPr>
             <a:endParaRPr lang="en-US" altLang="zh-CN" dirty="0">
-              <a:latin typeface="PingFang SC"/>
+              <a:latin typeface="Times New Roman" panose="02020603050405020304" pitchFamily="18" charset="0"/>
+              <a:cs typeface="Times New Roman" panose="02020603050405020304" pitchFamily="18" charset="0"/>
             </a:endParaRPr>
           </a:p>
           <a:p>
@@ -9460,48 +10260,56 @@
             </a:pPr>
             <a:r>
               <a:rPr lang="en-US" altLang="zh-CN" sz="2200" dirty="0">
-                <a:latin typeface="PingFang SC"/>
+                <a:latin typeface="Times New Roman" panose="02020603050405020304" pitchFamily="18" charset="0"/>
+                <a:cs typeface="Times New Roman" panose="02020603050405020304" pitchFamily="18" charset="0"/>
               </a:rPr>
               <a:t>where the integer </a:t>
             </a:r>
             <a:r>
               <a:rPr lang="en-US" altLang="zh-CN" sz="2200" b="1" dirty="0">
-                <a:latin typeface="PingFang SC"/>
+                <a:latin typeface="Times New Roman" panose="02020603050405020304" pitchFamily="18" charset="0"/>
+                <a:cs typeface="Times New Roman" panose="02020603050405020304" pitchFamily="18" charset="0"/>
               </a:rPr>
               <a:t>k</a:t>
             </a:r>
             <a:r>
               <a:rPr lang="en-US" altLang="zh-CN" sz="2200" dirty="0">
-                <a:latin typeface="PingFang SC"/>
+                <a:latin typeface="Times New Roman" panose="02020603050405020304" pitchFamily="18" charset="0"/>
+                <a:cs typeface="Times New Roman" panose="02020603050405020304" pitchFamily="18" charset="0"/>
               </a:rPr>
               <a:t> is the number of objectives and the set </a:t>
             </a:r>
             <a:r>
               <a:rPr lang="en-US" altLang="zh-CN" sz="2200" b="1" dirty="0">
-                <a:latin typeface="PingFang SC"/>
+                <a:latin typeface="Times New Roman" panose="02020603050405020304" pitchFamily="18" charset="0"/>
+                <a:cs typeface="Times New Roman" panose="02020603050405020304" pitchFamily="18" charset="0"/>
               </a:rPr>
               <a:t>X</a:t>
             </a:r>
             <a:r>
               <a:rPr lang="en-US" altLang="zh-CN" sz="2200" dirty="0">
-                <a:latin typeface="PingFang SC"/>
+                <a:latin typeface="Times New Roman" panose="02020603050405020304" pitchFamily="18" charset="0"/>
+                <a:cs typeface="Times New Roman" panose="02020603050405020304" pitchFamily="18" charset="0"/>
               </a:rPr>
               <a:t> is the feasible set of solutions, which is typically defined by some constraint functions. In addition, </a:t>
             </a:r>
             <a:r>
               <a:rPr lang="en-US" altLang="zh-CN" sz="2200" b="1" dirty="0">
-                <a:latin typeface="PingFang SC"/>
+                <a:latin typeface="Times New Roman" panose="02020603050405020304" pitchFamily="18" charset="0"/>
+                <a:cs typeface="Times New Roman" panose="02020603050405020304" pitchFamily="18" charset="0"/>
               </a:rPr>
               <a:t>f</a:t>
             </a:r>
             <a:r>
               <a:rPr lang="en-US" altLang="zh-CN" sz="2200" dirty="0">
-                <a:latin typeface="PingFang SC"/>
+                <a:latin typeface="Times New Roman" panose="02020603050405020304" pitchFamily="18" charset="0"/>
+                <a:cs typeface="Times New Roman" panose="02020603050405020304" pitchFamily="18" charset="0"/>
               </a:rPr>
               <a:t> is the vector-valued objective function. </a:t>
             </a:r>
             <a:endParaRPr lang="zh-CN" altLang="en-US" sz="2200" dirty="0">
-              <a:latin typeface="PingFang SC"/>
+              <a:latin typeface="Times New Roman" panose="02020603050405020304" pitchFamily="18" charset="0"/>
+              <a:cs typeface="Times New Roman" panose="02020603050405020304" pitchFamily="18" charset="0"/>
             </a:endParaRPr>
           </a:p>
         </p:txBody>
@@ -9635,7 +10443,8 @@
           <a:p>
             <a:r>
               <a:rPr lang="en-US" altLang="zh-CN" sz="3200" dirty="0">
-                <a:latin typeface="PingFang SC"/>
+                <a:latin typeface="Times New Roman" panose="02020603050405020304" pitchFamily="18" charset="0"/>
+                <a:cs typeface="Times New Roman" panose="02020603050405020304" pitchFamily="18" charset="0"/>
               </a:rPr>
               <a:t>Multi-objective optimization</a:t>
             </a:r>
@@ -9643,7 +10452,8 @@
           <a:p>
             <a:r>
               <a:rPr lang="en-US" altLang="zh-CN" dirty="0">
-                <a:latin typeface="PingFang SC"/>
+                <a:latin typeface="Times New Roman" panose="02020603050405020304" pitchFamily="18" charset="0"/>
+                <a:cs typeface="Times New Roman" panose="02020603050405020304" pitchFamily="18" charset="0"/>
               </a:rPr>
               <a:t>Aims to obtain a set of trade-off optimal solutions</a:t>
             </a:r>
@@ -9652,7 +10462,8 @@
             <a:pPr lvl="1"/>
             <a:r>
               <a:rPr lang="en-US" altLang="zh-CN" dirty="0">
-                <a:latin typeface="PingFang SC"/>
+                <a:latin typeface="Times New Roman" panose="02020603050405020304" pitchFamily="18" charset="0"/>
+                <a:cs typeface="Times New Roman" panose="02020603050405020304" pitchFamily="18" charset="0"/>
               </a:rPr>
               <a:t>Focus on the Pareto-optimal (non-dominated) solutions </a:t>
             </a:r>
@@ -9661,44 +10472,51 @@
             <a:pPr lvl="1"/>
             <a:r>
               <a:rPr lang="en-US" altLang="zh-CN" dirty="0">
-                <a:latin typeface="PingFang SC"/>
+                <a:latin typeface="Times New Roman" panose="02020603050405020304" pitchFamily="18" charset="0"/>
+                <a:cs typeface="Times New Roman" panose="02020603050405020304" pitchFamily="18" charset="0"/>
               </a:rPr>
               <a:t>Try to approach the </a:t>
             </a:r>
             <a:r>
               <a:rPr lang="en-US" altLang="zh-CN" b="1" dirty="0">
-                <a:latin typeface="PingFang SC"/>
+                <a:latin typeface="Times New Roman" panose="02020603050405020304" pitchFamily="18" charset="0"/>
+                <a:cs typeface="Times New Roman" panose="02020603050405020304" pitchFamily="18" charset="0"/>
               </a:rPr>
               <a:t>Pareto front</a:t>
             </a:r>
           </a:p>
           <a:p>
             <a:endParaRPr lang="en-US" altLang="zh-CN" dirty="0">
-              <a:latin typeface="PingFang SC"/>
+              <a:latin typeface="Times New Roman" panose="02020603050405020304" pitchFamily="18" charset="0"/>
+              <a:cs typeface="Times New Roman" panose="02020603050405020304" pitchFamily="18" charset="0"/>
             </a:endParaRPr>
           </a:p>
           <a:p>
             <a:r>
               <a:rPr lang="en-US" altLang="zh-CN" dirty="0">
-                <a:latin typeface="PingFang SC"/>
+                <a:latin typeface="Times New Roman" panose="02020603050405020304" pitchFamily="18" charset="0"/>
+                <a:cs typeface="Times New Roman" panose="02020603050405020304" pitchFamily="18" charset="0"/>
               </a:rPr>
               <a:t>Example of a </a:t>
             </a:r>
             <a:r>
               <a:rPr lang="en-US" altLang="zh-CN" b="1" dirty="0">
-                <a:latin typeface="PingFang SC"/>
+                <a:latin typeface="Times New Roman" panose="02020603050405020304" pitchFamily="18" charset="0"/>
+                <a:cs typeface="Times New Roman" panose="02020603050405020304" pitchFamily="18" charset="0"/>
               </a:rPr>
               <a:t>Pareto front</a:t>
             </a:r>
             <a:endParaRPr lang="en-US" altLang="zh-CN" dirty="0">
-              <a:latin typeface="PingFang SC"/>
+              <a:latin typeface="Times New Roman" panose="02020603050405020304" pitchFamily="18" charset="0"/>
+              <a:cs typeface="Times New Roman" panose="02020603050405020304" pitchFamily="18" charset="0"/>
             </a:endParaRPr>
           </a:p>
           <a:p>
             <a:pPr lvl="1"/>
             <a:r>
               <a:rPr lang="en-US" altLang="zh-CN" dirty="0">
-                <a:latin typeface="PingFang SC"/>
+                <a:latin typeface="Times New Roman" panose="02020603050405020304" pitchFamily="18" charset="0"/>
+                <a:cs typeface="Times New Roman" panose="02020603050405020304" pitchFamily="18" charset="0"/>
               </a:rPr>
               <a:t>Both A and B dominate C, and not dominated </a:t>
             </a:r>
@@ -9709,7 +10527,8 @@
             </a:pPr>
             <a:r>
               <a:rPr lang="en-US" altLang="zh-CN" dirty="0">
-                <a:latin typeface="PingFang SC"/>
+                <a:latin typeface="Times New Roman" panose="02020603050405020304" pitchFamily="18" charset="0"/>
+                <a:cs typeface="Times New Roman" panose="02020603050405020304" pitchFamily="18" charset="0"/>
               </a:rPr>
               <a:t>    by other solutions. </a:t>
             </a:r>
@@ -9839,73 +10658,85 @@
           <a:lstStyle/>
           <a:p>
             <a:endParaRPr lang="en-US" altLang="zh-CN" dirty="0">
-              <a:latin typeface="PingFang SC"/>
+              <a:latin typeface="Times New Roman" panose="02020603050405020304" pitchFamily="18" charset="0"/>
+              <a:cs typeface="Times New Roman" panose="02020603050405020304" pitchFamily="18" charset="0"/>
             </a:endParaRPr>
           </a:p>
           <a:p>
             <a:r>
               <a:rPr lang="en-US" altLang="zh-CN" b="1" dirty="0">
-                <a:latin typeface="PingFang SC"/>
+                <a:latin typeface="Times New Roman" panose="02020603050405020304" pitchFamily="18" charset="0"/>
+                <a:cs typeface="Times New Roman" panose="02020603050405020304" pitchFamily="18" charset="0"/>
               </a:rPr>
               <a:t>Evolutionary </a:t>
             </a:r>
             <a:r>
               <a:rPr lang="en-US" altLang="zh-CN" dirty="0">
-                <a:latin typeface="PingFang SC"/>
+                <a:latin typeface="Times New Roman" panose="02020603050405020304" pitchFamily="18" charset="0"/>
+                <a:cs typeface="Times New Roman" panose="02020603050405020304" pitchFamily="18" charset="0"/>
               </a:rPr>
               <a:t>algorithm and </a:t>
             </a:r>
             <a:r>
               <a:rPr lang="en-US" altLang="zh-CN" b="1" dirty="0">
-                <a:latin typeface="PingFang SC"/>
+                <a:latin typeface="Times New Roman" panose="02020603050405020304" pitchFamily="18" charset="0"/>
+                <a:cs typeface="Times New Roman" panose="02020603050405020304" pitchFamily="18" charset="0"/>
               </a:rPr>
               <a:t>gradient-based</a:t>
             </a:r>
             <a:r>
               <a:rPr lang="en-US" altLang="zh-CN" dirty="0">
-                <a:latin typeface="PingFang SC"/>
+                <a:latin typeface="Times New Roman" panose="02020603050405020304" pitchFamily="18" charset="0"/>
+                <a:cs typeface="Times New Roman" panose="02020603050405020304" pitchFamily="18" charset="0"/>
               </a:rPr>
               <a:t> algorithm have been applied to solve multi-objective optimization problems. </a:t>
             </a:r>
           </a:p>
           <a:p>
             <a:endParaRPr lang="en-US" altLang="zh-CN" dirty="0">
-              <a:latin typeface="PingFang SC"/>
+              <a:latin typeface="Times New Roman" panose="02020603050405020304" pitchFamily="18" charset="0"/>
+              <a:cs typeface="Times New Roman" panose="02020603050405020304" pitchFamily="18" charset="0"/>
             </a:endParaRPr>
           </a:p>
           <a:p>
             <a:r>
               <a:rPr lang="en-US" altLang="zh-CN" dirty="0">
-                <a:latin typeface="PingFang SC"/>
+                <a:latin typeface="Times New Roman" panose="02020603050405020304" pitchFamily="18" charset="0"/>
+                <a:cs typeface="Times New Roman" panose="02020603050405020304" pitchFamily="18" charset="0"/>
               </a:rPr>
               <a:t>In this project, we will try to develop an efficient algorithm by </a:t>
             </a:r>
             <a:r>
               <a:rPr lang="en-US" altLang="zh-CN" b="1" dirty="0">
-                <a:latin typeface="PingFang SC"/>
+                <a:latin typeface="Times New Roman" panose="02020603050405020304" pitchFamily="18" charset="0"/>
+                <a:cs typeface="Times New Roman" panose="02020603050405020304" pitchFamily="18" charset="0"/>
               </a:rPr>
               <a:t>hybridizing</a:t>
             </a:r>
             <a:r>
               <a:rPr lang="en-US" altLang="zh-CN" dirty="0">
-                <a:latin typeface="PingFang SC"/>
+                <a:latin typeface="Times New Roman" panose="02020603050405020304" pitchFamily="18" charset="0"/>
+                <a:cs typeface="Times New Roman" panose="02020603050405020304" pitchFamily="18" charset="0"/>
               </a:rPr>
               <a:t> evolutionary algorithms and gradient-based algorithms. Then, the developed algorithm will be tested on benchmark problems and real-world applications (</a:t>
             </a:r>
             <a:r>
               <a:rPr lang="en-US" altLang="zh-CN" dirty="0" err="1">
-                <a:latin typeface="PingFang SC"/>
+                <a:latin typeface="Times New Roman" panose="02020603050405020304" pitchFamily="18" charset="0"/>
+                <a:cs typeface="Times New Roman" panose="02020603050405020304" pitchFamily="18" charset="0"/>
               </a:rPr>
               <a:t>e.g</a:t>
             </a:r>
             <a:r>
               <a:rPr lang="en-US" altLang="zh-CN" dirty="0">
-                <a:latin typeface="PingFang SC"/>
+                <a:latin typeface="Times New Roman" panose="02020603050405020304" pitchFamily="18" charset="0"/>
+                <a:cs typeface="Times New Roman" panose="02020603050405020304" pitchFamily="18" charset="0"/>
               </a:rPr>
               <a:t>, multi-task learning, multi-objective reinforcement learning). </a:t>
             </a:r>
             <a:endParaRPr lang="zh-CN" altLang="en-US" dirty="0">
-              <a:latin typeface="PingFang SC"/>
+              <a:latin typeface="Times New Roman" panose="02020603050405020304" pitchFamily="18" charset="0"/>
+              <a:cs typeface="Times New Roman" panose="02020603050405020304" pitchFamily="18" charset="0"/>
             </a:endParaRPr>
           </a:p>
         </p:txBody>
@@ -10002,13 +10833,15 @@
           <a:lstStyle/>
           <a:p>
             <a:endParaRPr lang="en-US" altLang="zh-CN" dirty="0">
-              <a:latin typeface="PingFang SC"/>
+              <a:latin typeface="Times New Roman" panose="02020603050405020304" pitchFamily="18" charset="0"/>
+              <a:cs typeface="Times New Roman" panose="02020603050405020304" pitchFamily="18" charset="0"/>
             </a:endParaRPr>
           </a:p>
           <a:p>
             <a:r>
               <a:rPr lang="en-US" altLang="zh-CN" dirty="0">
-                <a:latin typeface="PingFang SC"/>
+                <a:latin typeface="Times New Roman" panose="02020603050405020304" pitchFamily="18" charset="0"/>
+                <a:cs typeface="Times New Roman" panose="02020603050405020304" pitchFamily="18" charset="0"/>
               </a:rPr>
               <a:t>Evolutionary algorithm</a:t>
             </a:r>
@@ -10017,7 +10850,8 @@
             <a:pPr lvl="1"/>
             <a:r>
               <a:rPr lang="en-US" altLang="zh-CN" dirty="0">
-                <a:latin typeface="PingFang SC"/>
+                <a:latin typeface="Times New Roman" panose="02020603050405020304" pitchFamily="18" charset="0"/>
+                <a:cs typeface="Times New Roman" panose="02020603050405020304" pitchFamily="18" charset="0"/>
               </a:rPr>
               <a:t>Dominance-based: NSGA-II</a:t>
             </a:r>
@@ -10026,7 +10860,8 @@
             <a:pPr lvl="1"/>
             <a:r>
               <a:rPr lang="en-US" altLang="zh-CN" dirty="0">
-                <a:latin typeface="PingFang SC"/>
+                <a:latin typeface="Times New Roman" panose="02020603050405020304" pitchFamily="18" charset="0"/>
+                <a:cs typeface="Times New Roman" panose="02020603050405020304" pitchFamily="18" charset="0"/>
               </a:rPr>
               <a:t>Decomposition-based: MOEA/D</a:t>
             </a:r>
@@ -10035,7 +10870,8 @@
             <a:pPr lvl="1"/>
             <a:r>
               <a:rPr lang="en-US" altLang="zh-CN" dirty="0">
-                <a:latin typeface="PingFang SC"/>
+                <a:latin typeface="Times New Roman" panose="02020603050405020304" pitchFamily="18" charset="0"/>
+                <a:cs typeface="Times New Roman" panose="02020603050405020304" pitchFamily="18" charset="0"/>
               </a:rPr>
               <a:t>Indicator-based: SMS-EMOA</a:t>
             </a:r>
@@ -10235,13 +11071,15 @@
           </a:lstStyle>
           <a:p>
             <a:endParaRPr lang="en-US" altLang="zh-CN" dirty="0">
-              <a:latin typeface="PingFang SC"/>
+              <a:latin typeface="Times New Roman" panose="02020603050405020304" pitchFamily="18" charset="0"/>
+              <a:cs typeface="Times New Roman" panose="02020603050405020304" pitchFamily="18" charset="0"/>
             </a:endParaRPr>
           </a:p>
           <a:p>
             <a:r>
               <a:rPr lang="en-US" altLang="zh-CN" dirty="0">
-                <a:latin typeface="PingFang SC"/>
+                <a:latin typeface="Times New Roman" panose="02020603050405020304" pitchFamily="18" charset="0"/>
+                <a:cs typeface="Times New Roman" panose="02020603050405020304" pitchFamily="18" charset="0"/>
               </a:rPr>
               <a:t>Gradient-based algorithm</a:t>
             </a:r>
@@ -10250,7 +11088,8 @@
             <a:pPr lvl="1"/>
             <a:r>
               <a:rPr lang="en-US" altLang="zh-CN" dirty="0">
-                <a:latin typeface="PingFang SC"/>
+                <a:latin typeface="Times New Roman" panose="02020603050405020304" pitchFamily="18" charset="0"/>
+                <a:cs typeface="Times New Roman" panose="02020603050405020304" pitchFamily="18" charset="0"/>
               </a:rPr>
               <a:t>Dominance-based: MGD</a:t>
             </a:r>
@@ -10259,7 +11098,8 @@
             <a:pPr lvl="1"/>
             <a:r>
               <a:rPr lang="en-US" altLang="zh-CN" dirty="0">
-                <a:latin typeface="PingFang SC"/>
+                <a:latin typeface="Times New Roman" panose="02020603050405020304" pitchFamily="18" charset="0"/>
+                <a:cs typeface="Times New Roman" panose="02020603050405020304" pitchFamily="18" charset="0"/>
               </a:rPr>
               <a:t>Decomposition-based: PSL</a:t>
             </a:r>
@@ -10268,7 +11108,8 @@
             <a:pPr lvl="1"/>
             <a:r>
               <a:rPr lang="en-US" altLang="zh-CN" dirty="0">
-                <a:latin typeface="PingFang SC"/>
+                <a:latin typeface="Times New Roman" panose="02020603050405020304" pitchFamily="18" charset="0"/>
+                <a:cs typeface="Times New Roman" panose="02020603050405020304" pitchFamily="18" charset="0"/>
               </a:rPr>
               <a:t>Indicator-based: HV gradient</a:t>
             </a:r>
@@ -10277,7 +11118,8 @@
             <a:pPr lvl="1"/>
             <a:r>
               <a:rPr lang="en-US" altLang="zh-CN" dirty="0">
-                <a:latin typeface="PingFang SC"/>
+                <a:latin typeface="Times New Roman" panose="02020603050405020304" pitchFamily="18" charset="0"/>
+                <a:cs typeface="Times New Roman" panose="02020603050405020304" pitchFamily="18" charset="0"/>
               </a:rPr>
               <a:t>… …</a:t>
             </a:r>
@@ -10372,14 +11214,16 @@
           <a:p>
             <a:r>
               <a:rPr lang="en-US" altLang="zh-CN" dirty="0">
-                <a:latin typeface="PingFang SC"/>
+                <a:latin typeface="Times New Roman" panose="02020603050405020304" pitchFamily="18" charset="0"/>
+                <a:cs typeface="Times New Roman" panose="02020603050405020304" pitchFamily="18" charset="0"/>
               </a:rPr>
               <a:t>NSGA-II</a:t>
             </a:r>
           </a:p>
           <a:p>
             <a:endParaRPr lang="zh-CN" altLang="en-US" dirty="0">
-              <a:latin typeface="PingFang SC"/>
+              <a:latin typeface="Times New Roman" panose="02020603050405020304" pitchFamily="18" charset="0"/>
+              <a:cs typeface="Times New Roman" panose="02020603050405020304" pitchFamily="18" charset="0"/>
             </a:endParaRPr>
           </a:p>
         </p:txBody>
@@ -10791,55 +11635,64 @@
           <a:p>
             <a:r>
               <a:rPr lang="en-US" altLang="zh-CN" dirty="0">
-                <a:latin typeface="PingFang SC"/>
+                <a:latin typeface="Times New Roman" panose="02020603050405020304" pitchFamily="18" charset="0"/>
+                <a:cs typeface="Times New Roman" panose="02020603050405020304" pitchFamily="18" charset="0"/>
               </a:rPr>
               <a:t>Multiple Gradient Descent</a:t>
             </a:r>
           </a:p>
           <a:p>
             <a:endParaRPr lang="en-US" altLang="zh-CN" dirty="0">
-              <a:latin typeface="PingFang SC"/>
+              <a:latin typeface="Times New Roman" panose="02020603050405020304" pitchFamily="18" charset="0"/>
+              <a:cs typeface="Times New Roman" panose="02020603050405020304" pitchFamily="18" charset="0"/>
             </a:endParaRPr>
           </a:p>
           <a:p>
             <a:r>
               <a:rPr lang="en-US" altLang="zh-CN" dirty="0">
-                <a:latin typeface="PingFang SC"/>
+                <a:latin typeface="Times New Roman" panose="02020603050405020304" pitchFamily="18" charset="0"/>
+                <a:cs typeface="Times New Roman" panose="02020603050405020304" pitchFamily="18" charset="0"/>
               </a:rPr>
               <a:t>KKT condition</a:t>
             </a:r>
           </a:p>
           <a:p>
             <a:endParaRPr lang="en-US" altLang="zh-CN" dirty="0">
-              <a:latin typeface="PingFang SC"/>
+              <a:latin typeface="Times New Roman" panose="02020603050405020304" pitchFamily="18" charset="0"/>
+              <a:cs typeface="Times New Roman" panose="02020603050405020304" pitchFamily="18" charset="0"/>
             </a:endParaRPr>
           </a:p>
           <a:p>
             <a:endParaRPr lang="en-US" altLang="zh-CN" dirty="0">
-              <a:latin typeface="PingFang SC"/>
+              <a:latin typeface="Times New Roman" panose="02020603050405020304" pitchFamily="18" charset="0"/>
+              <a:cs typeface="Times New Roman" panose="02020603050405020304" pitchFamily="18" charset="0"/>
             </a:endParaRPr>
           </a:p>
           <a:p>
             <a:endParaRPr lang="en-US" altLang="zh-CN" dirty="0">
-              <a:latin typeface="PingFang SC"/>
+              <a:latin typeface="Times New Roman" panose="02020603050405020304" pitchFamily="18" charset="0"/>
+              <a:cs typeface="Times New Roman" panose="02020603050405020304" pitchFamily="18" charset="0"/>
             </a:endParaRPr>
           </a:p>
           <a:p>
             <a:r>
               <a:rPr lang="en-US" altLang="zh-CN" dirty="0">
-                <a:latin typeface="PingFang SC"/>
+                <a:latin typeface="Times New Roman" panose="02020603050405020304" pitchFamily="18" charset="0"/>
+                <a:cs typeface="Times New Roman" panose="02020603050405020304" pitchFamily="18" charset="0"/>
               </a:rPr>
               <a:t>Optimization</a:t>
             </a:r>
           </a:p>
           <a:p>
             <a:endParaRPr lang="en-US" altLang="zh-CN" dirty="0">
-              <a:latin typeface="PingFang SC"/>
+              <a:latin typeface="Times New Roman" panose="02020603050405020304" pitchFamily="18" charset="0"/>
+              <a:cs typeface="Times New Roman" panose="02020603050405020304" pitchFamily="18" charset="0"/>
             </a:endParaRPr>
           </a:p>
           <a:p>
             <a:endParaRPr lang="en-US" altLang="zh-CN" dirty="0">
-              <a:latin typeface="PingFang SC"/>
+              <a:latin typeface="Times New Roman" panose="02020603050405020304" pitchFamily="18" charset="0"/>
+              <a:cs typeface="Times New Roman" panose="02020603050405020304" pitchFamily="18" charset="0"/>
             </a:endParaRPr>
           </a:p>
           <a:p>
@@ -10847,7 +11700,8 @@
               <a:buNone/>
             </a:pPr>
             <a:endParaRPr lang="en-US" altLang="zh-CN" dirty="0">
-              <a:latin typeface="PingFang SC"/>
+              <a:latin typeface="Times New Roman" panose="02020603050405020304" pitchFamily="18" charset="0"/>
+              <a:cs typeface="Times New Roman" panose="02020603050405020304" pitchFamily="18" charset="0"/>
             </a:endParaRPr>
           </a:p>
           <a:p>
@@ -10856,19 +11710,22 @@
             </a:pPr>
             <a:r>
               <a:rPr lang="en-US" altLang="zh-CN" dirty="0">
-                <a:latin typeface="PingFang SC"/>
+                <a:latin typeface="Times New Roman" panose="02020603050405020304" pitchFamily="18" charset="0"/>
+                <a:cs typeface="Times New Roman" panose="02020603050405020304" pitchFamily="18" charset="0"/>
               </a:rPr>
               <a:t>Solution is 0,</a:t>
             </a:r>
             <a:r>
               <a:rPr lang="zh-CN" altLang="en-US" dirty="0">
-                <a:latin typeface="PingFang SC"/>
+                <a:latin typeface="Times New Roman" panose="02020603050405020304" pitchFamily="18" charset="0"/>
+                <a:cs typeface="Times New Roman" panose="02020603050405020304" pitchFamily="18" charset="0"/>
               </a:rPr>
               <a:t> </a:t>
             </a:r>
             <a:r>
               <a:rPr lang="en-US" altLang="zh-CN" dirty="0">
-                <a:latin typeface="PingFang SC"/>
+                <a:latin typeface="Times New Roman" panose="02020603050405020304" pitchFamily="18" charset="0"/>
+                <a:cs typeface="Times New Roman" panose="02020603050405020304" pitchFamily="18" charset="0"/>
               </a:rPr>
               <a:t>otherwise gives the descent direction that improves all objectives</a:t>
             </a:r>
@@ -11031,20 +11888,23 @@
             </a:pPr>
             <a:r>
               <a:rPr lang="en-US" altLang="zh-CN" sz="3200" dirty="0">
-                <a:latin typeface="PingFang SC"/>
+                <a:latin typeface="Times New Roman" panose="02020603050405020304" pitchFamily="18" charset="0"/>
+                <a:cs typeface="Times New Roman" panose="02020603050405020304" pitchFamily="18" charset="0"/>
               </a:rPr>
               <a:t>Why hybrid</a:t>
             </a:r>
           </a:p>
           <a:p>
             <a:endParaRPr lang="en-US" altLang="zh-CN" sz="3200" dirty="0">
-              <a:latin typeface="PingFang SC"/>
+              <a:latin typeface="Times New Roman" panose="02020603050405020304" pitchFamily="18" charset="0"/>
+              <a:cs typeface="Times New Roman" panose="02020603050405020304" pitchFamily="18" charset="0"/>
             </a:endParaRPr>
           </a:p>
           <a:p>
             <a:r>
               <a:rPr lang="en-US" altLang="zh-CN" sz="3200" dirty="0">
-                <a:latin typeface="PingFang SC"/>
+                <a:latin typeface="Times New Roman" panose="02020603050405020304" pitchFamily="18" charset="0"/>
+                <a:cs typeface="Times New Roman" panose="02020603050405020304" pitchFamily="18" charset="0"/>
               </a:rPr>
               <a:t>Gradient-based</a:t>
             </a:r>
@@ -11053,7 +11913,8 @@
             <a:pPr lvl="1"/>
             <a:r>
               <a:rPr lang="en-US" altLang="zh-CN" sz="2800" dirty="0">
-                <a:latin typeface="PingFang SC"/>
+                <a:latin typeface="Times New Roman" panose="02020603050405020304" pitchFamily="18" charset="0"/>
+                <a:cs typeface="Times New Roman" panose="02020603050405020304" pitchFamily="18" charset="0"/>
               </a:rPr>
               <a:t>Directional, gradient (direction of optimization) guided</a:t>
             </a:r>
@@ -11062,7 +11923,8 @@
             <a:pPr lvl="1"/>
             <a:r>
               <a:rPr lang="en-US" altLang="zh-CN" sz="2800" dirty="0">
-                <a:latin typeface="PingFang SC"/>
+                <a:latin typeface="Times New Roman" panose="02020603050405020304" pitchFamily="18" charset="0"/>
+                <a:cs typeface="Times New Roman" panose="02020603050405020304" pitchFamily="18" charset="0"/>
               </a:rPr>
               <a:t>Converge faster</a:t>
             </a:r>
@@ -11070,7 +11932,8 @@
           <a:p>
             <a:r>
               <a:rPr lang="en-US" altLang="zh-CN" sz="3200" dirty="0">
-                <a:latin typeface="PingFang SC"/>
+                <a:latin typeface="Times New Roman" panose="02020603050405020304" pitchFamily="18" charset="0"/>
+                <a:cs typeface="Times New Roman" panose="02020603050405020304" pitchFamily="18" charset="0"/>
               </a:rPr>
               <a:t>EMO</a:t>
             </a:r>
@@ -11079,7 +11942,8 @@
             <a:pPr lvl="1"/>
             <a:r>
               <a:rPr lang="en-US" altLang="zh-CN" sz="2800" dirty="0">
-                <a:latin typeface="PingFang SC"/>
+                <a:latin typeface="Times New Roman" panose="02020603050405020304" pitchFamily="18" charset="0"/>
+                <a:cs typeface="Times New Roman" panose="02020603050405020304" pitchFamily="18" charset="0"/>
               </a:rPr>
               <a:t>Better at complicated problems (e.g. noisy objective function)</a:t>
             </a:r>
@@ -11088,14 +11952,16 @@
             <a:pPr lvl="1"/>
             <a:r>
               <a:rPr lang="en-US" altLang="zh-CN" sz="2800" dirty="0">
-                <a:latin typeface="PingFang SC"/>
+                <a:latin typeface="Times New Roman" panose="02020603050405020304" pitchFamily="18" charset="0"/>
+                <a:cs typeface="Times New Roman" panose="02020603050405020304" pitchFamily="18" charset="0"/>
               </a:rPr>
               <a:t>Diversity of solutions</a:t>
             </a:r>
           </a:p>
           <a:p>
             <a:endParaRPr lang="en-US" altLang="zh-CN" sz="3200" dirty="0">
-              <a:latin typeface="PingFang SC"/>
+              <a:latin typeface="Times New Roman" panose="02020603050405020304" pitchFamily="18" charset="0"/>
+              <a:cs typeface="Times New Roman" panose="02020603050405020304" pitchFamily="18" charset="0"/>
             </a:endParaRPr>
           </a:p>
           <a:p>
@@ -11104,7 +11970,8 @@
             </a:pPr>
             <a:r>
               <a:rPr lang="en-US" altLang="zh-CN" dirty="0">
-                <a:latin typeface="PingFang SC"/>
+                <a:latin typeface="Times New Roman" panose="02020603050405020304" pitchFamily="18" charset="0"/>
+                <a:cs typeface="Times New Roman" panose="02020603050405020304" pitchFamily="18" charset="0"/>
               </a:rPr>
               <a:t>e.g. lots of work in hybridizing MCDM (multi-criteria decision making) and EMO (evolutionary multi-objective optimization) </a:t>
             </a:r>
@@ -11113,7 +11980,8 @@
             <a:pPr lvl="1"/>
             <a:r>
               <a:rPr lang="en-US" altLang="zh-CN" sz="2100" dirty="0">
-                <a:latin typeface="PingFang SC"/>
+                <a:latin typeface="Times New Roman" panose="02020603050405020304" pitchFamily="18" charset="0"/>
+                <a:cs typeface="Times New Roman" panose="02020603050405020304" pitchFamily="18" charset="0"/>
               </a:rPr>
               <a:t>A local search operator is mainly used to enhance the rate of convergence of EMO algorithms. </a:t>
             </a:r>
